--- a/Poster Artifacts/Poster Extra.pptx
+++ b/Poster Artifacts/Poster Extra.pptx
@@ -108,6 +108,11 @@
       </a:defRPr>
     </a:lvl9pPr>
   </p:defaultTextStyle>
+  <p:extLst>
+    <p:ext uri="{EFAFB233-063F-42B5-8137-9DF3F51BA10A}">
+      <p15:sldGuideLst xmlns:p15="http://schemas.microsoft.com/office/powerpoint/2012/main"/>
+    </p:ext>
+  </p:extLst>
 </p:presentation>
 </file>
 
@@ -193,7 +198,7 @@
           <a:p>
             <a:fld id="{88C350B5-7B75-460C-BD97-4A97A109E9A5}" type="datetimeFigureOut">
               <a:rPr lang="en-US" smtClean="0"/>
-              <a:t>4/5/2017</a:t>
+              <a:t>4/10/2017</a:t>
             </a:fld>
             <a:endParaRPr lang="en-US"/>
           </a:p>
@@ -733,7 +738,7 @@
           <a:p>
             <a:fld id="{6047A8FC-007F-44DD-8989-93C29FA03653}" type="datetimeFigureOut">
               <a:rPr lang="en-US" smtClean="0"/>
-              <a:t>4/5/2017</a:t>
+              <a:t>4/10/2017</a:t>
             </a:fld>
             <a:endParaRPr lang="en-US"/>
           </a:p>
@@ -901,7 +906,7 @@
           <a:p>
             <a:fld id="{6047A8FC-007F-44DD-8989-93C29FA03653}" type="datetimeFigureOut">
               <a:rPr lang="en-US" smtClean="0"/>
-              <a:t>4/5/2017</a:t>
+              <a:t>4/10/2017</a:t>
             </a:fld>
             <a:endParaRPr lang="en-US"/>
           </a:p>
@@ -1079,7 +1084,7 @@
           <a:p>
             <a:fld id="{6047A8FC-007F-44DD-8989-93C29FA03653}" type="datetimeFigureOut">
               <a:rPr lang="en-US" smtClean="0"/>
-              <a:t>4/5/2017</a:t>
+              <a:t>4/10/2017</a:t>
             </a:fld>
             <a:endParaRPr lang="en-US"/>
           </a:p>
@@ -1320,7 +1325,7 @@
             <a:fld id="{1D8BD707-D9CF-40AE-B4C6-C98DA3205C09}" type="datetimeFigureOut">
               <a:rPr lang="en-US" smtClean="0"/>
               <a:pPr/>
-              <a:t>4/5/2017</a:t>
+              <a:t>4/10/2017</a:t>
             </a:fld>
             <a:endParaRPr lang="en-US"/>
           </a:p>
@@ -1490,7 +1495,7 @@
             <a:fld id="{1D8BD707-D9CF-40AE-B4C6-C98DA3205C09}" type="datetimeFigureOut">
               <a:rPr lang="en-US" smtClean="0"/>
               <a:pPr/>
-              <a:t>4/5/2017</a:t>
+              <a:t>4/10/2017</a:t>
             </a:fld>
             <a:endParaRPr lang="en-US"/>
           </a:p>
@@ -1737,7 +1742,7 @@
             <a:fld id="{1D8BD707-D9CF-40AE-B4C6-C98DA3205C09}" type="datetimeFigureOut">
               <a:rPr lang="en-US" smtClean="0"/>
               <a:pPr/>
-              <a:t>4/5/2017</a:t>
+              <a:t>4/10/2017</a:t>
             </a:fld>
             <a:endParaRPr lang="en-US"/>
           </a:p>
@@ -2024,7 +2029,7 @@
             <a:fld id="{1D8BD707-D9CF-40AE-B4C6-C98DA3205C09}" type="datetimeFigureOut">
               <a:rPr lang="en-US" smtClean="0"/>
               <a:pPr/>
-              <a:t>4/5/2017</a:t>
+              <a:t>4/10/2017</a:t>
             </a:fld>
             <a:endParaRPr lang="en-US"/>
           </a:p>
@@ -2445,7 +2450,7 @@
             <a:fld id="{1D8BD707-D9CF-40AE-B4C6-C98DA3205C09}" type="datetimeFigureOut">
               <a:rPr lang="en-US" smtClean="0"/>
               <a:pPr/>
-              <a:t>4/5/2017</a:t>
+              <a:t>4/10/2017</a:t>
             </a:fld>
             <a:endParaRPr lang="en-US"/>
           </a:p>
@@ -2564,7 +2569,7 @@
             <a:fld id="{1D8BD707-D9CF-40AE-B4C6-C98DA3205C09}" type="datetimeFigureOut">
               <a:rPr lang="en-US" smtClean="0"/>
               <a:pPr/>
-              <a:t>4/5/2017</a:t>
+              <a:t>4/10/2017</a:t>
             </a:fld>
             <a:endParaRPr lang="en-US"/>
           </a:p>
@@ -2661,7 +2666,7 @@
             <a:fld id="{1D8BD707-D9CF-40AE-B4C6-C98DA3205C09}" type="datetimeFigureOut">
               <a:rPr lang="en-US" smtClean="0"/>
               <a:pPr/>
-              <a:t>4/5/2017</a:t>
+              <a:t>4/10/2017</a:t>
             </a:fld>
             <a:endParaRPr lang="en-US"/>
           </a:p>
@@ -2938,7 +2943,7 @@
             <a:fld id="{1D8BD707-D9CF-40AE-B4C6-C98DA3205C09}" type="datetimeFigureOut">
               <a:rPr lang="en-US" smtClean="0"/>
               <a:pPr/>
-              <a:t>4/5/2017</a:t>
+              <a:t>4/10/2017</a:t>
             </a:fld>
             <a:endParaRPr lang="en-US"/>
           </a:p>
@@ -3107,7 +3112,7 @@
           <a:p>
             <a:fld id="{6047A8FC-007F-44DD-8989-93C29FA03653}" type="datetimeFigureOut">
               <a:rPr lang="en-US" smtClean="0"/>
-              <a:t>4/5/2017</a:t>
+              <a:t>4/10/2017</a:t>
             </a:fld>
             <a:endParaRPr lang="en-US"/>
           </a:p>
@@ -3360,7 +3365,7 @@
             <a:fld id="{1D8BD707-D9CF-40AE-B4C6-C98DA3205C09}" type="datetimeFigureOut">
               <a:rPr lang="en-US" smtClean="0"/>
               <a:pPr/>
-              <a:t>4/5/2017</a:t>
+              <a:t>4/10/2017</a:t>
             </a:fld>
             <a:endParaRPr lang="en-US"/>
           </a:p>
@@ -3530,7 +3535,7 @@
             <a:fld id="{1D8BD707-D9CF-40AE-B4C6-C98DA3205C09}" type="datetimeFigureOut">
               <a:rPr lang="en-US" smtClean="0"/>
               <a:pPr/>
-              <a:t>4/5/2017</a:t>
+              <a:t>4/10/2017</a:t>
             </a:fld>
             <a:endParaRPr lang="en-US"/>
           </a:p>
@@ -3710,7 +3715,7 @@
             <a:fld id="{1D8BD707-D9CF-40AE-B4C6-C98DA3205C09}" type="datetimeFigureOut">
               <a:rPr lang="en-US" smtClean="0"/>
               <a:pPr/>
-              <a:t>4/5/2017</a:t>
+              <a:t>4/10/2017</a:t>
             </a:fld>
             <a:endParaRPr lang="en-US"/>
           </a:p>
@@ -3956,7 +3961,7 @@
           <a:p>
             <a:fld id="{6047A8FC-007F-44DD-8989-93C29FA03653}" type="datetimeFigureOut">
               <a:rPr lang="en-US" smtClean="0"/>
-              <a:t>4/5/2017</a:t>
+              <a:t>4/10/2017</a:t>
             </a:fld>
             <a:endParaRPr lang="en-US"/>
           </a:p>
@@ -4185,7 +4190,7 @@
           <a:p>
             <a:fld id="{6047A8FC-007F-44DD-8989-93C29FA03653}" type="datetimeFigureOut">
               <a:rPr lang="en-US" smtClean="0"/>
-              <a:t>4/5/2017</a:t>
+              <a:t>4/10/2017</a:t>
             </a:fld>
             <a:endParaRPr lang="en-US"/>
           </a:p>
@@ -4549,7 +4554,7 @@
           <a:p>
             <a:fld id="{6047A8FC-007F-44DD-8989-93C29FA03653}" type="datetimeFigureOut">
               <a:rPr lang="en-US" smtClean="0"/>
-              <a:t>4/5/2017</a:t>
+              <a:t>4/10/2017</a:t>
             </a:fld>
             <a:endParaRPr lang="en-US"/>
           </a:p>
@@ -4666,7 +4671,7 @@
           <a:p>
             <a:fld id="{6047A8FC-007F-44DD-8989-93C29FA03653}" type="datetimeFigureOut">
               <a:rPr lang="en-US" smtClean="0"/>
-              <a:t>4/5/2017</a:t>
+              <a:t>4/10/2017</a:t>
             </a:fld>
             <a:endParaRPr lang="en-US"/>
           </a:p>
@@ -4761,7 +4766,7 @@
           <a:p>
             <a:fld id="{6047A8FC-007F-44DD-8989-93C29FA03653}" type="datetimeFigureOut">
               <a:rPr lang="en-US" smtClean="0"/>
-              <a:t>4/5/2017</a:t>
+              <a:t>4/10/2017</a:t>
             </a:fld>
             <a:endParaRPr lang="en-US"/>
           </a:p>
@@ -5036,7 +5041,7 @@
           <a:p>
             <a:fld id="{6047A8FC-007F-44DD-8989-93C29FA03653}" type="datetimeFigureOut">
               <a:rPr lang="en-US" smtClean="0"/>
-              <a:t>4/5/2017</a:t>
+              <a:t>4/10/2017</a:t>
             </a:fld>
             <a:endParaRPr lang="en-US"/>
           </a:p>
@@ -5288,7 +5293,7 @@
           <a:p>
             <a:fld id="{6047A8FC-007F-44DD-8989-93C29FA03653}" type="datetimeFigureOut">
               <a:rPr lang="en-US" smtClean="0"/>
-              <a:t>4/5/2017</a:t>
+              <a:t>4/10/2017</a:t>
             </a:fld>
             <a:endParaRPr lang="en-US"/>
           </a:p>
@@ -5499,7 +5504,7 @@
           <a:p>
             <a:fld id="{6047A8FC-007F-44DD-8989-93C29FA03653}" type="datetimeFigureOut">
               <a:rPr lang="en-US" smtClean="0"/>
-              <a:t>4/5/2017</a:t>
+              <a:t>4/10/2017</a:t>
             </a:fld>
             <a:endParaRPr lang="en-US"/>
           </a:p>
@@ -6038,7 +6043,7 @@
             <a:fld id="{1D8BD707-D9CF-40AE-B4C6-C98DA3205C09}" type="datetimeFigureOut">
               <a:rPr lang="en-US" smtClean="0"/>
               <a:pPr/>
-              <a:t>4/5/2017</a:t>
+              <a:t>4/10/2017</a:t>
             </a:fld>
             <a:endParaRPr lang="en-US"/>
           </a:p>
@@ -7150,7 +7155,16 @@
                 </a:solidFill>
                 <a:latin typeface="Century Schoolbook" panose="02040604050505020304"/>
               </a:rPr>
-              <a:t>Smartphone devices that are NFC-enable operate in reader/writer mode, one of three modes defined by the NFC Forum, when interfacing with passive NFC tags. RF interfaces must be compliant with in order to generate, transmit, and receive messages on ISO/IEC 18000-3 air interface which describes the parameters for air interface communications at 1the ISO 14443 standard 3.56 </a:t>
+              <a:t>Smartphone devices that are NFC-enable operate in reader/writer mode, one of three modes defined by the NFC Forum, when interfacing with passive NFC tags. RF interfaces must be compliant with in order to generate, transmit, and receive messages on ISO/IEC 18000-3 air interface which describes the parameters for air interface communications at 1the ISO 14443 </a:t>
+            </a:r>
+            <a:r>
+              <a:rPr lang="en-US" sz="750" kern="0">
+                <a:solidFill>
+                  <a:prstClr val="black"/>
+                </a:solidFill>
+                <a:latin typeface="Century Schoolbook" panose="02040604050505020304"/>
+              </a:rPr>
+              <a:t>standard 13.56 </a:t>
             </a:r>
             <a:r>
               <a:rPr lang="en-US" sz="750" kern="0" dirty="0" err="1">

--- a/Poster Artifacts/Poster Extra.pptx
+++ b/Poster Artifacts/Poster Extra.pptx
@@ -198,7 +198,7 @@
           <a:p>
             <a:fld id="{88C350B5-7B75-460C-BD97-4A97A109E9A5}" type="datetimeFigureOut">
               <a:rPr lang="en-US" smtClean="0"/>
-              <a:t>4/10/2017</a:t>
+              <a:t>4/12/2017</a:t>
             </a:fld>
             <a:endParaRPr lang="en-US"/>
           </a:p>
@@ -738,7 +738,7 @@
           <a:p>
             <a:fld id="{6047A8FC-007F-44DD-8989-93C29FA03653}" type="datetimeFigureOut">
               <a:rPr lang="en-US" smtClean="0"/>
-              <a:t>4/10/2017</a:t>
+              <a:t>4/12/2017</a:t>
             </a:fld>
             <a:endParaRPr lang="en-US"/>
           </a:p>
@@ -906,7 +906,7 @@
           <a:p>
             <a:fld id="{6047A8FC-007F-44DD-8989-93C29FA03653}" type="datetimeFigureOut">
               <a:rPr lang="en-US" smtClean="0"/>
-              <a:t>4/10/2017</a:t>
+              <a:t>4/12/2017</a:t>
             </a:fld>
             <a:endParaRPr lang="en-US"/>
           </a:p>
@@ -1084,7 +1084,7 @@
           <a:p>
             <a:fld id="{6047A8FC-007F-44DD-8989-93C29FA03653}" type="datetimeFigureOut">
               <a:rPr lang="en-US" smtClean="0"/>
-              <a:t>4/10/2017</a:t>
+              <a:t>4/12/2017</a:t>
             </a:fld>
             <a:endParaRPr lang="en-US"/>
           </a:p>
@@ -1325,7 +1325,7 @@
             <a:fld id="{1D8BD707-D9CF-40AE-B4C6-C98DA3205C09}" type="datetimeFigureOut">
               <a:rPr lang="en-US" smtClean="0"/>
               <a:pPr/>
-              <a:t>4/10/2017</a:t>
+              <a:t>4/12/2017</a:t>
             </a:fld>
             <a:endParaRPr lang="en-US"/>
           </a:p>
@@ -1495,7 +1495,7 @@
             <a:fld id="{1D8BD707-D9CF-40AE-B4C6-C98DA3205C09}" type="datetimeFigureOut">
               <a:rPr lang="en-US" smtClean="0"/>
               <a:pPr/>
-              <a:t>4/10/2017</a:t>
+              <a:t>4/12/2017</a:t>
             </a:fld>
             <a:endParaRPr lang="en-US"/>
           </a:p>
@@ -1742,7 +1742,7 @@
             <a:fld id="{1D8BD707-D9CF-40AE-B4C6-C98DA3205C09}" type="datetimeFigureOut">
               <a:rPr lang="en-US" smtClean="0"/>
               <a:pPr/>
-              <a:t>4/10/2017</a:t>
+              <a:t>4/12/2017</a:t>
             </a:fld>
             <a:endParaRPr lang="en-US"/>
           </a:p>
@@ -2029,7 +2029,7 @@
             <a:fld id="{1D8BD707-D9CF-40AE-B4C6-C98DA3205C09}" type="datetimeFigureOut">
               <a:rPr lang="en-US" smtClean="0"/>
               <a:pPr/>
-              <a:t>4/10/2017</a:t>
+              <a:t>4/12/2017</a:t>
             </a:fld>
             <a:endParaRPr lang="en-US"/>
           </a:p>
@@ -2450,7 +2450,7 @@
             <a:fld id="{1D8BD707-D9CF-40AE-B4C6-C98DA3205C09}" type="datetimeFigureOut">
               <a:rPr lang="en-US" smtClean="0"/>
               <a:pPr/>
-              <a:t>4/10/2017</a:t>
+              <a:t>4/12/2017</a:t>
             </a:fld>
             <a:endParaRPr lang="en-US"/>
           </a:p>
@@ -2569,7 +2569,7 @@
             <a:fld id="{1D8BD707-D9CF-40AE-B4C6-C98DA3205C09}" type="datetimeFigureOut">
               <a:rPr lang="en-US" smtClean="0"/>
               <a:pPr/>
-              <a:t>4/10/2017</a:t>
+              <a:t>4/12/2017</a:t>
             </a:fld>
             <a:endParaRPr lang="en-US"/>
           </a:p>
@@ -2666,7 +2666,7 @@
             <a:fld id="{1D8BD707-D9CF-40AE-B4C6-C98DA3205C09}" type="datetimeFigureOut">
               <a:rPr lang="en-US" smtClean="0"/>
               <a:pPr/>
-              <a:t>4/10/2017</a:t>
+              <a:t>4/12/2017</a:t>
             </a:fld>
             <a:endParaRPr lang="en-US"/>
           </a:p>
@@ -2943,7 +2943,7 @@
             <a:fld id="{1D8BD707-D9CF-40AE-B4C6-C98DA3205C09}" type="datetimeFigureOut">
               <a:rPr lang="en-US" smtClean="0"/>
               <a:pPr/>
-              <a:t>4/10/2017</a:t>
+              <a:t>4/12/2017</a:t>
             </a:fld>
             <a:endParaRPr lang="en-US"/>
           </a:p>
@@ -3112,7 +3112,7 @@
           <a:p>
             <a:fld id="{6047A8FC-007F-44DD-8989-93C29FA03653}" type="datetimeFigureOut">
               <a:rPr lang="en-US" smtClean="0"/>
-              <a:t>4/10/2017</a:t>
+              <a:t>4/12/2017</a:t>
             </a:fld>
             <a:endParaRPr lang="en-US"/>
           </a:p>
@@ -3365,7 +3365,7 @@
             <a:fld id="{1D8BD707-D9CF-40AE-B4C6-C98DA3205C09}" type="datetimeFigureOut">
               <a:rPr lang="en-US" smtClean="0"/>
               <a:pPr/>
-              <a:t>4/10/2017</a:t>
+              <a:t>4/12/2017</a:t>
             </a:fld>
             <a:endParaRPr lang="en-US"/>
           </a:p>
@@ -3535,7 +3535,7 @@
             <a:fld id="{1D8BD707-D9CF-40AE-B4C6-C98DA3205C09}" type="datetimeFigureOut">
               <a:rPr lang="en-US" smtClean="0"/>
               <a:pPr/>
-              <a:t>4/10/2017</a:t>
+              <a:t>4/12/2017</a:t>
             </a:fld>
             <a:endParaRPr lang="en-US"/>
           </a:p>
@@ -3715,7 +3715,7 @@
             <a:fld id="{1D8BD707-D9CF-40AE-B4C6-C98DA3205C09}" type="datetimeFigureOut">
               <a:rPr lang="en-US" smtClean="0"/>
               <a:pPr/>
-              <a:t>4/10/2017</a:t>
+              <a:t>4/12/2017</a:t>
             </a:fld>
             <a:endParaRPr lang="en-US"/>
           </a:p>
@@ -3961,7 +3961,7 @@
           <a:p>
             <a:fld id="{6047A8FC-007F-44DD-8989-93C29FA03653}" type="datetimeFigureOut">
               <a:rPr lang="en-US" smtClean="0"/>
-              <a:t>4/10/2017</a:t>
+              <a:t>4/12/2017</a:t>
             </a:fld>
             <a:endParaRPr lang="en-US"/>
           </a:p>
@@ -4190,7 +4190,7 @@
           <a:p>
             <a:fld id="{6047A8FC-007F-44DD-8989-93C29FA03653}" type="datetimeFigureOut">
               <a:rPr lang="en-US" smtClean="0"/>
-              <a:t>4/10/2017</a:t>
+              <a:t>4/12/2017</a:t>
             </a:fld>
             <a:endParaRPr lang="en-US"/>
           </a:p>
@@ -4554,7 +4554,7 @@
           <a:p>
             <a:fld id="{6047A8FC-007F-44DD-8989-93C29FA03653}" type="datetimeFigureOut">
               <a:rPr lang="en-US" smtClean="0"/>
-              <a:t>4/10/2017</a:t>
+              <a:t>4/12/2017</a:t>
             </a:fld>
             <a:endParaRPr lang="en-US"/>
           </a:p>
@@ -4671,7 +4671,7 @@
           <a:p>
             <a:fld id="{6047A8FC-007F-44DD-8989-93C29FA03653}" type="datetimeFigureOut">
               <a:rPr lang="en-US" smtClean="0"/>
-              <a:t>4/10/2017</a:t>
+              <a:t>4/12/2017</a:t>
             </a:fld>
             <a:endParaRPr lang="en-US"/>
           </a:p>
@@ -4766,7 +4766,7 @@
           <a:p>
             <a:fld id="{6047A8FC-007F-44DD-8989-93C29FA03653}" type="datetimeFigureOut">
               <a:rPr lang="en-US" smtClean="0"/>
-              <a:t>4/10/2017</a:t>
+              <a:t>4/12/2017</a:t>
             </a:fld>
             <a:endParaRPr lang="en-US"/>
           </a:p>
@@ -5041,7 +5041,7 @@
           <a:p>
             <a:fld id="{6047A8FC-007F-44DD-8989-93C29FA03653}" type="datetimeFigureOut">
               <a:rPr lang="en-US" smtClean="0"/>
-              <a:t>4/10/2017</a:t>
+              <a:t>4/12/2017</a:t>
             </a:fld>
             <a:endParaRPr lang="en-US"/>
           </a:p>
@@ -5293,7 +5293,7 @@
           <a:p>
             <a:fld id="{6047A8FC-007F-44DD-8989-93C29FA03653}" type="datetimeFigureOut">
               <a:rPr lang="en-US" smtClean="0"/>
-              <a:t>4/10/2017</a:t>
+              <a:t>4/12/2017</a:t>
             </a:fld>
             <a:endParaRPr lang="en-US"/>
           </a:p>
@@ -5504,7 +5504,7 @@
           <a:p>
             <a:fld id="{6047A8FC-007F-44DD-8989-93C29FA03653}" type="datetimeFigureOut">
               <a:rPr lang="en-US" smtClean="0"/>
-              <a:t>4/10/2017</a:t>
+              <a:t>4/12/2017</a:t>
             </a:fld>
             <a:endParaRPr lang="en-US"/>
           </a:p>
@@ -6043,7 +6043,7 @@
             <a:fld id="{1D8BD707-D9CF-40AE-B4C6-C98DA3205C09}" type="datetimeFigureOut">
               <a:rPr lang="en-US" smtClean="0"/>
               <a:pPr/>
-              <a:t>4/10/2017</a:t>
+              <a:t>4/12/2017</a:t>
             </a:fld>
             <a:endParaRPr lang="en-US"/>
           </a:p>
@@ -6451,7 +6451,7 @@
       </p:grpSpPr>
       <p:pic>
         <p:nvPicPr>
-          <p:cNvPr id="36" name="Picture 35"/>
+          <p:cNvPr id="40" name="Picture 39"/>
           <p:cNvPicPr>
             <a:picLocks noChangeAspect="1"/>
           </p:cNvPicPr>
@@ -6471,8 +6471,8 @@
         </p:blipFill>
         <p:spPr>
           <a:xfrm>
-            <a:off x="7731125" y="2684534"/>
-            <a:ext cx="1068224" cy="1111250"/>
+            <a:off x="286604" y="106878"/>
+            <a:ext cx="1981902" cy="6610867"/>
           </a:xfrm>
           <a:prstGeom prst="rect">
             <a:avLst/>
@@ -6481,28 +6481,28 @@
             <a:noFill/>
           </a:ln>
           <a:effectLst>
-            <a:outerShdw blurRad="190500" dist="228600" dir="2700000" algn="ctr">
-              <a:srgbClr val="000000">
-                <a:alpha val="30000"/>
-              </a:srgbClr>
+            <a:outerShdw blurRad="50800" dist="38100" dir="8100000" algn="tr" rotWithShape="0">
+              <a:prstClr val="black">
+                <a:alpha val="40000"/>
+              </a:prstClr>
             </a:outerShdw>
           </a:effectLst>
           <a:scene3d>
             <a:camera prst="orthographicFront">
               <a:rot lat="0" lon="0" rev="0"/>
             </a:camera>
-            <a:lightRig rig="glow" dir="t">
-              <a:rot lat="0" lon="0" rev="4800000"/>
+            <a:lightRig rig="contrasting" dir="t">
+              <a:rot lat="0" lon="0" rev="1500000"/>
             </a:lightRig>
           </a:scene3d>
-          <a:sp3d prstMaterial="matte">
-            <a:bevelT w="127000" h="63500"/>
+          <a:sp3d prstMaterial="metal">
+            <a:bevelT w="88900" h="88900"/>
           </a:sp3d>
         </p:spPr>
       </p:pic>
       <p:pic>
         <p:nvPicPr>
-          <p:cNvPr id="40" name="Picture 39"/>
+          <p:cNvPr id="3" name="Picture 2"/>
           <p:cNvPicPr>
             <a:picLocks noChangeAspect="1"/>
           </p:cNvPicPr>
@@ -6522,119 +6522,8 @@
         </p:blipFill>
         <p:spPr>
           <a:xfrm>
-            <a:off x="3316124" y="37435"/>
-            <a:ext cx="1240001" cy="6813045"/>
-          </a:xfrm>
-          <a:prstGeom prst="rect">
-            <a:avLst/>
-          </a:prstGeom>
-          <a:ln>
-            <a:noFill/>
-          </a:ln>
-          <a:effectLst>
-            <a:outerShdw blurRad="190500" dist="228600" dir="2700000" algn="ctr">
-              <a:srgbClr val="000000">
-                <a:alpha val="30000"/>
-              </a:srgbClr>
-            </a:outerShdw>
-          </a:effectLst>
-          <a:scene3d>
-            <a:camera prst="orthographicFront">
-              <a:rot lat="0" lon="0" rev="0"/>
-            </a:camera>
-            <a:lightRig rig="glow" dir="t">
-              <a:rot lat="0" lon="0" rev="4800000"/>
-            </a:lightRig>
-          </a:scene3d>
-          <a:sp3d prstMaterial="matte">
-            <a:bevelT w="127000" h="63500"/>
-          </a:sp3d>
-        </p:spPr>
-      </p:pic>
-      <p:pic>
-        <p:nvPicPr>
-          <p:cNvPr id="6" name="Picture 5"/>
-          <p:cNvPicPr>
-            <a:picLocks noChangeAspect="1"/>
-          </p:cNvPicPr>
-          <p:nvPr/>
-        </p:nvPicPr>
-        <p:blipFill>
-          <a:blip r:embed="rId5">
-            <a:extLst>
-              <a:ext uri="{28A0092B-C50C-407E-A947-70E740481C1C}">
-                <a14:useLocalDpi xmlns:a14="http://schemas.microsoft.com/office/drawing/2010/main" val="0"/>
-              </a:ext>
-            </a:extLst>
-          </a:blip>
-          <a:stretch>
-            <a:fillRect/>
-          </a:stretch>
-        </p:blipFill>
-        <p:spPr>
-          <a:xfrm>
-            <a:off x="7801813" y="4750861"/>
-            <a:ext cx="2797084" cy="998204"/>
-          </a:xfrm>
-          <a:prstGeom prst="rect">
-            <a:avLst/>
-          </a:prstGeom>
-        </p:spPr>
-      </p:pic>
-      <p:pic>
-        <p:nvPicPr>
-          <p:cNvPr id="7" name="Picture 6"/>
-          <p:cNvPicPr>
-            <a:picLocks noChangeAspect="1"/>
-          </p:cNvPicPr>
-          <p:nvPr/>
-        </p:nvPicPr>
-        <p:blipFill>
-          <a:blip r:embed="rId6">
-            <a:extLst>
-              <a:ext uri="{28A0092B-C50C-407E-A947-70E740481C1C}">
-                <a14:useLocalDpi xmlns:a14="http://schemas.microsoft.com/office/drawing/2010/main" val="0"/>
-              </a:ext>
-            </a:extLst>
-          </a:blip>
-          <a:stretch>
-            <a:fillRect/>
-          </a:stretch>
-        </p:blipFill>
-        <p:spPr>
-          <a:xfrm>
-            <a:off x="7806482" y="5809406"/>
-            <a:ext cx="2798018" cy="1000125"/>
-          </a:xfrm>
-          <a:prstGeom prst="rect">
-            <a:avLst/>
-          </a:prstGeom>
-        </p:spPr>
-      </p:pic>
-      <p:pic>
-        <p:nvPicPr>
-          <p:cNvPr id="3" name="Picture 2"/>
-          <p:cNvPicPr>
-            <a:picLocks noChangeAspect="1"/>
-          </p:cNvPicPr>
-          <p:nvPr/>
-        </p:nvPicPr>
-        <p:blipFill>
-          <a:blip r:embed="rId7">
-            <a:extLst>
-              <a:ext uri="{28A0092B-C50C-407E-A947-70E740481C1C}">
-                <a14:useLocalDpi xmlns:a14="http://schemas.microsoft.com/office/drawing/2010/main" val="0"/>
-              </a:ext>
-            </a:extLst>
-          </a:blip>
-          <a:stretch>
-            <a:fillRect/>
-          </a:stretch>
-        </p:blipFill>
-        <p:spPr>
-          <a:xfrm>
-            <a:off x="4726733" y="2317750"/>
-            <a:ext cx="2798017" cy="2319409"/>
+            <a:off x="2507574" y="1405719"/>
+            <a:ext cx="7156620" cy="3957851"/>
           </a:xfrm>
           <a:prstGeom prst="rect">
             <a:avLst/>
@@ -6644,12 +6533,23 @@
             <a:noFill/>
           </a:ln>
           <a:effectLst>
-            <a:outerShdw blurRad="190500" dist="228600" dir="2700000" algn="ctr">
-              <a:srgbClr val="000000">
-                <a:alpha val="30000"/>
-              </a:srgbClr>
+            <a:outerShdw blurRad="50800" dist="38100" dir="8100000" algn="tr" rotWithShape="0">
+              <a:prstClr val="black">
+                <a:alpha val="40000"/>
+              </a:prstClr>
             </a:outerShdw>
           </a:effectLst>
+          <a:scene3d>
+            <a:camera prst="orthographicFront">
+              <a:rot lat="0" lon="0" rev="0"/>
+            </a:camera>
+            <a:lightRig rig="contrasting" dir="t">
+              <a:rot lat="0" lon="0" rev="1500000"/>
+            </a:lightRig>
+          </a:scene3d>
+          <a:sp3d prstMaterial="metal">
+            <a:bevelT w="88900" h="88900"/>
+          </a:sp3d>
         </p:spPr>
       </p:pic>
       <p:sp>
@@ -6662,8 +6562,8 @@
         </p:nvSpPr>
         <p:spPr bwMode="auto">
           <a:xfrm>
-            <a:off x="1603375" y="2603500"/>
-            <a:ext cx="1635125" cy="1349375"/>
+            <a:off x="2507576" y="221130"/>
+            <a:ext cx="7156618" cy="1015269"/>
           </a:xfrm>
           <a:prstGeom prst="rect">
             <a:avLst/>
@@ -6677,10 +6577,10 @@
             <a:tailEnd/>
           </a:ln>
           <a:effectLst>
-            <a:outerShdw blurRad="149987" dist="250190" dir="8460000" algn="ctr">
-              <a:srgbClr val="000000">
-                <a:alpha val="28000"/>
-              </a:srgbClr>
+            <a:outerShdw blurRad="50800" dist="38100" dir="8100000" algn="tr" rotWithShape="0">
+              <a:prstClr val="black">
+                <a:alpha val="40000"/>
+              </a:prstClr>
             </a:outerShdw>
           </a:effectLst>
           <a:scene3d>
@@ -6714,57 +6614,290 @@
           <a:bodyPr lIns="47625" tIns="47625" rIns="47625" bIns="47625"/>
           <a:lstStyle/>
           <a:p>
-            <a:pPr algn="just" defTabSz="95235">
+            <a:pPr defTabSz="95235">
               <a:defRPr/>
             </a:pPr>
             <a:r>
-              <a:rPr lang="en-US" sz="750" kern="0" dirty="0">
+              <a:rPr lang="en-US" sz="1400" kern="0" dirty="0">
                 <a:solidFill>
                   <a:prstClr val="black"/>
                 </a:solidFill>
                 <a:latin typeface="Century Schoolbook" panose="02040604050505020304"/>
               </a:rPr>
-              <a:t>Near Field Communication (NFC) was developed to enable contactless transmission of data. This poster focuses on the electromechanical properties of technology that can generate a message using an Android device (smartphone) and illustrating the standardized format of a typical message facilitating the exchange (NDEF). //add references</a:t>
-            </a:r>
-          </a:p>
-          <a:p>
-            <a:pPr algn="just" defTabSz="95235">
-              <a:defRPr/>
-            </a:pPr>
-            <a:endParaRPr lang="en-US" sz="750" kern="0" dirty="0">
+              <a:t>Near Field Communication (NFC) was developed to enable contactless transmission of data. “Near”, in this context is only a few centimeters of space between device and NFC tag. This display focuses on the electromechanical properties of this technology which can transmit a message using an Android device to an NFC tag.</a:t>
+            </a:r>
+            <a:endParaRPr lang="en-US" sz="200" kern="0" dirty="0">
               <a:solidFill>
                 <a:prstClr val="black"/>
               </a:solidFill>
               <a:latin typeface="Century Schoolbook" panose="02040604050505020304"/>
             </a:endParaRPr>
           </a:p>
-          <a:p>
-            <a:pPr algn="just" defTabSz="95235">
+        </p:txBody>
+      </p:sp>
+      <p:sp>
+        <p:nvSpPr>
+          <p:cNvPr id="10" name="Text Box 18"/>
+          <p:cNvSpPr txBox="1">
+            <a:spLocks noChangeArrowheads="1"/>
+          </p:cNvSpPr>
+          <p:nvPr/>
+        </p:nvSpPr>
+        <p:spPr bwMode="auto">
+          <a:xfrm>
+            <a:off x="9903264" y="221130"/>
+            <a:ext cx="2102688" cy="3724759"/>
+          </a:xfrm>
+          <a:prstGeom prst="rect">
+            <a:avLst/>
+          </a:prstGeom>
+          <a:solidFill>
+            <a:schemeClr val="bg1"/>
+          </a:solidFill>
+          <a:ln>
+            <a:noFill/>
+            <a:headEnd/>
+            <a:tailEnd/>
+          </a:ln>
+          <a:effectLst>
+            <a:outerShdw blurRad="50800" dist="38100" dir="8100000" algn="tr" rotWithShape="0">
+              <a:prstClr val="black">
+                <a:alpha val="40000"/>
+              </a:prstClr>
+            </a:outerShdw>
+          </a:effectLst>
+          <a:scene3d>
+            <a:camera prst="orthographicFront">
+              <a:rot lat="0" lon="0" rev="0"/>
+            </a:camera>
+            <a:lightRig rig="contrasting" dir="t">
+              <a:rot lat="0" lon="0" rev="1500000"/>
+            </a:lightRig>
+          </a:scene3d>
+          <a:sp3d prstMaterial="metal">
+            <a:bevelT w="88900" h="88900"/>
+          </a:sp3d>
+          <a:extLst/>
+        </p:spPr>
+        <p:style>
+          <a:lnRef idx="2">
+            <a:schemeClr val="accent6"/>
+          </a:lnRef>
+          <a:fillRef idx="1">
+            <a:schemeClr val="lt1"/>
+          </a:fillRef>
+          <a:effectRef idx="0">
+            <a:schemeClr val="accent6"/>
+          </a:effectRef>
+          <a:fontRef idx="minor">
+            <a:schemeClr val="dk1"/>
+          </a:fontRef>
+        </p:style>
+        <p:txBody>
+          <a:bodyPr lIns="47625" tIns="47625" rIns="47625" bIns="47625"/>
+          <a:lstStyle/>
+          <a:p>
+            <a:pPr defTabSz="95235">
               <a:defRPr/>
             </a:pPr>
-            <a:endParaRPr lang="en-US" sz="375" kern="0" dirty="0">
+            <a:r>
+              <a:rPr lang="en-US" sz="1400" kern="0" dirty="0">
+                <a:solidFill>
+                  <a:prstClr val="black"/>
+                </a:solidFill>
+                <a:latin typeface="Century Schoolbook" panose="02040604050505020304"/>
+              </a:rPr>
+              <a:t>Figure 1 illustrates how a controlled electric current applied to an antenna coil and  attached to the powered device actively generates a directed electromagnetic field. NFC technology makes use this phenomenon called electromagnetic induction. The presence/absence of this field over time is used to logically generate a stream of binary data bits.</a:t>
+            </a:r>
+          </a:p>
+        </p:txBody>
+      </p:sp>
+      <p:sp>
+        <p:nvSpPr>
+          <p:cNvPr id="11" name="Text Box 18"/>
+          <p:cNvSpPr txBox="1">
+            <a:spLocks noChangeArrowheads="1"/>
+          </p:cNvSpPr>
+          <p:nvPr/>
+        </p:nvSpPr>
+        <p:spPr bwMode="auto">
+          <a:xfrm>
+            <a:off x="9903263" y="4061362"/>
+            <a:ext cx="2102690" cy="2657612"/>
+          </a:xfrm>
+          <a:prstGeom prst="rect">
+            <a:avLst/>
+          </a:prstGeom>
+          <a:solidFill>
+            <a:schemeClr val="bg1"/>
+          </a:solidFill>
+          <a:ln>
+            <a:noFill/>
+            <a:headEnd/>
+            <a:tailEnd/>
+          </a:ln>
+          <a:effectLst>
+            <a:outerShdw blurRad="50800" dist="38100" dir="8100000" algn="tr" rotWithShape="0">
+              <a:prstClr val="black">
+                <a:alpha val="40000"/>
+              </a:prstClr>
+            </a:outerShdw>
+          </a:effectLst>
+          <a:scene3d>
+            <a:camera prst="orthographicFront">
+              <a:rot lat="0" lon="0" rev="0"/>
+            </a:camera>
+            <a:lightRig rig="contrasting" dir="t">
+              <a:rot lat="0" lon="0" rev="1500000"/>
+            </a:lightRig>
+          </a:scene3d>
+          <a:sp3d prstMaterial="metal">
+            <a:bevelT w="88900" h="88900"/>
+          </a:sp3d>
+          <a:extLst/>
+        </p:spPr>
+        <p:style>
+          <a:lnRef idx="2">
+            <a:schemeClr val="accent6"/>
+          </a:lnRef>
+          <a:fillRef idx="1">
+            <a:schemeClr val="lt1"/>
+          </a:fillRef>
+          <a:effectRef idx="0">
+            <a:schemeClr val="accent6"/>
+          </a:effectRef>
+          <a:fontRef idx="minor">
+            <a:schemeClr val="dk1"/>
+          </a:fontRef>
+        </p:style>
+        <p:txBody>
+          <a:bodyPr lIns="47625" tIns="47625" rIns="47625" bIns="47625"/>
+          <a:lstStyle/>
+          <a:p>
+            <a:pPr defTabSz="95235">
+              <a:defRPr/>
+            </a:pPr>
+            <a:r>
+              <a:rPr lang="en-US" sz="1400" kern="0" dirty="0">
+                <a:solidFill>
+                  <a:prstClr val="black"/>
+                </a:solidFill>
+                <a:latin typeface="Century Schoolbook" panose="02040604050505020304"/>
+              </a:rPr>
+              <a:t>ISO/IEC 14443 specifies the characteristics of the fields to be provided for power and bi-directional communication between proximity coupling devices (PCDs) and proximity cards or objects (PICCs).</a:t>
+            </a:r>
+          </a:p>
+        </p:txBody>
+      </p:sp>
+      <p:sp>
+        <p:nvSpPr>
+          <p:cNvPr id="12" name="Text Box 18"/>
+          <p:cNvSpPr txBox="1">
+            <a:spLocks noChangeArrowheads="1"/>
+          </p:cNvSpPr>
+          <p:nvPr/>
+        </p:nvSpPr>
+        <p:spPr bwMode="auto">
+          <a:xfrm>
+            <a:off x="2507575" y="5528983"/>
+            <a:ext cx="7156619" cy="1188762"/>
+          </a:xfrm>
+          <a:prstGeom prst="rect">
+            <a:avLst/>
+          </a:prstGeom>
+          <a:solidFill>
+            <a:schemeClr val="bg1"/>
+          </a:solidFill>
+          <a:ln>
+            <a:noFill/>
+            <a:headEnd/>
+            <a:tailEnd/>
+          </a:ln>
+          <a:effectLst>
+            <a:outerShdw blurRad="50800" dist="38100" dir="8100000" algn="tr" rotWithShape="0">
+              <a:prstClr val="black">
+                <a:alpha val="40000"/>
+              </a:prstClr>
+            </a:outerShdw>
+          </a:effectLst>
+          <a:scene3d>
+            <a:camera prst="orthographicFront">
+              <a:rot lat="0" lon="0" rev="0"/>
+            </a:camera>
+            <a:lightRig rig="contrasting" dir="t">
+              <a:rot lat="0" lon="0" rev="1500000"/>
+            </a:lightRig>
+          </a:scene3d>
+          <a:sp3d prstMaterial="metal">
+            <a:bevelT w="88900" h="88900"/>
+          </a:sp3d>
+          <a:extLst/>
+        </p:spPr>
+        <p:style>
+          <a:lnRef idx="2">
+            <a:schemeClr val="accent6"/>
+          </a:lnRef>
+          <a:fillRef idx="1">
+            <a:schemeClr val="lt1"/>
+          </a:fillRef>
+          <a:effectRef idx="0">
+            <a:schemeClr val="accent6"/>
+          </a:effectRef>
+          <a:fontRef idx="minor">
+            <a:schemeClr val="dk1"/>
+          </a:fontRef>
+        </p:style>
+        <p:txBody>
+          <a:bodyPr lIns="47625" tIns="47625" rIns="47625" bIns="47625"/>
+          <a:lstStyle/>
+          <a:p>
+            <a:pPr defTabSz="95235">
+              <a:defRPr/>
+            </a:pPr>
+            <a:r>
+              <a:rPr lang="en-US" sz="1400" kern="0" dirty="0">
+                <a:solidFill>
+                  <a:prstClr val="black"/>
+                </a:solidFill>
+                <a:latin typeface="Century Schoolbook" panose="02040604050505020304"/>
+              </a:rPr>
+              <a:t>Smartphone devices that are NFC-enabled operate in “reader/writer” mode, one of three modes defined by the NFC Forum when interfacing with passive NFC tags. </a:t>
+            </a:r>
+          </a:p>
+          <a:p>
+            <a:pPr defTabSz="95235">
+              <a:defRPr/>
+            </a:pPr>
+            <a:r>
+              <a:rPr lang="en-US" sz="1400" kern="0" dirty="0">
+                <a:solidFill>
+                  <a:prstClr val="black"/>
+                </a:solidFill>
+                <a:latin typeface="Century Schoolbook" panose="02040604050505020304"/>
+              </a:rPr>
+              <a:t>RF interfaces must be compliant in order to generate, transmit, and receive messages on ISO/IEC 18000-3 air interface which describes the parameters for air interface communications at the ISO 14443 standard frequency 13.56 </a:t>
+            </a:r>
+            <a:r>
+              <a:rPr lang="en-US" sz="1400" kern="0" dirty="0" err="1">
+                <a:solidFill>
+                  <a:prstClr val="black"/>
+                </a:solidFill>
+                <a:latin typeface="Century Schoolbook" panose="02040604050505020304"/>
+              </a:rPr>
+              <a:t>MHz.</a:t>
+            </a:r>
+            <a:endParaRPr lang="en-US" sz="1400" kern="0" dirty="0">
               <a:solidFill>
                 <a:prstClr val="black"/>
               </a:solidFill>
               <a:latin typeface="Century Schoolbook" panose="02040604050505020304"/>
             </a:endParaRPr>
           </a:p>
-          <a:p>
-            <a:pPr algn="just" defTabSz="95235">
-              <a:defRPr/>
-            </a:pPr>
-            <a:endParaRPr lang="en-US" sz="375" kern="0" dirty="0">
-              <a:solidFill>
-                <a:prstClr val="black"/>
-              </a:solidFill>
-              <a:latin typeface="Century Schoolbook" panose="02040604050505020304"/>
-            </a:endParaRPr>
-          </a:p>
-        </p:txBody>
-      </p:sp>
-      <p:sp>
-        <p:nvSpPr>
-          <p:cNvPr id="9" name="Text Box 27"/>
+        </p:txBody>
+      </p:sp>
+      <p:sp>
+        <p:nvSpPr>
+          <p:cNvPr id="13" name="Text Box 27"/>
           <p:cNvSpPr txBox="1">
             <a:spLocks noChangeArrowheads="1"/>
           </p:cNvSpPr>
@@ -6772,8 +6905,8 @@
         </p:nvSpPr>
         <p:spPr bwMode="auto">
           <a:xfrm>
-            <a:off x="1613356" y="2394401"/>
-            <a:ext cx="1615164" cy="209099"/>
+            <a:off x="7324643" y="4940491"/>
+            <a:ext cx="1050742" cy="239562"/>
           </a:xfrm>
           <a:prstGeom prst="rect">
             <a:avLst/>
@@ -6924,433 +7057,36 @@
                 <a:ea typeface="Verdana" panose="020B0604030504040204" pitchFamily="34" charset="0"/>
                 <a:cs typeface="Verdana" panose="020B0604030504040204" pitchFamily="34" charset="0"/>
               </a:rPr>
-              <a:t>INTRODUCTION</a:t>
-            </a:r>
-          </a:p>
-        </p:txBody>
-      </p:sp>
-      <p:sp>
-        <p:nvSpPr>
-          <p:cNvPr id="10" name="Text Box 18"/>
-          <p:cNvSpPr txBox="1">
-            <a:spLocks noChangeArrowheads="1"/>
-          </p:cNvSpPr>
+              <a:t>Fig. 1</a:t>
+            </a:r>
+          </a:p>
+        </p:txBody>
+      </p:sp>
+      <p:pic>
+        <p:nvPicPr>
+          <p:cNvPr id="2" name="Picture 1"/>
+          <p:cNvPicPr>
+            <a:picLocks noChangeAspect="1"/>
+          </p:cNvPicPr>
           <p:nvPr/>
-        </p:nvSpPr>
-        <p:spPr bwMode="auto">
+        </p:nvPicPr>
+        <p:blipFill>
+          <a:blip r:embed="rId5"/>
+          <a:stretch>
+            <a:fillRect/>
+          </a:stretch>
+        </p:blipFill>
+        <p:spPr>
           <a:xfrm>
-            <a:off x="5231768" y="5233955"/>
-            <a:ext cx="1787946" cy="1363382"/>
+            <a:off x="8093123" y="2379911"/>
+            <a:ext cx="1082092" cy="1466459"/>
           </a:xfrm>
           <a:prstGeom prst="rect">
             <a:avLst/>
           </a:prstGeom>
-          <a:solidFill>
-            <a:schemeClr val="bg1"/>
-          </a:solidFill>
-          <a:ln>
-            <a:noFill/>
-            <a:headEnd/>
-            <a:tailEnd/>
-          </a:ln>
-          <a:effectLst>
-            <a:outerShdw blurRad="149987" dist="250190" dir="8460000" algn="ctr">
-              <a:srgbClr val="000000">
-                <a:alpha val="28000"/>
-              </a:srgbClr>
-            </a:outerShdw>
-          </a:effectLst>
-          <a:scene3d>
-            <a:camera prst="orthographicFront">
-              <a:rot lat="0" lon="0" rev="0"/>
-            </a:camera>
-            <a:lightRig rig="contrasting" dir="t">
-              <a:rot lat="0" lon="0" rev="1500000"/>
-            </a:lightRig>
-          </a:scene3d>
-          <a:sp3d prstMaterial="metal">
-            <a:bevelT w="88900" h="88900"/>
-          </a:sp3d>
-          <a:extLst/>
+          <a:effectLst/>
         </p:spPr>
-        <p:style>
-          <a:lnRef idx="2">
-            <a:schemeClr val="accent6"/>
-          </a:lnRef>
-          <a:fillRef idx="1">
-            <a:schemeClr val="lt1"/>
-          </a:fillRef>
-          <a:effectRef idx="0">
-            <a:schemeClr val="accent6"/>
-          </a:effectRef>
-          <a:fontRef idx="minor">
-            <a:schemeClr val="dk1"/>
-          </a:fontRef>
-        </p:style>
-        <p:txBody>
-          <a:bodyPr lIns="47625" tIns="47625" rIns="47625" bIns="47625"/>
-          <a:lstStyle/>
-          <a:p>
-            <a:pPr algn="just" defTabSz="95235">
-              <a:defRPr/>
-            </a:pPr>
-            <a:r>
-              <a:rPr lang="en-US" sz="750" kern="0" dirty="0">
-                <a:solidFill>
-                  <a:prstClr val="black"/>
-                </a:solidFill>
-                <a:latin typeface="Century Schoolbook" panose="02040604050505020304"/>
-              </a:rPr>
-              <a:t>Figure 1 illustrates how a controlled electric current applied to an antenna coil attached to the powered device actively generates a directed electromagnetic field. NFC technology makes use of a phenomenon called electromagnetic induction. The presence/absence of this field over time is used to logically generate a stream of binary data bits.</a:t>
-            </a:r>
-          </a:p>
-        </p:txBody>
-      </p:sp>
-      <p:sp>
-        <p:nvSpPr>
-          <p:cNvPr id="11" name="Text Box 18"/>
-          <p:cNvSpPr txBox="1">
-            <a:spLocks noChangeArrowheads="1"/>
-          </p:cNvSpPr>
-          <p:nvPr/>
-        </p:nvSpPr>
-        <p:spPr bwMode="auto">
-          <a:xfrm>
-            <a:off x="5308179" y="786220"/>
-            <a:ext cx="1635125" cy="906726"/>
-          </a:xfrm>
-          <a:prstGeom prst="rect">
-            <a:avLst/>
-          </a:prstGeom>
-          <a:solidFill>
-            <a:schemeClr val="bg1"/>
-          </a:solidFill>
-          <a:ln>
-            <a:noFill/>
-            <a:headEnd/>
-            <a:tailEnd/>
-          </a:ln>
-          <a:effectLst>
-            <a:outerShdw blurRad="149987" dist="250190" dir="8460000" algn="ctr">
-              <a:srgbClr val="000000">
-                <a:alpha val="28000"/>
-              </a:srgbClr>
-            </a:outerShdw>
-          </a:effectLst>
-          <a:scene3d>
-            <a:camera prst="orthographicFront">
-              <a:rot lat="0" lon="0" rev="0"/>
-            </a:camera>
-            <a:lightRig rig="contrasting" dir="t">
-              <a:rot lat="0" lon="0" rev="1500000"/>
-            </a:lightRig>
-          </a:scene3d>
-          <a:sp3d prstMaterial="metal">
-            <a:bevelT w="88900" h="88900"/>
-          </a:sp3d>
-          <a:extLst/>
-        </p:spPr>
-        <p:style>
-          <a:lnRef idx="2">
-            <a:schemeClr val="accent6"/>
-          </a:lnRef>
-          <a:fillRef idx="1">
-            <a:schemeClr val="lt1"/>
-          </a:fillRef>
-          <a:effectRef idx="0">
-            <a:schemeClr val="accent6"/>
-          </a:effectRef>
-          <a:fontRef idx="minor">
-            <a:schemeClr val="dk1"/>
-          </a:fontRef>
-        </p:style>
-        <p:txBody>
-          <a:bodyPr lIns="47625" tIns="47625" rIns="47625" bIns="47625"/>
-          <a:lstStyle/>
-          <a:p>
-            <a:pPr algn="just" defTabSz="95235">
-              <a:defRPr/>
-            </a:pPr>
-            <a:r>
-              <a:rPr lang="en-US" sz="750" kern="0" dirty="0">
-                <a:solidFill>
-                  <a:prstClr val="black"/>
-                </a:solidFill>
-                <a:latin typeface="Century Schoolbook" panose="02040604050505020304"/>
-              </a:rPr>
-              <a:t>ISO/IEC 14443 specifies the characteristics of the fields to be provided for power and bi-directional communication between proximity coupling devices (PCDs) and proximity cards or objects (PICCs).</a:t>
-            </a:r>
-          </a:p>
-        </p:txBody>
-      </p:sp>
-      <p:sp>
-        <p:nvSpPr>
-          <p:cNvPr id="12" name="Text Box 18"/>
-          <p:cNvSpPr txBox="1">
-            <a:spLocks noChangeArrowheads="1"/>
-          </p:cNvSpPr>
-          <p:nvPr/>
-        </p:nvSpPr>
-        <p:spPr bwMode="auto">
-          <a:xfrm>
-            <a:off x="8974044" y="2454398"/>
-            <a:ext cx="1635125" cy="1571521"/>
-          </a:xfrm>
-          <a:prstGeom prst="rect">
-            <a:avLst/>
-          </a:prstGeom>
-          <a:solidFill>
-            <a:schemeClr val="bg1"/>
-          </a:solidFill>
-          <a:ln>
-            <a:noFill/>
-            <a:headEnd/>
-            <a:tailEnd/>
-          </a:ln>
-          <a:effectLst>
-            <a:outerShdw blurRad="149987" dist="250190" dir="8460000" algn="ctr">
-              <a:srgbClr val="000000">
-                <a:alpha val="28000"/>
-              </a:srgbClr>
-            </a:outerShdw>
-          </a:effectLst>
-          <a:scene3d>
-            <a:camera prst="orthographicFront">
-              <a:rot lat="0" lon="0" rev="0"/>
-            </a:camera>
-            <a:lightRig rig="contrasting" dir="t">
-              <a:rot lat="0" lon="0" rev="1500000"/>
-            </a:lightRig>
-          </a:scene3d>
-          <a:sp3d prstMaterial="metal">
-            <a:bevelT w="88900" h="88900"/>
-          </a:sp3d>
-          <a:extLst/>
-        </p:spPr>
-        <p:style>
-          <a:lnRef idx="2">
-            <a:schemeClr val="accent6"/>
-          </a:lnRef>
-          <a:fillRef idx="1">
-            <a:schemeClr val="lt1"/>
-          </a:fillRef>
-          <a:effectRef idx="0">
-            <a:schemeClr val="accent6"/>
-          </a:effectRef>
-          <a:fontRef idx="minor">
-            <a:schemeClr val="dk1"/>
-          </a:fontRef>
-        </p:style>
-        <p:txBody>
-          <a:bodyPr lIns="47625" tIns="47625" rIns="47625" bIns="47625"/>
-          <a:lstStyle/>
-          <a:p>
-            <a:pPr algn="just" defTabSz="95235">
-              <a:defRPr/>
-            </a:pPr>
-            <a:r>
-              <a:rPr lang="en-US" sz="750" kern="0" dirty="0">
-                <a:solidFill>
-                  <a:prstClr val="black"/>
-                </a:solidFill>
-                <a:latin typeface="Century Schoolbook" panose="02040604050505020304"/>
-              </a:rPr>
-              <a:t>Smartphone devices that are NFC-enable operate in reader/writer mode, one of three modes defined by the NFC Forum, when interfacing with passive NFC tags. RF interfaces must be compliant with in order to generate, transmit, and receive messages on ISO/IEC 18000-3 air interface which describes the parameters for air interface communications at 1the ISO 14443 </a:t>
-            </a:r>
-            <a:r>
-              <a:rPr lang="en-US" sz="750" kern="0">
-                <a:solidFill>
-                  <a:prstClr val="black"/>
-                </a:solidFill>
-                <a:latin typeface="Century Schoolbook" panose="02040604050505020304"/>
-              </a:rPr>
-              <a:t>standard 13.56 </a:t>
-            </a:r>
-            <a:r>
-              <a:rPr lang="en-US" sz="750" kern="0" dirty="0" err="1">
-                <a:solidFill>
-                  <a:prstClr val="black"/>
-                </a:solidFill>
-                <a:latin typeface="Century Schoolbook" panose="02040604050505020304"/>
-              </a:rPr>
-              <a:t>MHz.</a:t>
-            </a:r>
-            <a:endParaRPr lang="en-US" sz="750" kern="0" dirty="0">
-              <a:solidFill>
-                <a:prstClr val="black"/>
-              </a:solidFill>
-              <a:latin typeface="Century Schoolbook" panose="02040604050505020304"/>
-            </a:endParaRPr>
-          </a:p>
-        </p:txBody>
-      </p:sp>
-      <p:sp>
-        <p:nvSpPr>
-          <p:cNvPr id="13" name="Text Box 27"/>
-          <p:cNvSpPr txBox="1">
-            <a:spLocks noChangeArrowheads="1"/>
-          </p:cNvSpPr>
-          <p:nvPr/>
-        </p:nvSpPr>
-        <p:spPr bwMode="auto">
-          <a:xfrm>
-            <a:off x="5231768" y="4646311"/>
-            <a:ext cx="1787946" cy="211439"/>
-          </a:xfrm>
-          <a:prstGeom prst="rect">
-            <a:avLst/>
-          </a:prstGeom>
-          <a:noFill/>
-          <a:ln>
-            <a:noFill/>
-          </a:ln>
-          <a:effectLst/>
-          <a:extLst>
-            <a:ext uri="{909E8E84-426E-40DD-AFC4-6F175D3DCCD1}">
-              <a14:hiddenFill xmlns:a14="http://schemas.microsoft.com/office/drawing/2010/main">
-                <a:solidFill>
-                  <a:schemeClr val="accent1"/>
-                </a:solidFill>
-              </a14:hiddenFill>
-            </a:ext>
-            <a:ext uri="{91240B29-F687-4F45-9708-019B960494DF}">
-              <a14:hiddenLine xmlns:a14="http://schemas.microsoft.com/office/drawing/2010/main" w="9525">
-                <a:solidFill>
-                  <a:schemeClr val="tx1"/>
-                </a:solidFill>
-                <a:prstDash val="sysDot"/>
-                <a:miter lim="800000"/>
-                <a:headEnd/>
-                <a:tailEnd/>
-              </a14:hiddenLine>
-            </a:ext>
-            <a:ext uri="{AF507438-7753-43E0-B8FC-AC1667EBCBE1}">
-              <a14:hiddenEffects xmlns:a14="http://schemas.microsoft.com/office/drawing/2010/main">
-                <a:effectLst>
-                  <a:outerShdw dist="35921" dir="2700000" algn="ctr" rotWithShape="0">
-                    <a:schemeClr val="bg2"/>
-                  </a:outerShdw>
-                </a:effectLst>
-              </a14:hiddenEffects>
-            </a:ext>
-          </a:extLst>
-        </p:spPr>
-        <p:txBody>
-          <a:bodyPr wrap="none" lIns="47625" tIns="47625" rIns="47625" bIns="47625" anchor="ctr" anchorCtr="1"/>
-          <a:lstStyle>
-            <a:lvl1pPr defTabSz="4389438">
-              <a:defRPr>
-                <a:solidFill>
-                  <a:schemeClr val="tx1"/>
-                </a:solidFill>
-                <a:latin typeface="Arial" charset="0"/>
-              </a:defRPr>
-            </a:lvl1pPr>
-            <a:lvl2pPr defTabSz="4389438">
-              <a:defRPr>
-                <a:solidFill>
-                  <a:schemeClr val="tx1"/>
-                </a:solidFill>
-                <a:latin typeface="Arial" charset="0"/>
-              </a:defRPr>
-            </a:lvl2pPr>
-            <a:lvl3pPr defTabSz="4389438">
-              <a:defRPr>
-                <a:solidFill>
-                  <a:schemeClr val="tx1"/>
-                </a:solidFill>
-                <a:latin typeface="Arial" charset="0"/>
-              </a:defRPr>
-            </a:lvl3pPr>
-            <a:lvl4pPr defTabSz="4389438">
-              <a:defRPr>
-                <a:solidFill>
-                  <a:schemeClr val="tx1"/>
-                </a:solidFill>
-                <a:latin typeface="Arial" charset="0"/>
-              </a:defRPr>
-            </a:lvl4pPr>
-            <a:lvl5pPr defTabSz="4389438">
-              <a:defRPr>
-                <a:solidFill>
-                  <a:schemeClr val="tx1"/>
-                </a:solidFill>
-                <a:latin typeface="Arial" charset="0"/>
-              </a:defRPr>
-            </a:lvl5pPr>
-            <a:lvl6pPr defTabSz="4389438" fontAlgn="base">
-              <a:spcBef>
-                <a:spcPct val="0"/>
-              </a:spcBef>
-              <a:spcAft>
-                <a:spcPct val="0"/>
-              </a:spcAft>
-              <a:defRPr>
-                <a:solidFill>
-                  <a:schemeClr val="tx1"/>
-                </a:solidFill>
-                <a:latin typeface="Arial" charset="0"/>
-              </a:defRPr>
-            </a:lvl6pPr>
-            <a:lvl7pPr defTabSz="4389438" fontAlgn="base">
-              <a:spcBef>
-                <a:spcPct val="0"/>
-              </a:spcBef>
-              <a:spcAft>
-                <a:spcPct val="0"/>
-              </a:spcAft>
-              <a:defRPr>
-                <a:solidFill>
-                  <a:schemeClr val="tx1"/>
-                </a:solidFill>
-                <a:latin typeface="Arial" charset="0"/>
-              </a:defRPr>
-            </a:lvl7pPr>
-            <a:lvl8pPr defTabSz="4389438" fontAlgn="base">
-              <a:spcBef>
-                <a:spcPct val="0"/>
-              </a:spcBef>
-              <a:spcAft>
-                <a:spcPct val="0"/>
-              </a:spcAft>
-              <a:defRPr>
-                <a:solidFill>
-                  <a:schemeClr val="tx1"/>
-                </a:solidFill>
-                <a:latin typeface="Arial" charset="0"/>
-              </a:defRPr>
-            </a:lvl8pPr>
-            <a:lvl9pPr defTabSz="4389438" fontAlgn="base">
-              <a:spcBef>
-                <a:spcPct val="0"/>
-              </a:spcBef>
-              <a:spcAft>
-                <a:spcPct val="0"/>
-              </a:spcAft>
-              <a:defRPr>
-                <a:solidFill>
-                  <a:schemeClr val="tx1"/>
-                </a:solidFill>
-                <a:latin typeface="Arial" charset="0"/>
-              </a:defRPr>
-            </a:lvl9pPr>
-          </a:lstStyle>
-          <a:p>
-            <a:pPr algn="ctr" defTabSz="914320"/>
-            <a:r>
-              <a:rPr lang="en-US" sz="833" dirty="0">
-                <a:solidFill>
-                  <a:prstClr val="black"/>
-                </a:solidFill>
-                <a:latin typeface="Verdana" panose="020B0604030504040204" pitchFamily="34" charset="0"/>
-                <a:ea typeface="Verdana" panose="020B0604030504040204" pitchFamily="34" charset="0"/>
-                <a:cs typeface="Verdana" panose="020B0604030504040204" pitchFamily="34" charset="0"/>
-              </a:rPr>
-              <a:t>Fig. 1</a:t>
-            </a:r>
-          </a:p>
-        </p:txBody>
-      </p:sp>
+      </p:pic>
     </p:spTree>
     <p:extLst>
       <p:ext uri="{BB962C8B-B14F-4D97-AF65-F5344CB8AC3E}">

--- a/Poster Artifacts/Poster Extra.pptx
+++ b/Poster Artifacts/Poster Extra.pptx
@@ -2,13 +2,13 @@
 <file path=ppt/presentation.xml><?xml version="1.0" encoding="utf-8"?>
 <p:presentation xmlns:a="http://schemas.openxmlformats.org/drawingml/2006/main" xmlns:r="http://schemas.openxmlformats.org/officeDocument/2006/relationships" xmlns:p="http://schemas.openxmlformats.org/presentationml/2006/main" saveSubsetFonts="1">
   <p:sldMasterIdLst>
-    <p:sldMasterId id="2147483648" r:id="rId1"/>
-    <p:sldMasterId id="2147483660" r:id="rId2"/>
+    <p:sldMasterId id="2147483660" r:id="rId1"/>
   </p:sldMasterIdLst>
   <p:notesMasterIdLst>
     <p:notesMasterId r:id="rId4"/>
   </p:notesMasterIdLst>
   <p:sldIdLst>
+    <p:sldId id="257" r:id="rId2"/>
     <p:sldId id="256" r:id="rId3"/>
   </p:sldIdLst>
   <p:sldSz cx="12192000" cy="6858000"/>
@@ -17,7 +17,7 @@
     <a:defPPr>
       <a:defRPr lang="en-US"/>
     </a:defPPr>
-    <a:lvl1pPr marL="0" algn="l" defTabSz="914400" rtl="0" eaLnBrk="1" latinLnBrk="0" hangingPunct="1">
+    <a:lvl1pPr marL="0" algn="l" defTabSz="457200" rtl="0" eaLnBrk="1" latinLnBrk="0" hangingPunct="1">
       <a:defRPr sz="1800" kern="1200">
         <a:solidFill>
           <a:schemeClr val="tx1"/>
@@ -27,7 +27,7 @@
         <a:cs typeface="+mn-cs"/>
       </a:defRPr>
     </a:lvl1pPr>
-    <a:lvl2pPr marL="457200" algn="l" defTabSz="914400" rtl="0" eaLnBrk="1" latinLnBrk="0" hangingPunct="1">
+    <a:lvl2pPr marL="457200" algn="l" defTabSz="457200" rtl="0" eaLnBrk="1" latinLnBrk="0" hangingPunct="1">
       <a:defRPr sz="1800" kern="1200">
         <a:solidFill>
           <a:schemeClr val="tx1"/>
@@ -37,7 +37,7 @@
         <a:cs typeface="+mn-cs"/>
       </a:defRPr>
     </a:lvl2pPr>
-    <a:lvl3pPr marL="914400" algn="l" defTabSz="914400" rtl="0" eaLnBrk="1" latinLnBrk="0" hangingPunct="1">
+    <a:lvl3pPr marL="914400" algn="l" defTabSz="457200" rtl="0" eaLnBrk="1" latinLnBrk="0" hangingPunct="1">
       <a:defRPr sz="1800" kern="1200">
         <a:solidFill>
           <a:schemeClr val="tx1"/>
@@ -47,7 +47,7 @@
         <a:cs typeface="+mn-cs"/>
       </a:defRPr>
     </a:lvl3pPr>
-    <a:lvl4pPr marL="1371600" algn="l" defTabSz="914400" rtl="0" eaLnBrk="1" latinLnBrk="0" hangingPunct="1">
+    <a:lvl4pPr marL="1371600" algn="l" defTabSz="457200" rtl="0" eaLnBrk="1" latinLnBrk="0" hangingPunct="1">
       <a:defRPr sz="1800" kern="1200">
         <a:solidFill>
           <a:schemeClr val="tx1"/>
@@ -57,7 +57,7 @@
         <a:cs typeface="+mn-cs"/>
       </a:defRPr>
     </a:lvl4pPr>
-    <a:lvl5pPr marL="1828800" algn="l" defTabSz="914400" rtl="0" eaLnBrk="1" latinLnBrk="0" hangingPunct="1">
+    <a:lvl5pPr marL="1828800" algn="l" defTabSz="457200" rtl="0" eaLnBrk="1" latinLnBrk="0" hangingPunct="1">
       <a:defRPr sz="1800" kern="1200">
         <a:solidFill>
           <a:schemeClr val="tx1"/>
@@ -67,7 +67,7 @@
         <a:cs typeface="+mn-cs"/>
       </a:defRPr>
     </a:lvl5pPr>
-    <a:lvl6pPr marL="2286000" algn="l" defTabSz="914400" rtl="0" eaLnBrk="1" latinLnBrk="0" hangingPunct="1">
+    <a:lvl6pPr marL="2286000" algn="l" defTabSz="457200" rtl="0" eaLnBrk="1" latinLnBrk="0" hangingPunct="1">
       <a:defRPr sz="1800" kern="1200">
         <a:solidFill>
           <a:schemeClr val="tx1"/>
@@ -77,7 +77,7 @@
         <a:cs typeface="+mn-cs"/>
       </a:defRPr>
     </a:lvl6pPr>
-    <a:lvl7pPr marL="2743200" algn="l" defTabSz="914400" rtl="0" eaLnBrk="1" latinLnBrk="0" hangingPunct="1">
+    <a:lvl7pPr marL="2743200" algn="l" defTabSz="457200" rtl="0" eaLnBrk="1" latinLnBrk="0" hangingPunct="1">
       <a:defRPr sz="1800" kern="1200">
         <a:solidFill>
           <a:schemeClr val="tx1"/>
@@ -87,7 +87,7 @@
         <a:cs typeface="+mn-cs"/>
       </a:defRPr>
     </a:lvl7pPr>
-    <a:lvl8pPr marL="3200400" algn="l" defTabSz="914400" rtl="0" eaLnBrk="1" latinLnBrk="0" hangingPunct="1">
+    <a:lvl8pPr marL="3200400" algn="l" defTabSz="457200" rtl="0" eaLnBrk="1" latinLnBrk="0" hangingPunct="1">
       <a:defRPr sz="1800" kern="1200">
         <a:solidFill>
           <a:schemeClr val="tx1"/>
@@ -97,7 +97,7 @@
         <a:cs typeface="+mn-cs"/>
       </a:defRPr>
     </a:lvl8pPr>
-    <a:lvl9pPr marL="3657600" algn="l" defTabSz="914400" rtl="0" eaLnBrk="1" latinLnBrk="0" hangingPunct="1">
+    <a:lvl9pPr marL="3657600" algn="l" defTabSz="457200" rtl="0" eaLnBrk="1" latinLnBrk="0" hangingPunct="1">
       <a:defRPr sz="1800" kern="1200">
         <a:solidFill>
           <a:schemeClr val="tx1"/>
@@ -198,7 +198,7 @@
           <a:p>
             <a:fld id="{88C350B5-7B75-460C-BD97-4A97A109E9A5}" type="datetimeFigureOut">
               <a:rPr lang="en-US" smtClean="0"/>
-              <a:t>4/12/2017</a:t>
+              <a:t>4/21/2017</a:t>
             </a:fld>
             <a:endParaRPr lang="en-US"/>
           </a:p>
@@ -577,7 +577,7 @@
                 <a:tabLst/>
                 <a:defRPr/>
               </a:pPr>
-              <a:t>1</a:t>
+              <a:t>2</a:t>
             </a:fld>
             <a:endParaRPr kumimoji="0" lang="en-US" sz="1200" b="0" i="0" u="none" strike="noStrike" kern="1200" cap="none" spc="0" normalizeH="0" baseline="0" noProof="0">
               <a:ln>
@@ -628,25 +628,76 @@
       </p:grpSpPr>
       <p:sp>
         <p:nvSpPr>
-          <p:cNvPr id="2" name="Title 1"/>
-          <p:cNvSpPr>
-            <a:spLocks noGrp="1"/>
-          </p:cNvSpPr>
-          <p:nvPr>
-            <p:ph type="ctrTitle"/>
-          </p:nvPr>
+          <p:cNvPr id="7" name="Rectangle 6"/>
+          <p:cNvSpPr>
+            <a:spLocks noChangeAspect="1"/>
+          </p:cNvSpPr>
+          <p:nvPr/>
         </p:nvSpPr>
         <p:spPr>
           <a:xfrm>
-            <a:off x="1524000" y="1122363"/>
-            <a:ext cx="9144000" cy="2387600"/>
+            <a:off x="231140" y="243840"/>
+            <a:ext cx="11724640" cy="6377939"/>
+          </a:xfrm>
+          <a:prstGeom prst="rect">
+            <a:avLst/>
+          </a:prstGeom>
+          <a:solidFill>
+            <a:schemeClr val="accent1"/>
+          </a:solidFill>
+          <a:ln w="12700">
+            <a:solidFill>
+              <a:srgbClr val="FFFFFF"/>
+            </a:solidFill>
+          </a:ln>
+        </p:spPr>
+        <p:style>
+          <a:lnRef idx="2">
+            <a:schemeClr val="accent1">
+              <a:shade val="50000"/>
+            </a:schemeClr>
+          </a:lnRef>
+          <a:fillRef idx="1">
+            <a:schemeClr val="accent1"/>
+          </a:fillRef>
+          <a:effectRef idx="0">
+            <a:schemeClr val="accent1"/>
+          </a:effectRef>
+          <a:fontRef idx="minor">
+            <a:schemeClr val="lt1"/>
+          </a:fontRef>
+        </p:style>
+      </p:sp>
+      <p:sp>
+        <p:nvSpPr>
+          <p:cNvPr id="2" name="Title 1"/>
+          <p:cNvSpPr>
+            <a:spLocks noGrp="1"/>
+          </p:cNvSpPr>
+          <p:nvPr>
+            <p:ph type="ctrTitle"/>
+          </p:nvPr>
+        </p:nvSpPr>
+        <p:spPr>
+          <a:xfrm>
+            <a:off x="1109980" y="882376"/>
+            <a:ext cx="9966960" cy="2926080"/>
           </a:xfrm>
         </p:spPr>
         <p:txBody>
-          <a:bodyPr anchor="b"/>
+          <a:bodyPr anchor="b">
+            <a:normAutofit/>
+          </a:bodyPr>
           <a:lstStyle>
             <a:lvl1pPr algn="ctr">
-              <a:defRPr sz="6000"/>
+              <a:lnSpc>
+                <a:spcPct val="85000"/>
+              </a:lnSpc>
+              <a:defRPr sz="7200" b="1" cap="all" baseline="0">
+                <a:solidFill>
+                  <a:srgbClr val="FFFFFF"/>
+                </a:solidFill>
+              </a:defRPr>
             </a:lvl1pPr>
           </a:lstStyle>
           <a:p>
@@ -654,6 +705,7 @@
               <a:rPr lang="en-US"/>
               <a:t>Click to edit Master title style</a:t>
             </a:r>
+            <a:endParaRPr lang="en-US" dirty="0"/>
           </a:p>
         </p:txBody>
       </p:sp>
@@ -669,76 +721,91 @@
         </p:nvSpPr>
         <p:spPr>
           <a:xfrm>
-            <a:off x="1524000" y="3602038"/>
-            <a:ext cx="9144000" cy="1655762"/>
+            <a:off x="1709530" y="3869634"/>
+            <a:ext cx="8767860" cy="1388165"/>
           </a:xfrm>
         </p:spPr>
         <p:txBody>
+          <a:bodyPr>
+            <a:normAutofit/>
+          </a:bodyPr>
+          <a:lstStyle>
+            <a:lvl1pPr marL="0" indent="0" algn="ctr">
+              <a:buNone/>
+              <a:defRPr sz="2200">
+                <a:solidFill>
+                  <a:srgbClr val="FFFFFF"/>
+                </a:solidFill>
+              </a:defRPr>
+            </a:lvl1pPr>
+            <a:lvl2pPr marL="457200" indent="0" algn="ctr">
+              <a:buNone/>
+              <a:defRPr sz="2200"/>
+            </a:lvl2pPr>
+            <a:lvl3pPr marL="914400" indent="0" algn="ctr">
+              <a:buNone/>
+              <a:defRPr sz="2200"/>
+            </a:lvl3pPr>
+            <a:lvl4pPr marL="1371600" indent="0" algn="ctr">
+              <a:buNone/>
+              <a:defRPr sz="2000"/>
+            </a:lvl4pPr>
+            <a:lvl5pPr marL="1828800" indent="0" algn="ctr">
+              <a:buNone/>
+              <a:defRPr sz="2000"/>
+            </a:lvl5pPr>
+            <a:lvl6pPr marL="2286000" indent="0" algn="ctr">
+              <a:buNone/>
+              <a:defRPr sz="2000"/>
+            </a:lvl6pPr>
+            <a:lvl7pPr marL="2743200" indent="0" algn="ctr">
+              <a:buNone/>
+              <a:defRPr sz="2000"/>
+            </a:lvl7pPr>
+            <a:lvl8pPr marL="3200400" indent="0" algn="ctr">
+              <a:buNone/>
+              <a:defRPr sz="2000"/>
+            </a:lvl8pPr>
+            <a:lvl9pPr marL="3657600" indent="0" algn="ctr">
+              <a:buNone/>
+              <a:defRPr sz="2000"/>
+            </a:lvl9pPr>
+          </a:lstStyle>
+          <a:p>
+            <a:r>
+              <a:rPr lang="en-US"/>
+              <a:t>Click to edit Master subtitle style</a:t>
+            </a:r>
+            <a:endParaRPr lang="en-US" dirty="0"/>
+          </a:p>
+        </p:txBody>
+      </p:sp>
+      <p:sp>
+        <p:nvSpPr>
+          <p:cNvPr id="4" name="Date Placeholder 3"/>
+          <p:cNvSpPr>
+            <a:spLocks noGrp="1"/>
+          </p:cNvSpPr>
+          <p:nvPr>
+            <p:ph type="dt" sz="half" idx="10"/>
+          </p:nvPr>
+        </p:nvSpPr>
+        <p:spPr/>
+        <p:txBody>
           <a:bodyPr/>
           <a:lstStyle>
-            <a:lvl1pPr marL="0" indent="0" algn="ctr">
-              <a:buNone/>
-              <a:defRPr sz="2400"/>
+            <a:lvl1pPr>
+              <a:defRPr>
+                <a:solidFill>
+                  <a:srgbClr val="FFFFFF"/>
+                </a:solidFill>
+              </a:defRPr>
             </a:lvl1pPr>
-            <a:lvl2pPr marL="457200" indent="0" algn="ctr">
-              <a:buNone/>
-              <a:defRPr sz="2000"/>
-            </a:lvl2pPr>
-            <a:lvl3pPr marL="914400" indent="0" algn="ctr">
-              <a:buNone/>
-              <a:defRPr sz="1800"/>
-            </a:lvl3pPr>
-            <a:lvl4pPr marL="1371600" indent="0" algn="ctr">
-              <a:buNone/>
-              <a:defRPr sz="1600"/>
-            </a:lvl4pPr>
-            <a:lvl5pPr marL="1828800" indent="0" algn="ctr">
-              <a:buNone/>
-              <a:defRPr sz="1600"/>
-            </a:lvl5pPr>
-            <a:lvl6pPr marL="2286000" indent="0" algn="ctr">
-              <a:buNone/>
-              <a:defRPr sz="1600"/>
-            </a:lvl6pPr>
-            <a:lvl7pPr marL="2743200" indent="0" algn="ctr">
-              <a:buNone/>
-              <a:defRPr sz="1600"/>
-            </a:lvl7pPr>
-            <a:lvl8pPr marL="3200400" indent="0" algn="ctr">
-              <a:buNone/>
-              <a:defRPr sz="1600"/>
-            </a:lvl8pPr>
-            <a:lvl9pPr marL="3657600" indent="0" algn="ctr">
-              <a:buNone/>
-              <a:defRPr sz="1600"/>
-            </a:lvl9pPr>
           </a:lstStyle>
-          <a:p>
-            <a:r>
-              <a:rPr lang="en-US"/>
-              <a:t>Click to edit Master subtitle style</a:t>
-            </a:r>
-          </a:p>
-        </p:txBody>
-      </p:sp>
-      <p:sp>
-        <p:nvSpPr>
-          <p:cNvPr id="4" name="Date Placeholder 3"/>
-          <p:cNvSpPr>
-            <a:spLocks noGrp="1"/>
-          </p:cNvSpPr>
-          <p:nvPr>
-            <p:ph type="dt" sz="half" idx="10"/>
-          </p:nvPr>
-        </p:nvSpPr>
-        <p:spPr/>
-        <p:txBody>
-          <a:bodyPr/>
-          <a:lstStyle/>
           <a:p>
             <a:fld id="{6047A8FC-007F-44DD-8989-93C29FA03653}" type="datetimeFigureOut">
               <a:rPr lang="en-US" smtClean="0"/>
-              <a:t>4/12/2017</a:t>
+              <a:t>4/21/2017</a:t>
             </a:fld>
             <a:endParaRPr lang="en-US"/>
           </a:p>
@@ -757,7 +824,15 @@
         <p:spPr/>
         <p:txBody>
           <a:bodyPr/>
-          <a:lstStyle/>
+          <a:lstStyle>
+            <a:lvl1pPr>
+              <a:defRPr>
+                <a:solidFill>
+                  <a:srgbClr val="FFFFFF"/>
+                </a:solidFill>
+              </a:defRPr>
+            </a:lvl1pPr>
+          </a:lstStyle>
           <a:p>
             <a:endParaRPr lang="en-US"/>
           </a:p>
@@ -776,7 +851,15 @@
         <p:spPr/>
         <p:txBody>
           <a:bodyPr/>
-          <a:lstStyle/>
+          <a:lstStyle>
+            <a:lvl1pPr>
+              <a:defRPr>
+                <a:solidFill>
+                  <a:srgbClr val="FFFFFF"/>
+                </a:solidFill>
+              </a:defRPr>
+            </a:lvl1pPr>
+          </a:lstStyle>
           <a:p>
             <a:fld id="{3C114CFB-48B2-4291-9C6D-302DAC1F9781}" type="slidenum">
               <a:rPr lang="en-US" smtClean="0"/>
@@ -786,16 +869,54 @@
           </a:p>
         </p:txBody>
       </p:sp>
+      <p:cxnSp>
+        <p:nvCxnSpPr>
+          <p:cNvPr id="8" name="Straight Connector 7"/>
+          <p:cNvCxnSpPr/>
+          <p:nvPr/>
+        </p:nvCxnSpPr>
+        <p:spPr>
+          <a:xfrm>
+            <a:off x="1978660" y="3733800"/>
+            <a:ext cx="8229601" cy="0"/>
+          </a:xfrm>
+          <a:prstGeom prst="line">
+            <a:avLst/>
+          </a:prstGeom>
+          <a:ln>
+            <a:solidFill>
+              <a:srgbClr val="FFFFFF"/>
+            </a:solidFill>
+          </a:ln>
+        </p:spPr>
+        <p:style>
+          <a:lnRef idx="1">
+            <a:schemeClr val="accent1"/>
+          </a:lnRef>
+          <a:fillRef idx="0">
+            <a:schemeClr val="accent1"/>
+          </a:fillRef>
+          <a:effectRef idx="0">
+            <a:schemeClr val="accent1"/>
+          </a:effectRef>
+          <a:fontRef idx="minor">
+            <a:schemeClr val="tx1"/>
+          </a:fontRef>
+        </p:style>
+      </p:cxnSp>
     </p:spTree>
     <p:extLst>
       <p:ext uri="{BB962C8B-B14F-4D97-AF65-F5344CB8AC3E}">
-        <p14:creationId xmlns:p14="http://schemas.microsoft.com/office/powerpoint/2010/main" val="942575820"/>
+        <p14:creationId xmlns:p14="http://schemas.microsoft.com/office/powerpoint/2010/main" val="2945138979"/>
       </p:ext>
     </p:extLst>
   </p:cSld>
   <p:clrMapOvr>
     <a:masterClrMapping/>
   </p:clrMapOvr>
+  <p:transition spd="slow" advClick="0" advTm="10000">
+    <p:wipe/>
+  </p:transition>
 </p:sldLayout>
 </file>
 
@@ -835,6 +956,7 @@
               <a:rPr lang="en-US"/>
               <a:t>Click to edit Master title style</a:t>
             </a:r>
+            <a:endParaRPr lang="en-US" dirty="0"/>
           </a:p>
         </p:txBody>
       </p:sp>
@@ -886,6 +1008,7 @@
               <a:rPr lang="en-US"/>
               <a:t>Fifth level</a:t>
             </a:r>
+            <a:endParaRPr lang="en-US" dirty="0"/>
           </a:p>
         </p:txBody>
       </p:sp>
@@ -906,7 +1029,7 @@
           <a:p>
             <a:fld id="{6047A8FC-007F-44DD-8989-93C29FA03653}" type="datetimeFigureOut">
               <a:rPr lang="en-US" smtClean="0"/>
-              <a:t>4/12/2017</a:t>
+              <a:t>4/21/2017</a:t>
             </a:fld>
             <a:endParaRPr lang="en-US"/>
           </a:p>
@@ -957,13 +1080,16 @@
     </p:spTree>
     <p:extLst>
       <p:ext uri="{BB962C8B-B14F-4D97-AF65-F5344CB8AC3E}">
-        <p14:creationId xmlns:p14="http://schemas.microsoft.com/office/powerpoint/2010/main" val="2908425331"/>
+        <p14:creationId xmlns:p14="http://schemas.microsoft.com/office/powerpoint/2010/main" val="1967503070"/>
       </p:ext>
     </p:extLst>
   </p:cSld>
   <p:clrMapOvr>
     <a:masterClrMapping/>
   </p:clrMapOvr>
+  <p:transition spd="slow" advClick="0" advTm="10000">
+    <p:wipe/>
+  </p:transition>
 </p:sldLayout>
 </file>
 
@@ -996,8 +1122,8 @@
         </p:nvSpPr>
         <p:spPr>
           <a:xfrm>
-            <a:off x="8724900" y="365125"/>
-            <a:ext cx="2628900" cy="5811838"/>
+            <a:off x="8724900" y="762000"/>
+            <a:ext cx="2324100" cy="5410200"/>
           </a:xfrm>
         </p:spPr>
         <p:txBody>
@@ -1008,6 +1134,7 @@
               <a:rPr lang="en-US"/>
               <a:t>Click to edit Master title style</a:t>
             </a:r>
+            <a:endParaRPr lang="en-US" dirty="0"/>
           </a:p>
         </p:txBody>
       </p:sp>
@@ -1023,8 +1150,8 @@
         </p:nvSpPr>
         <p:spPr>
           <a:xfrm>
-            <a:off x="838200" y="365125"/>
-            <a:ext cx="7734300" cy="5811838"/>
+            <a:off x="1143000" y="762000"/>
+            <a:ext cx="7429500" cy="5410200"/>
           </a:xfrm>
         </p:spPr>
         <p:txBody>
@@ -1064,6 +1191,7 @@
               <a:rPr lang="en-US"/>
               <a:t>Fifth level</a:t>
             </a:r>
+            <a:endParaRPr lang="en-US" dirty="0"/>
           </a:p>
         </p:txBody>
       </p:sp>
@@ -1084,7 +1212,7 @@
           <a:p>
             <a:fld id="{6047A8FC-007F-44DD-8989-93C29FA03653}" type="datetimeFigureOut">
               <a:rPr lang="en-US" smtClean="0"/>
-              <a:t>4/12/2017</a:t>
+              <a:t>4/21/2017</a:t>
             </a:fld>
             <a:endParaRPr lang="en-US"/>
           </a:p>
@@ -1135,259 +1263,20 @@
     </p:spTree>
     <p:extLst>
       <p:ext uri="{BB962C8B-B14F-4D97-AF65-F5344CB8AC3E}">
-        <p14:creationId xmlns:p14="http://schemas.microsoft.com/office/powerpoint/2010/main" val="1010251885"/>
+        <p14:creationId xmlns:p14="http://schemas.microsoft.com/office/powerpoint/2010/main" val="4135265305"/>
       </p:ext>
     </p:extLst>
   </p:cSld>
   <p:clrMapOvr>
     <a:masterClrMapping/>
   </p:clrMapOvr>
+  <p:transition spd="slow" advClick="0" advTm="10000">
+    <p:wipe/>
+  </p:transition>
 </p:sldLayout>
 </file>
 
-<file path=ppt/slideLayouts/slideLayout12.xml><?xml version="1.0" encoding="utf-8"?>
-<p:sldLayout xmlns:a="http://schemas.openxmlformats.org/drawingml/2006/main" xmlns:r="http://schemas.openxmlformats.org/officeDocument/2006/relationships" xmlns:p="http://schemas.openxmlformats.org/presentationml/2006/main" type="title" preserve="1">
-  <p:cSld name="Title Slide">
-    <p:spTree>
-      <p:nvGrpSpPr>
-        <p:cNvPr id="1" name=""/>
-        <p:cNvGrpSpPr/>
-        <p:nvPr/>
-      </p:nvGrpSpPr>
-      <p:grpSpPr>
-        <a:xfrm>
-          <a:off x="0" y="0"/>
-          <a:ext cx="0" cy="0"/>
-          <a:chOff x="0" y="0"/>
-          <a:chExt cx="0" cy="0"/>
-        </a:xfrm>
-      </p:grpSpPr>
-      <p:sp>
-        <p:nvSpPr>
-          <p:cNvPr id="2" name="Title 1"/>
-          <p:cNvSpPr>
-            <a:spLocks noGrp="1"/>
-          </p:cNvSpPr>
-          <p:nvPr>
-            <p:ph type="ctrTitle"/>
-          </p:nvPr>
-        </p:nvSpPr>
-        <p:spPr>
-          <a:xfrm>
-            <a:off x="914400" y="2130425"/>
-            <a:ext cx="10363200" cy="1470025"/>
-          </a:xfrm>
-        </p:spPr>
-        <p:txBody>
-          <a:bodyPr/>
-          <a:lstStyle/>
-          <a:p>
-            <a:r>
-              <a:rPr lang="en-US"/>
-              <a:t>Click to edit Master title style</a:t>
-            </a:r>
-          </a:p>
-        </p:txBody>
-      </p:sp>
-      <p:sp>
-        <p:nvSpPr>
-          <p:cNvPr id="3" name="Subtitle 2"/>
-          <p:cNvSpPr>
-            <a:spLocks noGrp="1"/>
-          </p:cNvSpPr>
-          <p:nvPr>
-            <p:ph type="subTitle" idx="1"/>
-          </p:nvPr>
-        </p:nvSpPr>
-        <p:spPr>
-          <a:xfrm>
-            <a:off x="1828800" y="3886200"/>
-            <a:ext cx="8534400" cy="1752600"/>
-          </a:xfrm>
-        </p:spPr>
-        <p:txBody>
-          <a:bodyPr/>
-          <a:lstStyle>
-            <a:lvl1pPr marL="0" indent="0" algn="ctr">
-              <a:buNone/>
-              <a:defRPr>
-                <a:solidFill>
-                  <a:schemeClr val="tx1">
-                    <a:tint val="75000"/>
-                  </a:schemeClr>
-                </a:solidFill>
-              </a:defRPr>
-            </a:lvl1pPr>
-            <a:lvl2pPr marL="457054" indent="0" algn="ctr">
-              <a:buNone/>
-              <a:defRPr>
-                <a:solidFill>
-                  <a:schemeClr val="tx1">
-                    <a:tint val="75000"/>
-                  </a:schemeClr>
-                </a:solidFill>
-              </a:defRPr>
-            </a:lvl2pPr>
-            <a:lvl3pPr marL="914108" indent="0" algn="ctr">
-              <a:buNone/>
-              <a:defRPr>
-                <a:solidFill>
-                  <a:schemeClr val="tx1">
-                    <a:tint val="75000"/>
-                  </a:schemeClr>
-                </a:solidFill>
-              </a:defRPr>
-            </a:lvl3pPr>
-            <a:lvl4pPr marL="1371162" indent="0" algn="ctr">
-              <a:buNone/>
-              <a:defRPr>
-                <a:solidFill>
-                  <a:schemeClr val="tx1">
-                    <a:tint val="75000"/>
-                  </a:schemeClr>
-                </a:solidFill>
-              </a:defRPr>
-            </a:lvl4pPr>
-            <a:lvl5pPr marL="1828215" indent="0" algn="ctr">
-              <a:buNone/>
-              <a:defRPr>
-                <a:solidFill>
-                  <a:schemeClr val="tx1">
-                    <a:tint val="75000"/>
-                  </a:schemeClr>
-                </a:solidFill>
-              </a:defRPr>
-            </a:lvl5pPr>
-            <a:lvl6pPr marL="2285268" indent="0" algn="ctr">
-              <a:buNone/>
-              <a:defRPr>
-                <a:solidFill>
-                  <a:schemeClr val="tx1">
-                    <a:tint val="75000"/>
-                  </a:schemeClr>
-                </a:solidFill>
-              </a:defRPr>
-            </a:lvl6pPr>
-            <a:lvl7pPr marL="2742322" indent="0" algn="ctr">
-              <a:buNone/>
-              <a:defRPr>
-                <a:solidFill>
-                  <a:schemeClr val="tx1">
-                    <a:tint val="75000"/>
-                  </a:schemeClr>
-                </a:solidFill>
-              </a:defRPr>
-            </a:lvl7pPr>
-            <a:lvl8pPr marL="3199376" indent="0" algn="ctr">
-              <a:buNone/>
-              <a:defRPr>
-                <a:solidFill>
-                  <a:schemeClr val="tx1">
-                    <a:tint val="75000"/>
-                  </a:schemeClr>
-                </a:solidFill>
-              </a:defRPr>
-            </a:lvl8pPr>
-            <a:lvl9pPr marL="3656430" indent="0" algn="ctr">
-              <a:buNone/>
-              <a:defRPr>
-                <a:solidFill>
-                  <a:schemeClr val="tx1">
-                    <a:tint val="75000"/>
-                  </a:schemeClr>
-                </a:solidFill>
-              </a:defRPr>
-            </a:lvl9pPr>
-          </a:lstStyle>
-          <a:p>
-            <a:r>
-              <a:rPr lang="en-US"/>
-              <a:t>Click to edit Master subtitle style</a:t>
-            </a:r>
-          </a:p>
-        </p:txBody>
-      </p:sp>
-      <p:sp>
-        <p:nvSpPr>
-          <p:cNvPr id="4" name="Date Placeholder 3"/>
-          <p:cNvSpPr>
-            <a:spLocks noGrp="1"/>
-          </p:cNvSpPr>
-          <p:nvPr>
-            <p:ph type="dt" sz="half" idx="10"/>
-          </p:nvPr>
-        </p:nvSpPr>
-        <p:spPr/>
-        <p:txBody>
-          <a:bodyPr/>
-          <a:lstStyle/>
-          <a:p>
-            <a:fld id="{1D8BD707-D9CF-40AE-B4C6-C98DA3205C09}" type="datetimeFigureOut">
-              <a:rPr lang="en-US" smtClean="0"/>
-              <a:pPr/>
-              <a:t>4/12/2017</a:t>
-            </a:fld>
-            <a:endParaRPr lang="en-US"/>
-          </a:p>
-        </p:txBody>
-      </p:sp>
-      <p:sp>
-        <p:nvSpPr>
-          <p:cNvPr id="5" name="Footer Placeholder 4"/>
-          <p:cNvSpPr>
-            <a:spLocks noGrp="1"/>
-          </p:cNvSpPr>
-          <p:nvPr>
-            <p:ph type="ftr" sz="quarter" idx="11"/>
-          </p:nvPr>
-        </p:nvSpPr>
-        <p:spPr/>
-        <p:txBody>
-          <a:bodyPr/>
-          <a:lstStyle/>
-          <a:p>
-            <a:endParaRPr lang="en-US"/>
-          </a:p>
-        </p:txBody>
-      </p:sp>
-      <p:sp>
-        <p:nvSpPr>
-          <p:cNvPr id="6" name="Slide Number Placeholder 5"/>
-          <p:cNvSpPr>
-            <a:spLocks noGrp="1"/>
-          </p:cNvSpPr>
-          <p:nvPr>
-            <p:ph type="sldNum" sz="quarter" idx="12"/>
-          </p:nvPr>
-        </p:nvSpPr>
-        <p:spPr/>
-        <p:txBody>
-          <a:bodyPr/>
-          <a:lstStyle/>
-          <a:p>
-            <a:fld id="{B6F15528-21DE-4FAA-801E-634DDDAF4B2B}" type="slidenum">
-              <a:rPr lang="en-US" smtClean="0"/>
-              <a:pPr/>
-              <a:t>‹#›</a:t>
-            </a:fld>
-            <a:endParaRPr lang="en-US"/>
-          </a:p>
-        </p:txBody>
-      </p:sp>
-    </p:spTree>
-    <p:extLst>
-      <p:ext uri="{BB962C8B-B14F-4D97-AF65-F5344CB8AC3E}">
-        <p14:creationId xmlns:p14="http://schemas.microsoft.com/office/powerpoint/2010/main" val="144247240"/>
-      </p:ext>
-    </p:extLst>
-  </p:cSld>
-  <p:clrMapOvr>
-    <a:masterClrMapping/>
-  </p:clrMapOvr>
-</p:sldLayout>
-</file>
-
-<file path=ppt/slideLayouts/slideLayout13.xml><?xml version="1.0" encoding="utf-8"?>
+<file path=ppt/slideLayouts/slideLayout2.xml><?xml version="1.0" encoding="utf-8"?>
 <p:sldLayout xmlns:a="http://schemas.openxmlformats.org/drawingml/2006/main" xmlns:r="http://schemas.openxmlformats.org/officeDocument/2006/relationships" xmlns:p="http://schemas.openxmlformats.org/presentationml/2006/main" type="obj" preserve="1">
   <p:cSld name="Title and Content">
     <p:spTree>
@@ -1423,6 +1312,7 @@
               <a:rPr lang="en-US"/>
               <a:t>Click to edit Master title style</a:t>
             </a:r>
+            <a:endParaRPr lang="en-US" dirty="0"/>
           </a:p>
         </p:txBody>
       </p:sp>
@@ -1444,7 +1334,7 @@
             <a:pPr lvl="0"/>
             <a:r>
               <a:rPr lang="en-US"/>
-              <a:t>Click to edit Master text styles</a:t>
+              <a:t>Edit Master text styles</a:t>
             </a:r>
           </a:p>
           <a:p>
@@ -1474,6 +1364,7 @@
               <a:rPr lang="en-US"/>
               <a:t>Fifth level</a:t>
             </a:r>
+            <a:endParaRPr lang="en-US" dirty="0"/>
           </a:p>
         </p:txBody>
       </p:sp>
@@ -1492,10 +1383,9 @@
           <a:bodyPr/>
           <a:lstStyle/>
           <a:p>
-            <a:fld id="{1D8BD707-D9CF-40AE-B4C6-C98DA3205C09}" type="datetimeFigureOut">
+            <a:fld id="{6047A8FC-007F-44DD-8989-93C29FA03653}" type="datetimeFigureOut">
               <a:rPr lang="en-US" smtClean="0"/>
-              <a:pPr/>
-              <a:t>4/12/2017</a:t>
+              <a:t>4/21/2017</a:t>
             </a:fld>
             <a:endParaRPr lang="en-US"/>
           </a:p>
@@ -1535,9 +1425,8 @@
           <a:bodyPr/>
           <a:lstStyle/>
           <a:p>
-            <a:fld id="{B6F15528-21DE-4FAA-801E-634DDDAF4B2B}" type="slidenum">
+            <a:fld id="{3C114CFB-48B2-4291-9C6D-302DAC1F9781}" type="slidenum">
               <a:rPr lang="en-US" smtClean="0"/>
-              <a:pPr/>
               <a:t>‹#›</a:t>
             </a:fld>
             <a:endParaRPr lang="en-US"/>
@@ -1547,17 +1436,20 @@
     </p:spTree>
     <p:extLst>
       <p:ext uri="{BB962C8B-B14F-4D97-AF65-F5344CB8AC3E}">
-        <p14:creationId xmlns:p14="http://schemas.microsoft.com/office/powerpoint/2010/main" val="292397579"/>
+        <p14:creationId xmlns:p14="http://schemas.microsoft.com/office/powerpoint/2010/main" val="2023886939"/>
       </p:ext>
     </p:extLst>
   </p:cSld>
   <p:clrMapOvr>
     <a:masterClrMapping/>
   </p:clrMapOvr>
+  <p:transition spd="slow" advClick="0" advTm="10000">
+    <p:wipe/>
+  </p:transition>
 </p:sldLayout>
 </file>
 
-<file path=ppt/slideLayouts/slideLayout14.xml><?xml version="1.0" encoding="utf-8"?>
+<file path=ppt/slideLayouts/slideLayout3.xml><?xml version="1.0" encoding="utf-8"?>
 <p:sldLayout xmlns:a="http://schemas.openxmlformats.org/drawingml/2006/main" xmlns:r="http://schemas.openxmlformats.org/officeDocument/2006/relationships" xmlns:p="http://schemas.openxmlformats.org/presentationml/2006/main" type="secHead" preserve="1">
   <p:cSld name="Section Header">
     <p:spTree>
@@ -1586,15 +1478,20 @@
         </p:nvSpPr>
         <p:spPr>
           <a:xfrm>
-            <a:off x="963084" y="4406900"/>
-            <a:ext cx="10363200" cy="1362075"/>
+            <a:off x="1106424" y="1173575"/>
+            <a:ext cx="9966960" cy="2926080"/>
           </a:xfrm>
         </p:spPr>
         <p:txBody>
-          <a:bodyPr anchor="t"/>
+          <a:bodyPr anchor="b">
+            <a:noAutofit/>
+          </a:bodyPr>
           <a:lstStyle>
-            <a:lvl1pPr algn="l">
-              <a:defRPr sz="3998" b="1" cap="all"/>
+            <a:lvl1pPr algn="ctr">
+              <a:lnSpc>
+                <a:spcPct val="85000"/>
+              </a:lnSpc>
+              <a:defRPr sz="7200" b="0" cap="all" baseline="0"/>
             </a:lvl1pPr>
           </a:lstStyle>
           <a:p>
@@ -1602,6 +1499,7 @@
               <a:rPr lang="en-US"/>
               <a:t>Click to edit Master title style</a:t>
             </a:r>
+            <a:endParaRPr lang="en-US" dirty="0"/>
           </a:p>
         </p:txBody>
       </p:sp>
@@ -1617,24 +1515,24 @@
         </p:nvSpPr>
         <p:spPr>
           <a:xfrm>
-            <a:off x="963084" y="2906714"/>
-            <a:ext cx="10363200" cy="1500187"/>
+            <a:off x="1709928" y="4154520"/>
+            <a:ext cx="8769096" cy="1363806"/>
           </a:xfrm>
         </p:spPr>
         <p:txBody>
-          <a:bodyPr anchor="b"/>
+          <a:bodyPr anchor="t">
+            <a:normAutofit/>
+          </a:bodyPr>
           <a:lstStyle>
-            <a:lvl1pPr marL="0" indent="0">
-              <a:buNone/>
-              <a:defRPr sz="2000">
+            <a:lvl1pPr marL="0" indent="0" algn="ctr">
+              <a:buNone/>
+              <a:defRPr sz="2200">
                 <a:solidFill>
-                  <a:schemeClr val="tx1">
-                    <a:tint val="75000"/>
-                  </a:schemeClr>
+                  <a:schemeClr val="accent1"/>
                 </a:solidFill>
               </a:defRPr>
             </a:lvl1pPr>
-            <a:lvl2pPr marL="457054" indent="0">
+            <a:lvl2pPr marL="457200" indent="0">
               <a:buNone/>
               <a:defRPr sz="1800">
                 <a:solidFill>
@@ -1644,7 +1542,7 @@
                 </a:solidFill>
               </a:defRPr>
             </a:lvl2pPr>
-            <a:lvl3pPr marL="914108" indent="0">
+            <a:lvl3pPr marL="914400" indent="0">
               <a:buNone/>
               <a:defRPr sz="1600">
                 <a:solidFill>
@@ -1654,7 +1552,7 @@
                 </a:solidFill>
               </a:defRPr>
             </a:lvl3pPr>
-            <a:lvl4pPr marL="1371162" indent="0">
+            <a:lvl4pPr marL="1371600" indent="0">
               <a:buNone/>
               <a:defRPr sz="1400">
                 <a:solidFill>
@@ -1664,7 +1562,7 @@
                 </a:solidFill>
               </a:defRPr>
             </a:lvl4pPr>
-            <a:lvl5pPr marL="1828215" indent="0">
+            <a:lvl5pPr marL="1828800" indent="0">
               <a:buNone/>
               <a:defRPr sz="1400">
                 <a:solidFill>
@@ -1674,7 +1572,7 @@
                 </a:solidFill>
               </a:defRPr>
             </a:lvl5pPr>
-            <a:lvl6pPr marL="2285268" indent="0">
+            <a:lvl6pPr marL="2286000" indent="0">
               <a:buNone/>
               <a:defRPr sz="1400">
                 <a:solidFill>
@@ -1684,7 +1582,7 @@
                 </a:solidFill>
               </a:defRPr>
             </a:lvl6pPr>
-            <a:lvl7pPr marL="2742322" indent="0">
+            <a:lvl7pPr marL="2743200" indent="0">
               <a:buNone/>
               <a:defRPr sz="1400">
                 <a:solidFill>
@@ -1694,7 +1592,7 @@
                 </a:solidFill>
               </a:defRPr>
             </a:lvl7pPr>
-            <a:lvl8pPr marL="3199376" indent="0">
+            <a:lvl8pPr marL="3200400" indent="0">
               <a:buNone/>
               <a:defRPr sz="1400">
                 <a:solidFill>
@@ -1704,7 +1602,7 @@
                 </a:solidFill>
               </a:defRPr>
             </a:lvl8pPr>
-            <a:lvl9pPr marL="3656430" indent="0">
+            <a:lvl9pPr marL="3657600" indent="0">
               <a:buNone/>
               <a:defRPr sz="1400">
                 <a:solidFill>
@@ -1719,7 +1617,7 @@
             <a:pPr lvl="0"/>
             <a:r>
               <a:rPr lang="en-US"/>
-              <a:t>Click to edit Master text styles</a:t>
+              <a:t>Edit Master text styles</a:t>
             </a:r>
           </a:p>
         </p:txBody>
@@ -1739,10 +1637,9 @@
           <a:bodyPr/>
           <a:lstStyle/>
           <a:p>
-            <a:fld id="{1D8BD707-D9CF-40AE-B4C6-C98DA3205C09}" type="datetimeFigureOut">
+            <a:fld id="{6047A8FC-007F-44DD-8989-93C29FA03653}" type="datetimeFigureOut">
               <a:rPr lang="en-US" smtClean="0"/>
-              <a:pPr/>
-              <a:t>4/12/2017</a:t>
+              <a:t>4/21/2017</a:t>
             </a:fld>
             <a:endParaRPr lang="en-US"/>
           </a:p>
@@ -1782,29 +1679,66 @@
           <a:bodyPr/>
           <a:lstStyle/>
           <a:p>
-            <a:fld id="{B6F15528-21DE-4FAA-801E-634DDDAF4B2B}" type="slidenum">
+            <a:fld id="{3C114CFB-48B2-4291-9C6D-302DAC1F9781}" type="slidenum">
               <a:rPr lang="en-US" smtClean="0"/>
-              <a:pPr/>
               <a:t>‹#›</a:t>
             </a:fld>
             <a:endParaRPr lang="en-US"/>
           </a:p>
         </p:txBody>
       </p:sp>
+      <p:cxnSp>
+        <p:nvCxnSpPr>
+          <p:cNvPr id="7" name="Straight Connector 6"/>
+          <p:cNvCxnSpPr/>
+          <p:nvPr/>
+        </p:nvCxnSpPr>
+        <p:spPr>
+          <a:xfrm>
+            <a:off x="1981200" y="4020408"/>
+            <a:ext cx="8229601" cy="0"/>
+          </a:xfrm>
+          <a:prstGeom prst="line">
+            <a:avLst/>
+          </a:prstGeom>
+          <a:ln>
+            <a:solidFill>
+              <a:schemeClr val="accent1"/>
+            </a:solidFill>
+          </a:ln>
+        </p:spPr>
+        <p:style>
+          <a:lnRef idx="1">
+            <a:schemeClr val="accent1"/>
+          </a:lnRef>
+          <a:fillRef idx="0">
+            <a:schemeClr val="accent1"/>
+          </a:fillRef>
+          <a:effectRef idx="0">
+            <a:schemeClr val="accent1"/>
+          </a:effectRef>
+          <a:fontRef idx="minor">
+            <a:schemeClr val="tx1"/>
+          </a:fontRef>
+        </p:style>
+      </p:cxnSp>
     </p:spTree>
     <p:extLst>
       <p:ext uri="{BB962C8B-B14F-4D97-AF65-F5344CB8AC3E}">
-        <p14:creationId xmlns:p14="http://schemas.microsoft.com/office/powerpoint/2010/main" val="2216278231"/>
+        <p14:creationId xmlns:p14="http://schemas.microsoft.com/office/powerpoint/2010/main" val="408903952"/>
       </p:ext>
     </p:extLst>
   </p:cSld>
   <p:clrMapOvr>
     <a:masterClrMapping/>
   </p:clrMapOvr>
+  <p:transition spd="slow" advClick="0" advTm="10000">
+    <p:wipe/>
+  </p:transition>
 </p:sldLayout>
 </file>
 
-<file path=ppt/slideLayouts/slideLayout15.xml><?xml version="1.0" encoding="utf-8"?>
+<file path=ppt/slideLayouts/slideLayout4.xml><?xml version="1.0" encoding="utf-8"?>
 <p:sldLayout xmlns:a="http://schemas.openxmlformats.org/drawingml/2006/main" xmlns:r="http://schemas.openxmlformats.org/officeDocument/2006/relationships" xmlns:p="http://schemas.openxmlformats.org/presentationml/2006/main" type="twoObj" preserve="1">
   <p:cSld name="Two Content">
     <p:spTree>
@@ -1823,7 +1757,7 @@
       </p:grpSpPr>
       <p:sp>
         <p:nvSpPr>
-          <p:cNvPr id="2" name="Title 1"/>
+          <p:cNvPr id="8" name="Title 7"/>
           <p:cNvSpPr>
             <a:spLocks noGrp="1"/>
           </p:cNvSpPr>
@@ -1840,6 +1774,7 @@
               <a:rPr lang="en-US"/>
               <a:t>Click to edit Master title style</a:t>
             </a:r>
+            <a:endParaRPr lang="en-US" dirty="0"/>
           </a:p>
         </p:txBody>
       </p:sp>
@@ -1855,371 +1790,15 @@
         </p:nvSpPr>
         <p:spPr>
           <a:xfrm>
-            <a:off x="609600" y="1600201"/>
-            <a:ext cx="5384800" cy="4525963"/>
+            <a:off x="1143000" y="2057399"/>
+            <a:ext cx="4754880" cy="4023360"/>
           </a:xfrm>
         </p:spPr>
         <p:txBody>
           <a:bodyPr/>
           <a:lstStyle>
             <a:lvl1pPr>
-              <a:defRPr sz="2800"/>
-            </a:lvl1pPr>
-            <a:lvl2pPr>
-              <a:defRPr sz="2400"/>
-            </a:lvl2pPr>
-            <a:lvl3pPr>
-              <a:defRPr sz="2000"/>
-            </a:lvl3pPr>
-            <a:lvl4pPr>
-              <a:defRPr sz="1800"/>
-            </a:lvl4pPr>
-            <a:lvl5pPr>
-              <a:defRPr sz="1800"/>
-            </a:lvl5pPr>
-            <a:lvl6pPr>
-              <a:defRPr sz="1800"/>
-            </a:lvl6pPr>
-            <a:lvl7pPr>
-              <a:defRPr sz="1800"/>
-            </a:lvl7pPr>
-            <a:lvl8pPr>
-              <a:defRPr sz="1800"/>
-            </a:lvl8pPr>
-            <a:lvl9pPr>
-              <a:defRPr sz="1800"/>
-            </a:lvl9pPr>
-          </a:lstStyle>
-          <a:p>
-            <a:pPr lvl="0"/>
-            <a:r>
-              <a:rPr lang="en-US"/>
-              <a:t>Click to edit Master text styles</a:t>
-            </a:r>
-          </a:p>
-          <a:p>
-            <a:pPr lvl="1"/>
-            <a:r>
-              <a:rPr lang="en-US"/>
-              <a:t>Second level</a:t>
-            </a:r>
-          </a:p>
-          <a:p>
-            <a:pPr lvl="2"/>
-            <a:r>
-              <a:rPr lang="en-US"/>
-              <a:t>Third level</a:t>
-            </a:r>
-          </a:p>
-          <a:p>
-            <a:pPr lvl="3"/>
-            <a:r>
-              <a:rPr lang="en-US"/>
-              <a:t>Fourth level</a:t>
-            </a:r>
-          </a:p>
-          <a:p>
-            <a:pPr lvl="4"/>
-            <a:r>
-              <a:rPr lang="en-US"/>
-              <a:t>Fifth level</a:t>
-            </a:r>
-          </a:p>
-        </p:txBody>
-      </p:sp>
-      <p:sp>
-        <p:nvSpPr>
-          <p:cNvPr id="4" name="Content Placeholder 3"/>
-          <p:cNvSpPr>
-            <a:spLocks noGrp="1"/>
-          </p:cNvSpPr>
-          <p:nvPr>
-            <p:ph sz="half" idx="2"/>
-          </p:nvPr>
-        </p:nvSpPr>
-        <p:spPr>
-          <a:xfrm>
-            <a:off x="6197600" y="1600201"/>
-            <a:ext cx="5384800" cy="4525963"/>
-          </a:xfrm>
-        </p:spPr>
-        <p:txBody>
-          <a:bodyPr/>
-          <a:lstStyle>
-            <a:lvl1pPr>
-              <a:defRPr sz="2800"/>
-            </a:lvl1pPr>
-            <a:lvl2pPr>
-              <a:defRPr sz="2400"/>
-            </a:lvl2pPr>
-            <a:lvl3pPr>
-              <a:defRPr sz="2000"/>
-            </a:lvl3pPr>
-            <a:lvl4pPr>
-              <a:defRPr sz="1800"/>
-            </a:lvl4pPr>
-            <a:lvl5pPr>
-              <a:defRPr sz="1800"/>
-            </a:lvl5pPr>
-            <a:lvl6pPr>
-              <a:defRPr sz="1800"/>
-            </a:lvl6pPr>
-            <a:lvl7pPr>
-              <a:defRPr sz="1800"/>
-            </a:lvl7pPr>
-            <a:lvl8pPr>
-              <a:defRPr sz="1800"/>
-            </a:lvl8pPr>
-            <a:lvl9pPr>
-              <a:defRPr sz="1800"/>
-            </a:lvl9pPr>
-          </a:lstStyle>
-          <a:p>
-            <a:pPr lvl="0"/>
-            <a:r>
-              <a:rPr lang="en-US"/>
-              <a:t>Click to edit Master text styles</a:t>
-            </a:r>
-          </a:p>
-          <a:p>
-            <a:pPr lvl="1"/>
-            <a:r>
-              <a:rPr lang="en-US"/>
-              <a:t>Second level</a:t>
-            </a:r>
-          </a:p>
-          <a:p>
-            <a:pPr lvl="2"/>
-            <a:r>
-              <a:rPr lang="en-US"/>
-              <a:t>Third level</a:t>
-            </a:r>
-          </a:p>
-          <a:p>
-            <a:pPr lvl="3"/>
-            <a:r>
-              <a:rPr lang="en-US"/>
-              <a:t>Fourth level</a:t>
-            </a:r>
-          </a:p>
-          <a:p>
-            <a:pPr lvl="4"/>
-            <a:r>
-              <a:rPr lang="en-US"/>
-              <a:t>Fifth level</a:t>
-            </a:r>
-          </a:p>
-        </p:txBody>
-      </p:sp>
-      <p:sp>
-        <p:nvSpPr>
-          <p:cNvPr id="5" name="Date Placeholder 4"/>
-          <p:cNvSpPr>
-            <a:spLocks noGrp="1"/>
-          </p:cNvSpPr>
-          <p:nvPr>
-            <p:ph type="dt" sz="half" idx="10"/>
-          </p:nvPr>
-        </p:nvSpPr>
-        <p:spPr/>
-        <p:txBody>
-          <a:bodyPr/>
-          <a:lstStyle/>
-          <a:p>
-            <a:fld id="{1D8BD707-D9CF-40AE-B4C6-C98DA3205C09}" type="datetimeFigureOut">
-              <a:rPr lang="en-US" smtClean="0"/>
-              <a:pPr/>
-              <a:t>4/12/2017</a:t>
-            </a:fld>
-            <a:endParaRPr lang="en-US"/>
-          </a:p>
-        </p:txBody>
-      </p:sp>
-      <p:sp>
-        <p:nvSpPr>
-          <p:cNvPr id="6" name="Footer Placeholder 5"/>
-          <p:cNvSpPr>
-            <a:spLocks noGrp="1"/>
-          </p:cNvSpPr>
-          <p:nvPr>
-            <p:ph type="ftr" sz="quarter" idx="11"/>
-          </p:nvPr>
-        </p:nvSpPr>
-        <p:spPr/>
-        <p:txBody>
-          <a:bodyPr/>
-          <a:lstStyle/>
-          <a:p>
-            <a:endParaRPr lang="en-US"/>
-          </a:p>
-        </p:txBody>
-      </p:sp>
-      <p:sp>
-        <p:nvSpPr>
-          <p:cNvPr id="7" name="Slide Number Placeholder 6"/>
-          <p:cNvSpPr>
-            <a:spLocks noGrp="1"/>
-          </p:cNvSpPr>
-          <p:nvPr>
-            <p:ph type="sldNum" sz="quarter" idx="12"/>
-          </p:nvPr>
-        </p:nvSpPr>
-        <p:spPr/>
-        <p:txBody>
-          <a:bodyPr/>
-          <a:lstStyle/>
-          <a:p>
-            <a:fld id="{B6F15528-21DE-4FAA-801E-634DDDAF4B2B}" type="slidenum">
-              <a:rPr lang="en-US" smtClean="0"/>
-              <a:pPr/>
-              <a:t>‹#›</a:t>
-            </a:fld>
-            <a:endParaRPr lang="en-US"/>
-          </a:p>
-        </p:txBody>
-      </p:sp>
-    </p:spTree>
-    <p:extLst>
-      <p:ext uri="{BB962C8B-B14F-4D97-AF65-F5344CB8AC3E}">
-        <p14:creationId xmlns:p14="http://schemas.microsoft.com/office/powerpoint/2010/main" val="3110779875"/>
-      </p:ext>
-    </p:extLst>
-  </p:cSld>
-  <p:clrMapOvr>
-    <a:masterClrMapping/>
-  </p:clrMapOvr>
-</p:sldLayout>
-</file>
-
-<file path=ppt/slideLayouts/slideLayout16.xml><?xml version="1.0" encoding="utf-8"?>
-<p:sldLayout xmlns:a="http://schemas.openxmlformats.org/drawingml/2006/main" xmlns:r="http://schemas.openxmlformats.org/officeDocument/2006/relationships" xmlns:p="http://schemas.openxmlformats.org/presentationml/2006/main" type="twoTxTwoObj" preserve="1">
-  <p:cSld name="Comparison">
-    <p:spTree>
-      <p:nvGrpSpPr>
-        <p:cNvPr id="1" name=""/>
-        <p:cNvGrpSpPr/>
-        <p:nvPr/>
-      </p:nvGrpSpPr>
-      <p:grpSpPr>
-        <a:xfrm>
-          <a:off x="0" y="0"/>
-          <a:ext cx="0" cy="0"/>
-          <a:chOff x="0" y="0"/>
-          <a:chExt cx="0" cy="0"/>
-        </a:xfrm>
-      </p:grpSpPr>
-      <p:sp>
-        <p:nvSpPr>
-          <p:cNvPr id="2" name="Title 1"/>
-          <p:cNvSpPr>
-            <a:spLocks noGrp="1"/>
-          </p:cNvSpPr>
-          <p:nvPr>
-            <p:ph type="title"/>
-          </p:nvPr>
-        </p:nvSpPr>
-        <p:spPr/>
-        <p:txBody>
-          <a:bodyPr/>
-          <a:lstStyle>
-            <a:lvl1pPr>
-              <a:defRPr/>
-            </a:lvl1pPr>
-          </a:lstStyle>
-          <a:p>
-            <a:r>
-              <a:rPr lang="en-US"/>
-              <a:t>Click to edit Master title style</a:t>
-            </a:r>
-          </a:p>
-        </p:txBody>
-      </p:sp>
-      <p:sp>
-        <p:nvSpPr>
-          <p:cNvPr id="3" name="Text Placeholder 2"/>
-          <p:cNvSpPr>
-            <a:spLocks noGrp="1"/>
-          </p:cNvSpPr>
-          <p:nvPr>
-            <p:ph type="body" idx="1"/>
-          </p:nvPr>
-        </p:nvSpPr>
-        <p:spPr>
-          <a:xfrm>
-            <a:off x="609600" y="1535113"/>
-            <a:ext cx="5386917" cy="639762"/>
-          </a:xfrm>
-        </p:spPr>
-        <p:txBody>
-          <a:bodyPr anchor="b"/>
-          <a:lstStyle>
-            <a:lvl1pPr marL="0" indent="0">
-              <a:buNone/>
-              <a:defRPr sz="2400" b="1"/>
-            </a:lvl1pPr>
-            <a:lvl2pPr marL="457054" indent="0">
-              <a:buNone/>
-              <a:defRPr sz="2000" b="1"/>
-            </a:lvl2pPr>
-            <a:lvl3pPr marL="914108" indent="0">
-              <a:buNone/>
-              <a:defRPr sz="1800" b="1"/>
-            </a:lvl3pPr>
-            <a:lvl4pPr marL="1371162" indent="0">
-              <a:buNone/>
-              <a:defRPr sz="1600" b="1"/>
-            </a:lvl4pPr>
-            <a:lvl5pPr marL="1828215" indent="0">
-              <a:buNone/>
-              <a:defRPr sz="1600" b="1"/>
-            </a:lvl5pPr>
-            <a:lvl6pPr marL="2285268" indent="0">
-              <a:buNone/>
-              <a:defRPr sz="1600" b="1"/>
-            </a:lvl6pPr>
-            <a:lvl7pPr marL="2742322" indent="0">
-              <a:buNone/>
-              <a:defRPr sz="1600" b="1"/>
-            </a:lvl7pPr>
-            <a:lvl8pPr marL="3199376" indent="0">
-              <a:buNone/>
-              <a:defRPr sz="1600" b="1"/>
-            </a:lvl8pPr>
-            <a:lvl9pPr marL="3656430" indent="0">
-              <a:buNone/>
-              <a:defRPr sz="1600" b="1"/>
-            </a:lvl9pPr>
-          </a:lstStyle>
-          <a:p>
-            <a:pPr lvl="0"/>
-            <a:r>
-              <a:rPr lang="en-US"/>
-              <a:t>Click to edit Master text styles</a:t>
-            </a:r>
-          </a:p>
-        </p:txBody>
-      </p:sp>
-      <p:sp>
-        <p:nvSpPr>
-          <p:cNvPr id="4" name="Content Placeholder 3"/>
-          <p:cNvSpPr>
-            <a:spLocks noGrp="1"/>
-          </p:cNvSpPr>
-          <p:nvPr>
-            <p:ph sz="half" idx="2"/>
-          </p:nvPr>
-        </p:nvSpPr>
-        <p:spPr>
-          <a:xfrm>
-            <a:off x="609600" y="2174875"/>
-            <a:ext cx="5386917" cy="3951288"/>
-          </a:xfrm>
-        </p:spPr>
-        <p:txBody>
-          <a:bodyPr/>
-          <a:lstStyle>
-            <a:lvl1pPr>
-              <a:defRPr sz="2400"/>
+              <a:defRPr sz="2200"/>
             </a:lvl1pPr>
             <a:lvl2pPr>
               <a:defRPr sz="2000"/>
@@ -2250,7 +1829,7 @@
             <a:pPr lvl="0"/>
             <a:r>
               <a:rPr lang="en-US"/>
-              <a:t>Click to edit Master text styles</a:t>
+              <a:t>Edit Master text styles</a:t>
             </a:r>
           </a:p>
           <a:p>
@@ -2280,95 +1859,31 @@
               <a:rPr lang="en-US"/>
               <a:t>Fifth level</a:t>
             </a:r>
-          </a:p>
-        </p:txBody>
-      </p:sp>
-      <p:sp>
-        <p:nvSpPr>
-          <p:cNvPr id="5" name="Text Placeholder 4"/>
-          <p:cNvSpPr>
-            <a:spLocks noGrp="1"/>
-          </p:cNvSpPr>
-          <p:nvPr>
-            <p:ph type="body" sz="quarter" idx="3"/>
+            <a:endParaRPr lang="en-US" dirty="0"/>
+          </a:p>
+        </p:txBody>
+      </p:sp>
+      <p:sp>
+        <p:nvSpPr>
+          <p:cNvPr id="4" name="Content Placeholder 3"/>
+          <p:cNvSpPr>
+            <a:spLocks noGrp="1"/>
+          </p:cNvSpPr>
+          <p:nvPr>
+            <p:ph sz="half" idx="2"/>
           </p:nvPr>
         </p:nvSpPr>
         <p:spPr>
           <a:xfrm>
-            <a:off x="6193367" y="1535113"/>
-            <a:ext cx="5389033" cy="639762"/>
-          </a:xfrm>
-        </p:spPr>
-        <p:txBody>
-          <a:bodyPr anchor="b"/>
-          <a:lstStyle>
-            <a:lvl1pPr marL="0" indent="0">
-              <a:buNone/>
-              <a:defRPr sz="2400" b="1"/>
-            </a:lvl1pPr>
-            <a:lvl2pPr marL="457054" indent="0">
-              <a:buNone/>
-              <a:defRPr sz="2000" b="1"/>
-            </a:lvl2pPr>
-            <a:lvl3pPr marL="914108" indent="0">
-              <a:buNone/>
-              <a:defRPr sz="1800" b="1"/>
-            </a:lvl3pPr>
-            <a:lvl4pPr marL="1371162" indent="0">
-              <a:buNone/>
-              <a:defRPr sz="1600" b="1"/>
-            </a:lvl4pPr>
-            <a:lvl5pPr marL="1828215" indent="0">
-              <a:buNone/>
-              <a:defRPr sz="1600" b="1"/>
-            </a:lvl5pPr>
-            <a:lvl6pPr marL="2285268" indent="0">
-              <a:buNone/>
-              <a:defRPr sz="1600" b="1"/>
-            </a:lvl6pPr>
-            <a:lvl7pPr marL="2742322" indent="0">
-              <a:buNone/>
-              <a:defRPr sz="1600" b="1"/>
-            </a:lvl7pPr>
-            <a:lvl8pPr marL="3199376" indent="0">
-              <a:buNone/>
-              <a:defRPr sz="1600" b="1"/>
-            </a:lvl8pPr>
-            <a:lvl9pPr marL="3656430" indent="0">
-              <a:buNone/>
-              <a:defRPr sz="1600" b="1"/>
-            </a:lvl9pPr>
-          </a:lstStyle>
-          <a:p>
-            <a:pPr lvl="0"/>
-            <a:r>
-              <a:rPr lang="en-US"/>
-              <a:t>Click to edit Master text styles</a:t>
-            </a:r>
-          </a:p>
-        </p:txBody>
-      </p:sp>
-      <p:sp>
-        <p:nvSpPr>
-          <p:cNvPr id="6" name="Content Placeholder 5"/>
-          <p:cNvSpPr>
-            <a:spLocks noGrp="1"/>
-          </p:cNvSpPr>
-          <p:nvPr>
-            <p:ph sz="quarter" idx="4"/>
-          </p:nvPr>
-        </p:nvSpPr>
-        <p:spPr>
-          <a:xfrm>
-            <a:off x="6193367" y="2174875"/>
-            <a:ext cx="5389033" cy="3951288"/>
+            <a:off x="6267612" y="2057400"/>
+            <a:ext cx="4754880" cy="4023360"/>
           </a:xfrm>
         </p:spPr>
         <p:txBody>
           <a:bodyPr/>
           <a:lstStyle>
             <a:lvl1pPr>
-              <a:defRPr sz="2400"/>
+              <a:defRPr sz="2200"/>
             </a:lvl1pPr>
             <a:lvl2pPr>
               <a:defRPr sz="2000"/>
@@ -2399,7 +1914,7 @@
             <a:pPr lvl="0"/>
             <a:r>
               <a:rPr lang="en-US"/>
-              <a:t>Click to edit Master text styles</a:t>
+              <a:t>Edit Master text styles</a:t>
             </a:r>
           </a:p>
           <a:p>
@@ -2429,12 +1944,13 @@
               <a:rPr lang="en-US"/>
               <a:t>Fifth level</a:t>
             </a:r>
-          </a:p>
-        </p:txBody>
-      </p:sp>
-      <p:sp>
-        <p:nvSpPr>
-          <p:cNvPr id="7" name="Date Placeholder 6"/>
+            <a:endParaRPr lang="en-US" dirty="0"/>
+          </a:p>
+        </p:txBody>
+      </p:sp>
+      <p:sp>
+        <p:nvSpPr>
+          <p:cNvPr id="5" name="Date Placeholder 4"/>
           <p:cNvSpPr>
             <a:spLocks noGrp="1"/>
           </p:cNvSpPr>
@@ -2447,10 +1963,9 @@
           <a:bodyPr/>
           <a:lstStyle/>
           <a:p>
-            <a:fld id="{1D8BD707-D9CF-40AE-B4C6-C98DA3205C09}" type="datetimeFigureOut">
+            <a:fld id="{6047A8FC-007F-44DD-8989-93C29FA03653}" type="datetimeFigureOut">
               <a:rPr lang="en-US" smtClean="0"/>
-              <a:pPr/>
-              <a:t>4/12/2017</a:t>
+              <a:t>4/21/2017</a:t>
             </a:fld>
             <a:endParaRPr lang="en-US"/>
           </a:p>
@@ -2458,7 +1973,7 @@
       </p:sp>
       <p:sp>
         <p:nvSpPr>
-          <p:cNvPr id="8" name="Footer Placeholder 7"/>
+          <p:cNvPr id="6" name="Footer Placeholder 5"/>
           <p:cNvSpPr>
             <a:spLocks noGrp="1"/>
           </p:cNvSpPr>
@@ -2477,7 +1992,7 @@
       </p:sp>
       <p:sp>
         <p:nvSpPr>
-          <p:cNvPr id="9" name="Slide Number Placeholder 8"/>
+          <p:cNvPr id="7" name="Slide Number Placeholder 6"/>
           <p:cNvSpPr>
             <a:spLocks noGrp="1"/>
           </p:cNvSpPr>
@@ -2490,9 +2005,8 @@
           <a:bodyPr/>
           <a:lstStyle/>
           <a:p>
-            <a:fld id="{B6F15528-21DE-4FAA-801E-634DDDAF4B2B}" type="slidenum">
+            <a:fld id="{3C114CFB-48B2-4291-9C6D-302DAC1F9781}" type="slidenum">
               <a:rPr lang="en-US" smtClean="0"/>
-              <a:pPr/>
               <a:t>‹#›</a:t>
             </a:fld>
             <a:endParaRPr lang="en-US"/>
@@ -2502,1752 +2016,16 @@
     </p:spTree>
     <p:extLst>
       <p:ext uri="{BB962C8B-B14F-4D97-AF65-F5344CB8AC3E}">
-        <p14:creationId xmlns:p14="http://schemas.microsoft.com/office/powerpoint/2010/main" val="3257653836"/>
+        <p14:creationId xmlns:p14="http://schemas.microsoft.com/office/powerpoint/2010/main" val="4229278799"/>
       </p:ext>
     </p:extLst>
   </p:cSld>
   <p:clrMapOvr>
     <a:masterClrMapping/>
   </p:clrMapOvr>
-</p:sldLayout>
-</file>
-
-<file path=ppt/slideLayouts/slideLayout17.xml><?xml version="1.0" encoding="utf-8"?>
-<p:sldLayout xmlns:a="http://schemas.openxmlformats.org/drawingml/2006/main" xmlns:r="http://schemas.openxmlformats.org/officeDocument/2006/relationships" xmlns:p="http://schemas.openxmlformats.org/presentationml/2006/main" type="titleOnly" preserve="1">
-  <p:cSld name="Title Only">
-    <p:spTree>
-      <p:nvGrpSpPr>
-        <p:cNvPr id="1" name=""/>
-        <p:cNvGrpSpPr/>
-        <p:nvPr/>
-      </p:nvGrpSpPr>
-      <p:grpSpPr>
-        <a:xfrm>
-          <a:off x="0" y="0"/>
-          <a:ext cx="0" cy="0"/>
-          <a:chOff x="0" y="0"/>
-          <a:chExt cx="0" cy="0"/>
-        </a:xfrm>
-      </p:grpSpPr>
-      <p:sp>
-        <p:nvSpPr>
-          <p:cNvPr id="2" name="Title 1"/>
-          <p:cNvSpPr>
-            <a:spLocks noGrp="1"/>
-          </p:cNvSpPr>
-          <p:nvPr>
-            <p:ph type="title"/>
-          </p:nvPr>
-        </p:nvSpPr>
-        <p:spPr/>
-        <p:txBody>
-          <a:bodyPr/>
-          <a:lstStyle/>
-          <a:p>
-            <a:r>
-              <a:rPr lang="en-US"/>
-              <a:t>Click to edit Master title style</a:t>
-            </a:r>
-          </a:p>
-        </p:txBody>
-      </p:sp>
-      <p:sp>
-        <p:nvSpPr>
-          <p:cNvPr id="3" name="Date Placeholder 2"/>
-          <p:cNvSpPr>
-            <a:spLocks noGrp="1"/>
-          </p:cNvSpPr>
-          <p:nvPr>
-            <p:ph type="dt" sz="half" idx="10"/>
-          </p:nvPr>
-        </p:nvSpPr>
-        <p:spPr/>
-        <p:txBody>
-          <a:bodyPr/>
-          <a:lstStyle/>
-          <a:p>
-            <a:fld id="{1D8BD707-D9CF-40AE-B4C6-C98DA3205C09}" type="datetimeFigureOut">
-              <a:rPr lang="en-US" smtClean="0"/>
-              <a:pPr/>
-              <a:t>4/12/2017</a:t>
-            </a:fld>
-            <a:endParaRPr lang="en-US"/>
-          </a:p>
-        </p:txBody>
-      </p:sp>
-      <p:sp>
-        <p:nvSpPr>
-          <p:cNvPr id="4" name="Footer Placeholder 3"/>
-          <p:cNvSpPr>
-            <a:spLocks noGrp="1"/>
-          </p:cNvSpPr>
-          <p:nvPr>
-            <p:ph type="ftr" sz="quarter" idx="11"/>
-          </p:nvPr>
-        </p:nvSpPr>
-        <p:spPr/>
-        <p:txBody>
-          <a:bodyPr/>
-          <a:lstStyle/>
-          <a:p>
-            <a:endParaRPr lang="en-US"/>
-          </a:p>
-        </p:txBody>
-      </p:sp>
-      <p:sp>
-        <p:nvSpPr>
-          <p:cNvPr id="5" name="Slide Number Placeholder 4"/>
-          <p:cNvSpPr>
-            <a:spLocks noGrp="1"/>
-          </p:cNvSpPr>
-          <p:nvPr>
-            <p:ph type="sldNum" sz="quarter" idx="12"/>
-          </p:nvPr>
-        </p:nvSpPr>
-        <p:spPr/>
-        <p:txBody>
-          <a:bodyPr/>
-          <a:lstStyle/>
-          <a:p>
-            <a:fld id="{B6F15528-21DE-4FAA-801E-634DDDAF4B2B}" type="slidenum">
-              <a:rPr lang="en-US" smtClean="0"/>
-              <a:pPr/>
-              <a:t>‹#›</a:t>
-            </a:fld>
-            <a:endParaRPr lang="en-US"/>
-          </a:p>
-        </p:txBody>
-      </p:sp>
-    </p:spTree>
-    <p:extLst>
-      <p:ext uri="{BB962C8B-B14F-4D97-AF65-F5344CB8AC3E}">
-        <p14:creationId xmlns:p14="http://schemas.microsoft.com/office/powerpoint/2010/main" val="3535629092"/>
-      </p:ext>
-    </p:extLst>
-  </p:cSld>
-  <p:clrMapOvr>
-    <a:masterClrMapping/>
-  </p:clrMapOvr>
-</p:sldLayout>
-</file>
-
-<file path=ppt/slideLayouts/slideLayout18.xml><?xml version="1.0" encoding="utf-8"?>
-<p:sldLayout xmlns:a="http://schemas.openxmlformats.org/drawingml/2006/main" xmlns:r="http://schemas.openxmlformats.org/officeDocument/2006/relationships" xmlns:p="http://schemas.openxmlformats.org/presentationml/2006/main" type="blank" preserve="1">
-  <p:cSld name="Blank">
-    <p:spTree>
-      <p:nvGrpSpPr>
-        <p:cNvPr id="1" name=""/>
-        <p:cNvGrpSpPr/>
-        <p:nvPr/>
-      </p:nvGrpSpPr>
-      <p:grpSpPr>
-        <a:xfrm>
-          <a:off x="0" y="0"/>
-          <a:ext cx="0" cy="0"/>
-          <a:chOff x="0" y="0"/>
-          <a:chExt cx="0" cy="0"/>
-        </a:xfrm>
-      </p:grpSpPr>
-      <p:sp>
-        <p:nvSpPr>
-          <p:cNvPr id="2" name="Date Placeholder 1"/>
-          <p:cNvSpPr>
-            <a:spLocks noGrp="1"/>
-          </p:cNvSpPr>
-          <p:nvPr>
-            <p:ph type="dt" sz="half" idx="10"/>
-          </p:nvPr>
-        </p:nvSpPr>
-        <p:spPr/>
-        <p:txBody>
-          <a:bodyPr/>
-          <a:lstStyle/>
-          <a:p>
-            <a:fld id="{1D8BD707-D9CF-40AE-B4C6-C98DA3205C09}" type="datetimeFigureOut">
-              <a:rPr lang="en-US" smtClean="0"/>
-              <a:pPr/>
-              <a:t>4/12/2017</a:t>
-            </a:fld>
-            <a:endParaRPr lang="en-US"/>
-          </a:p>
-        </p:txBody>
-      </p:sp>
-      <p:sp>
-        <p:nvSpPr>
-          <p:cNvPr id="3" name="Footer Placeholder 2"/>
-          <p:cNvSpPr>
-            <a:spLocks noGrp="1"/>
-          </p:cNvSpPr>
-          <p:nvPr>
-            <p:ph type="ftr" sz="quarter" idx="11"/>
-          </p:nvPr>
-        </p:nvSpPr>
-        <p:spPr/>
-        <p:txBody>
-          <a:bodyPr/>
-          <a:lstStyle/>
-          <a:p>
-            <a:endParaRPr lang="en-US"/>
-          </a:p>
-        </p:txBody>
-      </p:sp>
-      <p:sp>
-        <p:nvSpPr>
-          <p:cNvPr id="4" name="Slide Number Placeholder 3"/>
-          <p:cNvSpPr>
-            <a:spLocks noGrp="1"/>
-          </p:cNvSpPr>
-          <p:nvPr>
-            <p:ph type="sldNum" sz="quarter" idx="12"/>
-          </p:nvPr>
-        </p:nvSpPr>
-        <p:spPr/>
-        <p:txBody>
-          <a:bodyPr/>
-          <a:lstStyle/>
-          <a:p>
-            <a:fld id="{B6F15528-21DE-4FAA-801E-634DDDAF4B2B}" type="slidenum">
-              <a:rPr lang="en-US" smtClean="0"/>
-              <a:pPr/>
-              <a:t>‹#›</a:t>
-            </a:fld>
-            <a:endParaRPr lang="en-US"/>
-          </a:p>
-        </p:txBody>
-      </p:sp>
-    </p:spTree>
-    <p:extLst>
-      <p:ext uri="{BB962C8B-B14F-4D97-AF65-F5344CB8AC3E}">
-        <p14:creationId xmlns:p14="http://schemas.microsoft.com/office/powerpoint/2010/main" val="2171528211"/>
-      </p:ext>
-    </p:extLst>
-  </p:cSld>
-  <p:clrMapOvr>
-    <a:masterClrMapping/>
-  </p:clrMapOvr>
-</p:sldLayout>
-</file>
-
-<file path=ppt/slideLayouts/slideLayout19.xml><?xml version="1.0" encoding="utf-8"?>
-<p:sldLayout xmlns:a="http://schemas.openxmlformats.org/drawingml/2006/main" xmlns:r="http://schemas.openxmlformats.org/officeDocument/2006/relationships" xmlns:p="http://schemas.openxmlformats.org/presentationml/2006/main" type="objTx" preserve="1">
-  <p:cSld name="Content with Caption">
-    <p:spTree>
-      <p:nvGrpSpPr>
-        <p:cNvPr id="1" name=""/>
-        <p:cNvGrpSpPr/>
-        <p:nvPr/>
-      </p:nvGrpSpPr>
-      <p:grpSpPr>
-        <a:xfrm>
-          <a:off x="0" y="0"/>
-          <a:ext cx="0" cy="0"/>
-          <a:chOff x="0" y="0"/>
-          <a:chExt cx="0" cy="0"/>
-        </a:xfrm>
-      </p:grpSpPr>
-      <p:sp>
-        <p:nvSpPr>
-          <p:cNvPr id="2" name="Title 1"/>
-          <p:cNvSpPr>
-            <a:spLocks noGrp="1"/>
-          </p:cNvSpPr>
-          <p:nvPr>
-            <p:ph type="title"/>
-          </p:nvPr>
-        </p:nvSpPr>
-        <p:spPr>
-          <a:xfrm>
-            <a:off x="609602" y="273050"/>
-            <a:ext cx="4011084" cy="1162050"/>
-          </a:xfrm>
-        </p:spPr>
-        <p:txBody>
-          <a:bodyPr anchor="b"/>
-          <a:lstStyle>
-            <a:lvl1pPr algn="l">
-              <a:defRPr sz="2000" b="1"/>
-            </a:lvl1pPr>
-          </a:lstStyle>
-          <a:p>
-            <a:r>
-              <a:rPr lang="en-US"/>
-              <a:t>Click to edit Master title style</a:t>
-            </a:r>
-          </a:p>
-        </p:txBody>
-      </p:sp>
-      <p:sp>
-        <p:nvSpPr>
-          <p:cNvPr id="3" name="Content Placeholder 2"/>
-          <p:cNvSpPr>
-            <a:spLocks noGrp="1"/>
-          </p:cNvSpPr>
-          <p:nvPr>
-            <p:ph idx="1"/>
-          </p:nvPr>
-        </p:nvSpPr>
-        <p:spPr>
-          <a:xfrm>
-            <a:off x="4766733" y="273051"/>
-            <a:ext cx="6815667" cy="5853113"/>
-          </a:xfrm>
-        </p:spPr>
-        <p:txBody>
-          <a:bodyPr/>
-          <a:lstStyle>
-            <a:lvl1pPr>
-              <a:defRPr sz="3198"/>
-            </a:lvl1pPr>
-            <a:lvl2pPr>
-              <a:defRPr sz="2800"/>
-            </a:lvl2pPr>
-            <a:lvl3pPr>
-              <a:defRPr sz="2400"/>
-            </a:lvl3pPr>
-            <a:lvl4pPr>
-              <a:defRPr sz="2000"/>
-            </a:lvl4pPr>
-            <a:lvl5pPr>
-              <a:defRPr sz="2000"/>
-            </a:lvl5pPr>
-            <a:lvl6pPr>
-              <a:defRPr sz="2000"/>
-            </a:lvl6pPr>
-            <a:lvl7pPr>
-              <a:defRPr sz="2000"/>
-            </a:lvl7pPr>
-            <a:lvl8pPr>
-              <a:defRPr sz="2000"/>
-            </a:lvl8pPr>
-            <a:lvl9pPr>
-              <a:defRPr sz="2000"/>
-            </a:lvl9pPr>
-          </a:lstStyle>
-          <a:p>
-            <a:pPr lvl="0"/>
-            <a:r>
-              <a:rPr lang="en-US"/>
-              <a:t>Click to edit Master text styles</a:t>
-            </a:r>
-          </a:p>
-          <a:p>
-            <a:pPr lvl="1"/>
-            <a:r>
-              <a:rPr lang="en-US"/>
-              <a:t>Second level</a:t>
-            </a:r>
-          </a:p>
-          <a:p>
-            <a:pPr lvl="2"/>
-            <a:r>
-              <a:rPr lang="en-US"/>
-              <a:t>Third level</a:t>
-            </a:r>
-          </a:p>
-          <a:p>
-            <a:pPr lvl="3"/>
-            <a:r>
-              <a:rPr lang="en-US"/>
-              <a:t>Fourth level</a:t>
-            </a:r>
-          </a:p>
-          <a:p>
-            <a:pPr lvl="4"/>
-            <a:r>
-              <a:rPr lang="en-US"/>
-              <a:t>Fifth level</a:t>
-            </a:r>
-          </a:p>
-        </p:txBody>
-      </p:sp>
-      <p:sp>
-        <p:nvSpPr>
-          <p:cNvPr id="4" name="Text Placeholder 3"/>
-          <p:cNvSpPr>
-            <a:spLocks noGrp="1"/>
-          </p:cNvSpPr>
-          <p:nvPr>
-            <p:ph type="body" sz="half" idx="2"/>
-          </p:nvPr>
-        </p:nvSpPr>
-        <p:spPr>
-          <a:xfrm>
-            <a:off x="609602" y="1435101"/>
-            <a:ext cx="4011084" cy="4691063"/>
-          </a:xfrm>
-        </p:spPr>
-        <p:txBody>
-          <a:bodyPr/>
-          <a:lstStyle>
-            <a:lvl1pPr marL="0" indent="0">
-              <a:buNone/>
-              <a:defRPr sz="1400"/>
-            </a:lvl1pPr>
-            <a:lvl2pPr marL="457054" indent="0">
-              <a:buNone/>
-              <a:defRPr sz="1200"/>
-            </a:lvl2pPr>
-            <a:lvl3pPr marL="914108" indent="0">
-              <a:buNone/>
-              <a:defRPr sz="1000"/>
-            </a:lvl3pPr>
-            <a:lvl4pPr marL="1371162" indent="0">
-              <a:buNone/>
-              <a:defRPr sz="900"/>
-            </a:lvl4pPr>
-            <a:lvl5pPr marL="1828215" indent="0">
-              <a:buNone/>
-              <a:defRPr sz="900"/>
-            </a:lvl5pPr>
-            <a:lvl6pPr marL="2285268" indent="0">
-              <a:buNone/>
-              <a:defRPr sz="900"/>
-            </a:lvl6pPr>
-            <a:lvl7pPr marL="2742322" indent="0">
-              <a:buNone/>
-              <a:defRPr sz="900"/>
-            </a:lvl7pPr>
-            <a:lvl8pPr marL="3199376" indent="0">
-              <a:buNone/>
-              <a:defRPr sz="900"/>
-            </a:lvl8pPr>
-            <a:lvl9pPr marL="3656430" indent="0">
-              <a:buNone/>
-              <a:defRPr sz="900"/>
-            </a:lvl9pPr>
-          </a:lstStyle>
-          <a:p>
-            <a:pPr lvl="0"/>
-            <a:r>
-              <a:rPr lang="en-US"/>
-              <a:t>Click to edit Master text styles</a:t>
-            </a:r>
-          </a:p>
-        </p:txBody>
-      </p:sp>
-      <p:sp>
-        <p:nvSpPr>
-          <p:cNvPr id="5" name="Date Placeholder 4"/>
-          <p:cNvSpPr>
-            <a:spLocks noGrp="1"/>
-          </p:cNvSpPr>
-          <p:nvPr>
-            <p:ph type="dt" sz="half" idx="10"/>
-          </p:nvPr>
-        </p:nvSpPr>
-        <p:spPr/>
-        <p:txBody>
-          <a:bodyPr/>
-          <a:lstStyle/>
-          <a:p>
-            <a:fld id="{1D8BD707-D9CF-40AE-B4C6-C98DA3205C09}" type="datetimeFigureOut">
-              <a:rPr lang="en-US" smtClean="0"/>
-              <a:pPr/>
-              <a:t>4/12/2017</a:t>
-            </a:fld>
-            <a:endParaRPr lang="en-US"/>
-          </a:p>
-        </p:txBody>
-      </p:sp>
-      <p:sp>
-        <p:nvSpPr>
-          <p:cNvPr id="6" name="Footer Placeholder 5"/>
-          <p:cNvSpPr>
-            <a:spLocks noGrp="1"/>
-          </p:cNvSpPr>
-          <p:nvPr>
-            <p:ph type="ftr" sz="quarter" idx="11"/>
-          </p:nvPr>
-        </p:nvSpPr>
-        <p:spPr/>
-        <p:txBody>
-          <a:bodyPr/>
-          <a:lstStyle/>
-          <a:p>
-            <a:endParaRPr lang="en-US"/>
-          </a:p>
-        </p:txBody>
-      </p:sp>
-      <p:sp>
-        <p:nvSpPr>
-          <p:cNvPr id="7" name="Slide Number Placeholder 6"/>
-          <p:cNvSpPr>
-            <a:spLocks noGrp="1"/>
-          </p:cNvSpPr>
-          <p:nvPr>
-            <p:ph type="sldNum" sz="quarter" idx="12"/>
-          </p:nvPr>
-        </p:nvSpPr>
-        <p:spPr/>
-        <p:txBody>
-          <a:bodyPr/>
-          <a:lstStyle/>
-          <a:p>
-            <a:fld id="{B6F15528-21DE-4FAA-801E-634DDDAF4B2B}" type="slidenum">
-              <a:rPr lang="en-US" smtClean="0"/>
-              <a:pPr/>
-              <a:t>‹#›</a:t>
-            </a:fld>
-            <a:endParaRPr lang="en-US"/>
-          </a:p>
-        </p:txBody>
-      </p:sp>
-    </p:spTree>
-    <p:extLst>
-      <p:ext uri="{BB962C8B-B14F-4D97-AF65-F5344CB8AC3E}">
-        <p14:creationId xmlns:p14="http://schemas.microsoft.com/office/powerpoint/2010/main" val="2792150036"/>
-      </p:ext>
-    </p:extLst>
-  </p:cSld>
-  <p:clrMapOvr>
-    <a:masterClrMapping/>
-  </p:clrMapOvr>
-</p:sldLayout>
-</file>
-
-<file path=ppt/slideLayouts/slideLayout2.xml><?xml version="1.0" encoding="utf-8"?>
-<p:sldLayout xmlns:a="http://schemas.openxmlformats.org/drawingml/2006/main" xmlns:r="http://schemas.openxmlformats.org/officeDocument/2006/relationships" xmlns:p="http://schemas.openxmlformats.org/presentationml/2006/main" type="obj" preserve="1">
-  <p:cSld name="Title and Content">
-    <p:spTree>
-      <p:nvGrpSpPr>
-        <p:cNvPr id="1" name=""/>
-        <p:cNvGrpSpPr/>
-        <p:nvPr/>
-      </p:nvGrpSpPr>
-      <p:grpSpPr>
-        <a:xfrm>
-          <a:off x="0" y="0"/>
-          <a:ext cx="0" cy="0"/>
-          <a:chOff x="0" y="0"/>
-          <a:chExt cx="0" cy="0"/>
-        </a:xfrm>
-      </p:grpSpPr>
-      <p:sp>
-        <p:nvSpPr>
-          <p:cNvPr id="2" name="Title 1"/>
-          <p:cNvSpPr>
-            <a:spLocks noGrp="1"/>
-          </p:cNvSpPr>
-          <p:nvPr>
-            <p:ph type="title"/>
-          </p:nvPr>
-        </p:nvSpPr>
-        <p:spPr/>
-        <p:txBody>
-          <a:bodyPr/>
-          <a:lstStyle/>
-          <a:p>
-            <a:r>
-              <a:rPr lang="en-US"/>
-              <a:t>Click to edit Master title style</a:t>
-            </a:r>
-          </a:p>
-        </p:txBody>
-      </p:sp>
-      <p:sp>
-        <p:nvSpPr>
-          <p:cNvPr id="3" name="Content Placeholder 2"/>
-          <p:cNvSpPr>
-            <a:spLocks noGrp="1"/>
-          </p:cNvSpPr>
-          <p:nvPr>
-            <p:ph idx="1"/>
-          </p:nvPr>
-        </p:nvSpPr>
-        <p:spPr/>
-        <p:txBody>
-          <a:bodyPr/>
-          <a:lstStyle/>
-          <a:p>
-            <a:pPr lvl="0"/>
-            <a:r>
-              <a:rPr lang="en-US"/>
-              <a:t>Edit Master text styles</a:t>
-            </a:r>
-          </a:p>
-          <a:p>
-            <a:pPr lvl="1"/>
-            <a:r>
-              <a:rPr lang="en-US"/>
-              <a:t>Second level</a:t>
-            </a:r>
-          </a:p>
-          <a:p>
-            <a:pPr lvl="2"/>
-            <a:r>
-              <a:rPr lang="en-US"/>
-              <a:t>Third level</a:t>
-            </a:r>
-          </a:p>
-          <a:p>
-            <a:pPr lvl="3"/>
-            <a:r>
-              <a:rPr lang="en-US"/>
-              <a:t>Fourth level</a:t>
-            </a:r>
-          </a:p>
-          <a:p>
-            <a:pPr lvl="4"/>
-            <a:r>
-              <a:rPr lang="en-US"/>
-              <a:t>Fifth level</a:t>
-            </a:r>
-          </a:p>
-        </p:txBody>
-      </p:sp>
-      <p:sp>
-        <p:nvSpPr>
-          <p:cNvPr id="4" name="Date Placeholder 3"/>
-          <p:cNvSpPr>
-            <a:spLocks noGrp="1"/>
-          </p:cNvSpPr>
-          <p:nvPr>
-            <p:ph type="dt" sz="half" idx="10"/>
-          </p:nvPr>
-        </p:nvSpPr>
-        <p:spPr/>
-        <p:txBody>
-          <a:bodyPr/>
-          <a:lstStyle/>
-          <a:p>
-            <a:fld id="{6047A8FC-007F-44DD-8989-93C29FA03653}" type="datetimeFigureOut">
-              <a:rPr lang="en-US" smtClean="0"/>
-              <a:t>4/12/2017</a:t>
-            </a:fld>
-            <a:endParaRPr lang="en-US"/>
-          </a:p>
-        </p:txBody>
-      </p:sp>
-      <p:sp>
-        <p:nvSpPr>
-          <p:cNvPr id="5" name="Footer Placeholder 4"/>
-          <p:cNvSpPr>
-            <a:spLocks noGrp="1"/>
-          </p:cNvSpPr>
-          <p:nvPr>
-            <p:ph type="ftr" sz="quarter" idx="11"/>
-          </p:nvPr>
-        </p:nvSpPr>
-        <p:spPr/>
-        <p:txBody>
-          <a:bodyPr/>
-          <a:lstStyle/>
-          <a:p>
-            <a:endParaRPr lang="en-US"/>
-          </a:p>
-        </p:txBody>
-      </p:sp>
-      <p:sp>
-        <p:nvSpPr>
-          <p:cNvPr id="6" name="Slide Number Placeholder 5"/>
-          <p:cNvSpPr>
-            <a:spLocks noGrp="1"/>
-          </p:cNvSpPr>
-          <p:nvPr>
-            <p:ph type="sldNum" sz="quarter" idx="12"/>
-          </p:nvPr>
-        </p:nvSpPr>
-        <p:spPr/>
-        <p:txBody>
-          <a:bodyPr/>
-          <a:lstStyle/>
-          <a:p>
-            <a:fld id="{3C114CFB-48B2-4291-9C6D-302DAC1F9781}" type="slidenum">
-              <a:rPr lang="en-US" smtClean="0"/>
-              <a:t>‹#›</a:t>
-            </a:fld>
-            <a:endParaRPr lang="en-US"/>
-          </a:p>
-        </p:txBody>
-      </p:sp>
-    </p:spTree>
-    <p:extLst>
-      <p:ext uri="{BB962C8B-B14F-4D97-AF65-F5344CB8AC3E}">
-        <p14:creationId xmlns:p14="http://schemas.microsoft.com/office/powerpoint/2010/main" val="2037050043"/>
-      </p:ext>
-    </p:extLst>
-  </p:cSld>
-  <p:clrMapOvr>
-    <a:masterClrMapping/>
-  </p:clrMapOvr>
-</p:sldLayout>
-</file>
-
-<file path=ppt/slideLayouts/slideLayout20.xml><?xml version="1.0" encoding="utf-8"?>
-<p:sldLayout xmlns:a="http://schemas.openxmlformats.org/drawingml/2006/main" xmlns:r="http://schemas.openxmlformats.org/officeDocument/2006/relationships" xmlns:p="http://schemas.openxmlformats.org/presentationml/2006/main" type="picTx" preserve="1">
-  <p:cSld name="Picture with Caption">
-    <p:spTree>
-      <p:nvGrpSpPr>
-        <p:cNvPr id="1" name=""/>
-        <p:cNvGrpSpPr/>
-        <p:nvPr/>
-      </p:nvGrpSpPr>
-      <p:grpSpPr>
-        <a:xfrm>
-          <a:off x="0" y="0"/>
-          <a:ext cx="0" cy="0"/>
-          <a:chOff x="0" y="0"/>
-          <a:chExt cx="0" cy="0"/>
-        </a:xfrm>
-      </p:grpSpPr>
-      <p:sp>
-        <p:nvSpPr>
-          <p:cNvPr id="2" name="Title 1"/>
-          <p:cNvSpPr>
-            <a:spLocks noGrp="1"/>
-          </p:cNvSpPr>
-          <p:nvPr>
-            <p:ph type="title"/>
-          </p:nvPr>
-        </p:nvSpPr>
-        <p:spPr>
-          <a:xfrm>
-            <a:off x="2389717" y="4800600"/>
-            <a:ext cx="7315200" cy="566738"/>
-          </a:xfrm>
-        </p:spPr>
-        <p:txBody>
-          <a:bodyPr anchor="b"/>
-          <a:lstStyle>
-            <a:lvl1pPr algn="l">
-              <a:defRPr sz="2000" b="1"/>
-            </a:lvl1pPr>
-          </a:lstStyle>
-          <a:p>
-            <a:r>
-              <a:rPr lang="en-US"/>
-              <a:t>Click to edit Master title style</a:t>
-            </a:r>
-          </a:p>
-        </p:txBody>
-      </p:sp>
-      <p:sp>
-        <p:nvSpPr>
-          <p:cNvPr id="3" name="Picture Placeholder 2"/>
-          <p:cNvSpPr>
-            <a:spLocks noGrp="1"/>
-          </p:cNvSpPr>
-          <p:nvPr>
-            <p:ph type="pic" idx="1"/>
-          </p:nvPr>
-        </p:nvSpPr>
-        <p:spPr>
-          <a:xfrm>
-            <a:off x="2389717" y="612775"/>
-            <a:ext cx="7315200" cy="4114800"/>
-          </a:xfrm>
-        </p:spPr>
-        <p:txBody>
-          <a:bodyPr/>
-          <a:lstStyle>
-            <a:lvl1pPr marL="0" indent="0">
-              <a:buNone/>
-              <a:defRPr sz="3198"/>
-            </a:lvl1pPr>
-            <a:lvl2pPr marL="457054" indent="0">
-              <a:buNone/>
-              <a:defRPr sz="2800"/>
-            </a:lvl2pPr>
-            <a:lvl3pPr marL="914108" indent="0">
-              <a:buNone/>
-              <a:defRPr sz="2400"/>
-            </a:lvl3pPr>
-            <a:lvl4pPr marL="1371162" indent="0">
-              <a:buNone/>
-              <a:defRPr sz="2000"/>
-            </a:lvl4pPr>
-            <a:lvl5pPr marL="1828215" indent="0">
-              <a:buNone/>
-              <a:defRPr sz="2000"/>
-            </a:lvl5pPr>
-            <a:lvl6pPr marL="2285268" indent="0">
-              <a:buNone/>
-              <a:defRPr sz="2000"/>
-            </a:lvl6pPr>
-            <a:lvl7pPr marL="2742322" indent="0">
-              <a:buNone/>
-              <a:defRPr sz="2000"/>
-            </a:lvl7pPr>
-            <a:lvl8pPr marL="3199376" indent="0">
-              <a:buNone/>
-              <a:defRPr sz="2000"/>
-            </a:lvl8pPr>
-            <a:lvl9pPr marL="3656430" indent="0">
-              <a:buNone/>
-              <a:defRPr sz="2000"/>
-            </a:lvl9pPr>
-          </a:lstStyle>
-          <a:p>
-            <a:endParaRPr lang="en-US"/>
-          </a:p>
-        </p:txBody>
-      </p:sp>
-      <p:sp>
-        <p:nvSpPr>
-          <p:cNvPr id="4" name="Text Placeholder 3"/>
-          <p:cNvSpPr>
-            <a:spLocks noGrp="1"/>
-          </p:cNvSpPr>
-          <p:nvPr>
-            <p:ph type="body" sz="half" idx="2"/>
-          </p:nvPr>
-        </p:nvSpPr>
-        <p:spPr>
-          <a:xfrm>
-            <a:off x="2389717" y="5367338"/>
-            <a:ext cx="7315200" cy="804862"/>
-          </a:xfrm>
-        </p:spPr>
-        <p:txBody>
-          <a:bodyPr/>
-          <a:lstStyle>
-            <a:lvl1pPr marL="0" indent="0">
-              <a:buNone/>
-              <a:defRPr sz="1400"/>
-            </a:lvl1pPr>
-            <a:lvl2pPr marL="457054" indent="0">
-              <a:buNone/>
-              <a:defRPr sz="1200"/>
-            </a:lvl2pPr>
-            <a:lvl3pPr marL="914108" indent="0">
-              <a:buNone/>
-              <a:defRPr sz="1000"/>
-            </a:lvl3pPr>
-            <a:lvl4pPr marL="1371162" indent="0">
-              <a:buNone/>
-              <a:defRPr sz="900"/>
-            </a:lvl4pPr>
-            <a:lvl5pPr marL="1828215" indent="0">
-              <a:buNone/>
-              <a:defRPr sz="900"/>
-            </a:lvl5pPr>
-            <a:lvl6pPr marL="2285268" indent="0">
-              <a:buNone/>
-              <a:defRPr sz="900"/>
-            </a:lvl6pPr>
-            <a:lvl7pPr marL="2742322" indent="0">
-              <a:buNone/>
-              <a:defRPr sz="900"/>
-            </a:lvl7pPr>
-            <a:lvl8pPr marL="3199376" indent="0">
-              <a:buNone/>
-              <a:defRPr sz="900"/>
-            </a:lvl8pPr>
-            <a:lvl9pPr marL="3656430" indent="0">
-              <a:buNone/>
-              <a:defRPr sz="900"/>
-            </a:lvl9pPr>
-          </a:lstStyle>
-          <a:p>
-            <a:pPr lvl="0"/>
-            <a:r>
-              <a:rPr lang="en-US"/>
-              <a:t>Click to edit Master text styles</a:t>
-            </a:r>
-          </a:p>
-        </p:txBody>
-      </p:sp>
-      <p:sp>
-        <p:nvSpPr>
-          <p:cNvPr id="5" name="Date Placeholder 4"/>
-          <p:cNvSpPr>
-            <a:spLocks noGrp="1"/>
-          </p:cNvSpPr>
-          <p:nvPr>
-            <p:ph type="dt" sz="half" idx="10"/>
-          </p:nvPr>
-        </p:nvSpPr>
-        <p:spPr/>
-        <p:txBody>
-          <a:bodyPr/>
-          <a:lstStyle/>
-          <a:p>
-            <a:fld id="{1D8BD707-D9CF-40AE-B4C6-C98DA3205C09}" type="datetimeFigureOut">
-              <a:rPr lang="en-US" smtClean="0"/>
-              <a:pPr/>
-              <a:t>4/12/2017</a:t>
-            </a:fld>
-            <a:endParaRPr lang="en-US"/>
-          </a:p>
-        </p:txBody>
-      </p:sp>
-      <p:sp>
-        <p:nvSpPr>
-          <p:cNvPr id="6" name="Footer Placeholder 5"/>
-          <p:cNvSpPr>
-            <a:spLocks noGrp="1"/>
-          </p:cNvSpPr>
-          <p:nvPr>
-            <p:ph type="ftr" sz="quarter" idx="11"/>
-          </p:nvPr>
-        </p:nvSpPr>
-        <p:spPr/>
-        <p:txBody>
-          <a:bodyPr/>
-          <a:lstStyle/>
-          <a:p>
-            <a:endParaRPr lang="en-US"/>
-          </a:p>
-        </p:txBody>
-      </p:sp>
-      <p:sp>
-        <p:nvSpPr>
-          <p:cNvPr id="7" name="Slide Number Placeholder 6"/>
-          <p:cNvSpPr>
-            <a:spLocks noGrp="1"/>
-          </p:cNvSpPr>
-          <p:nvPr>
-            <p:ph type="sldNum" sz="quarter" idx="12"/>
-          </p:nvPr>
-        </p:nvSpPr>
-        <p:spPr/>
-        <p:txBody>
-          <a:bodyPr/>
-          <a:lstStyle/>
-          <a:p>
-            <a:fld id="{B6F15528-21DE-4FAA-801E-634DDDAF4B2B}" type="slidenum">
-              <a:rPr lang="en-US" smtClean="0"/>
-              <a:pPr/>
-              <a:t>‹#›</a:t>
-            </a:fld>
-            <a:endParaRPr lang="en-US"/>
-          </a:p>
-        </p:txBody>
-      </p:sp>
-    </p:spTree>
-    <p:extLst>
-      <p:ext uri="{BB962C8B-B14F-4D97-AF65-F5344CB8AC3E}">
-        <p14:creationId xmlns:p14="http://schemas.microsoft.com/office/powerpoint/2010/main" val="4057353405"/>
-      </p:ext>
-    </p:extLst>
-  </p:cSld>
-  <p:clrMapOvr>
-    <a:masterClrMapping/>
-  </p:clrMapOvr>
-</p:sldLayout>
-</file>
-
-<file path=ppt/slideLayouts/slideLayout21.xml><?xml version="1.0" encoding="utf-8"?>
-<p:sldLayout xmlns:a="http://schemas.openxmlformats.org/drawingml/2006/main" xmlns:r="http://schemas.openxmlformats.org/officeDocument/2006/relationships" xmlns:p="http://schemas.openxmlformats.org/presentationml/2006/main" type="vertTx" preserve="1">
-  <p:cSld name="Title and Vertical Text">
-    <p:spTree>
-      <p:nvGrpSpPr>
-        <p:cNvPr id="1" name=""/>
-        <p:cNvGrpSpPr/>
-        <p:nvPr/>
-      </p:nvGrpSpPr>
-      <p:grpSpPr>
-        <a:xfrm>
-          <a:off x="0" y="0"/>
-          <a:ext cx="0" cy="0"/>
-          <a:chOff x="0" y="0"/>
-          <a:chExt cx="0" cy="0"/>
-        </a:xfrm>
-      </p:grpSpPr>
-      <p:sp>
-        <p:nvSpPr>
-          <p:cNvPr id="2" name="Title 1"/>
-          <p:cNvSpPr>
-            <a:spLocks noGrp="1"/>
-          </p:cNvSpPr>
-          <p:nvPr>
-            <p:ph type="title"/>
-          </p:nvPr>
-        </p:nvSpPr>
-        <p:spPr/>
-        <p:txBody>
-          <a:bodyPr/>
-          <a:lstStyle/>
-          <a:p>
-            <a:r>
-              <a:rPr lang="en-US"/>
-              <a:t>Click to edit Master title style</a:t>
-            </a:r>
-          </a:p>
-        </p:txBody>
-      </p:sp>
-      <p:sp>
-        <p:nvSpPr>
-          <p:cNvPr id="3" name="Vertical Text Placeholder 2"/>
-          <p:cNvSpPr>
-            <a:spLocks noGrp="1"/>
-          </p:cNvSpPr>
-          <p:nvPr>
-            <p:ph type="body" orient="vert" idx="1"/>
-          </p:nvPr>
-        </p:nvSpPr>
-        <p:spPr/>
-        <p:txBody>
-          <a:bodyPr vert="eaVert"/>
-          <a:lstStyle/>
-          <a:p>
-            <a:pPr lvl="0"/>
-            <a:r>
-              <a:rPr lang="en-US"/>
-              <a:t>Click to edit Master text styles</a:t>
-            </a:r>
-          </a:p>
-          <a:p>
-            <a:pPr lvl="1"/>
-            <a:r>
-              <a:rPr lang="en-US"/>
-              <a:t>Second level</a:t>
-            </a:r>
-          </a:p>
-          <a:p>
-            <a:pPr lvl="2"/>
-            <a:r>
-              <a:rPr lang="en-US"/>
-              <a:t>Third level</a:t>
-            </a:r>
-          </a:p>
-          <a:p>
-            <a:pPr lvl="3"/>
-            <a:r>
-              <a:rPr lang="en-US"/>
-              <a:t>Fourth level</a:t>
-            </a:r>
-          </a:p>
-          <a:p>
-            <a:pPr lvl="4"/>
-            <a:r>
-              <a:rPr lang="en-US"/>
-              <a:t>Fifth level</a:t>
-            </a:r>
-          </a:p>
-        </p:txBody>
-      </p:sp>
-      <p:sp>
-        <p:nvSpPr>
-          <p:cNvPr id="4" name="Date Placeholder 3"/>
-          <p:cNvSpPr>
-            <a:spLocks noGrp="1"/>
-          </p:cNvSpPr>
-          <p:nvPr>
-            <p:ph type="dt" sz="half" idx="10"/>
-          </p:nvPr>
-        </p:nvSpPr>
-        <p:spPr/>
-        <p:txBody>
-          <a:bodyPr/>
-          <a:lstStyle/>
-          <a:p>
-            <a:fld id="{1D8BD707-D9CF-40AE-B4C6-C98DA3205C09}" type="datetimeFigureOut">
-              <a:rPr lang="en-US" smtClean="0"/>
-              <a:pPr/>
-              <a:t>4/12/2017</a:t>
-            </a:fld>
-            <a:endParaRPr lang="en-US"/>
-          </a:p>
-        </p:txBody>
-      </p:sp>
-      <p:sp>
-        <p:nvSpPr>
-          <p:cNvPr id="5" name="Footer Placeholder 4"/>
-          <p:cNvSpPr>
-            <a:spLocks noGrp="1"/>
-          </p:cNvSpPr>
-          <p:nvPr>
-            <p:ph type="ftr" sz="quarter" idx="11"/>
-          </p:nvPr>
-        </p:nvSpPr>
-        <p:spPr/>
-        <p:txBody>
-          <a:bodyPr/>
-          <a:lstStyle/>
-          <a:p>
-            <a:endParaRPr lang="en-US"/>
-          </a:p>
-        </p:txBody>
-      </p:sp>
-      <p:sp>
-        <p:nvSpPr>
-          <p:cNvPr id="6" name="Slide Number Placeholder 5"/>
-          <p:cNvSpPr>
-            <a:spLocks noGrp="1"/>
-          </p:cNvSpPr>
-          <p:nvPr>
-            <p:ph type="sldNum" sz="quarter" idx="12"/>
-          </p:nvPr>
-        </p:nvSpPr>
-        <p:spPr/>
-        <p:txBody>
-          <a:bodyPr/>
-          <a:lstStyle/>
-          <a:p>
-            <a:fld id="{B6F15528-21DE-4FAA-801E-634DDDAF4B2B}" type="slidenum">
-              <a:rPr lang="en-US" smtClean="0"/>
-              <a:pPr/>
-              <a:t>‹#›</a:t>
-            </a:fld>
-            <a:endParaRPr lang="en-US"/>
-          </a:p>
-        </p:txBody>
-      </p:sp>
-    </p:spTree>
-    <p:extLst>
-      <p:ext uri="{BB962C8B-B14F-4D97-AF65-F5344CB8AC3E}">
-        <p14:creationId xmlns:p14="http://schemas.microsoft.com/office/powerpoint/2010/main" val="1683550525"/>
-      </p:ext>
-    </p:extLst>
-  </p:cSld>
-  <p:clrMapOvr>
-    <a:masterClrMapping/>
-  </p:clrMapOvr>
-</p:sldLayout>
-</file>
-
-<file path=ppt/slideLayouts/slideLayout22.xml><?xml version="1.0" encoding="utf-8"?>
-<p:sldLayout xmlns:a="http://schemas.openxmlformats.org/drawingml/2006/main" xmlns:r="http://schemas.openxmlformats.org/officeDocument/2006/relationships" xmlns:p="http://schemas.openxmlformats.org/presentationml/2006/main" type="vertTitleAndTx" preserve="1">
-  <p:cSld name="Vertical Title and Text">
-    <p:spTree>
-      <p:nvGrpSpPr>
-        <p:cNvPr id="1" name=""/>
-        <p:cNvGrpSpPr/>
-        <p:nvPr/>
-      </p:nvGrpSpPr>
-      <p:grpSpPr>
-        <a:xfrm>
-          <a:off x="0" y="0"/>
-          <a:ext cx="0" cy="0"/>
-          <a:chOff x="0" y="0"/>
-          <a:chExt cx="0" cy="0"/>
-        </a:xfrm>
-      </p:grpSpPr>
-      <p:sp>
-        <p:nvSpPr>
-          <p:cNvPr id="2" name="Vertical Title 1"/>
-          <p:cNvSpPr>
-            <a:spLocks noGrp="1"/>
-          </p:cNvSpPr>
-          <p:nvPr>
-            <p:ph type="title" orient="vert"/>
-          </p:nvPr>
-        </p:nvSpPr>
-        <p:spPr>
-          <a:xfrm>
-            <a:off x="8839200" y="274640"/>
-            <a:ext cx="2743200" cy="5851525"/>
-          </a:xfrm>
-        </p:spPr>
-        <p:txBody>
-          <a:bodyPr vert="eaVert"/>
-          <a:lstStyle/>
-          <a:p>
-            <a:r>
-              <a:rPr lang="en-US"/>
-              <a:t>Click to edit Master title style</a:t>
-            </a:r>
-          </a:p>
-        </p:txBody>
-      </p:sp>
-      <p:sp>
-        <p:nvSpPr>
-          <p:cNvPr id="3" name="Vertical Text Placeholder 2"/>
-          <p:cNvSpPr>
-            <a:spLocks noGrp="1"/>
-          </p:cNvSpPr>
-          <p:nvPr>
-            <p:ph type="body" orient="vert" idx="1"/>
-          </p:nvPr>
-        </p:nvSpPr>
-        <p:spPr>
-          <a:xfrm>
-            <a:off x="609600" y="274640"/>
-            <a:ext cx="8026400" cy="5851525"/>
-          </a:xfrm>
-        </p:spPr>
-        <p:txBody>
-          <a:bodyPr vert="eaVert"/>
-          <a:lstStyle/>
-          <a:p>
-            <a:pPr lvl="0"/>
-            <a:r>
-              <a:rPr lang="en-US"/>
-              <a:t>Click to edit Master text styles</a:t>
-            </a:r>
-          </a:p>
-          <a:p>
-            <a:pPr lvl="1"/>
-            <a:r>
-              <a:rPr lang="en-US"/>
-              <a:t>Second level</a:t>
-            </a:r>
-          </a:p>
-          <a:p>
-            <a:pPr lvl="2"/>
-            <a:r>
-              <a:rPr lang="en-US"/>
-              <a:t>Third level</a:t>
-            </a:r>
-          </a:p>
-          <a:p>
-            <a:pPr lvl="3"/>
-            <a:r>
-              <a:rPr lang="en-US"/>
-              <a:t>Fourth level</a:t>
-            </a:r>
-          </a:p>
-          <a:p>
-            <a:pPr lvl="4"/>
-            <a:r>
-              <a:rPr lang="en-US"/>
-              <a:t>Fifth level</a:t>
-            </a:r>
-          </a:p>
-        </p:txBody>
-      </p:sp>
-      <p:sp>
-        <p:nvSpPr>
-          <p:cNvPr id="4" name="Date Placeholder 3"/>
-          <p:cNvSpPr>
-            <a:spLocks noGrp="1"/>
-          </p:cNvSpPr>
-          <p:nvPr>
-            <p:ph type="dt" sz="half" idx="10"/>
-          </p:nvPr>
-        </p:nvSpPr>
-        <p:spPr/>
-        <p:txBody>
-          <a:bodyPr/>
-          <a:lstStyle/>
-          <a:p>
-            <a:fld id="{1D8BD707-D9CF-40AE-B4C6-C98DA3205C09}" type="datetimeFigureOut">
-              <a:rPr lang="en-US" smtClean="0"/>
-              <a:pPr/>
-              <a:t>4/12/2017</a:t>
-            </a:fld>
-            <a:endParaRPr lang="en-US"/>
-          </a:p>
-        </p:txBody>
-      </p:sp>
-      <p:sp>
-        <p:nvSpPr>
-          <p:cNvPr id="5" name="Footer Placeholder 4"/>
-          <p:cNvSpPr>
-            <a:spLocks noGrp="1"/>
-          </p:cNvSpPr>
-          <p:nvPr>
-            <p:ph type="ftr" sz="quarter" idx="11"/>
-          </p:nvPr>
-        </p:nvSpPr>
-        <p:spPr/>
-        <p:txBody>
-          <a:bodyPr/>
-          <a:lstStyle/>
-          <a:p>
-            <a:endParaRPr lang="en-US"/>
-          </a:p>
-        </p:txBody>
-      </p:sp>
-      <p:sp>
-        <p:nvSpPr>
-          <p:cNvPr id="6" name="Slide Number Placeholder 5"/>
-          <p:cNvSpPr>
-            <a:spLocks noGrp="1"/>
-          </p:cNvSpPr>
-          <p:nvPr>
-            <p:ph type="sldNum" sz="quarter" idx="12"/>
-          </p:nvPr>
-        </p:nvSpPr>
-        <p:spPr/>
-        <p:txBody>
-          <a:bodyPr/>
-          <a:lstStyle/>
-          <a:p>
-            <a:fld id="{B6F15528-21DE-4FAA-801E-634DDDAF4B2B}" type="slidenum">
-              <a:rPr lang="en-US" smtClean="0"/>
-              <a:pPr/>
-              <a:t>‹#›</a:t>
-            </a:fld>
-            <a:endParaRPr lang="en-US"/>
-          </a:p>
-        </p:txBody>
-      </p:sp>
-    </p:spTree>
-    <p:extLst>
-      <p:ext uri="{BB962C8B-B14F-4D97-AF65-F5344CB8AC3E}">
-        <p14:creationId xmlns:p14="http://schemas.microsoft.com/office/powerpoint/2010/main" val="729972468"/>
-      </p:ext>
-    </p:extLst>
-  </p:cSld>
-  <p:clrMapOvr>
-    <a:masterClrMapping/>
-  </p:clrMapOvr>
-</p:sldLayout>
-</file>
-
-<file path=ppt/slideLayouts/slideLayout3.xml><?xml version="1.0" encoding="utf-8"?>
-<p:sldLayout xmlns:a="http://schemas.openxmlformats.org/drawingml/2006/main" xmlns:r="http://schemas.openxmlformats.org/officeDocument/2006/relationships" xmlns:p="http://schemas.openxmlformats.org/presentationml/2006/main" type="secHead" preserve="1">
-  <p:cSld name="Section Header">
-    <p:spTree>
-      <p:nvGrpSpPr>
-        <p:cNvPr id="1" name=""/>
-        <p:cNvGrpSpPr/>
-        <p:nvPr/>
-      </p:nvGrpSpPr>
-      <p:grpSpPr>
-        <a:xfrm>
-          <a:off x="0" y="0"/>
-          <a:ext cx="0" cy="0"/>
-          <a:chOff x="0" y="0"/>
-          <a:chExt cx="0" cy="0"/>
-        </a:xfrm>
-      </p:grpSpPr>
-      <p:sp>
-        <p:nvSpPr>
-          <p:cNvPr id="2" name="Title 1"/>
-          <p:cNvSpPr>
-            <a:spLocks noGrp="1"/>
-          </p:cNvSpPr>
-          <p:nvPr>
-            <p:ph type="title"/>
-          </p:nvPr>
-        </p:nvSpPr>
-        <p:spPr>
-          <a:xfrm>
-            <a:off x="831850" y="1709738"/>
-            <a:ext cx="10515600" cy="2852737"/>
-          </a:xfrm>
-        </p:spPr>
-        <p:txBody>
-          <a:bodyPr anchor="b"/>
-          <a:lstStyle>
-            <a:lvl1pPr>
-              <a:defRPr sz="6000"/>
-            </a:lvl1pPr>
-          </a:lstStyle>
-          <a:p>
-            <a:r>
-              <a:rPr lang="en-US"/>
-              <a:t>Click to edit Master title style</a:t>
-            </a:r>
-          </a:p>
-        </p:txBody>
-      </p:sp>
-      <p:sp>
-        <p:nvSpPr>
-          <p:cNvPr id="3" name="Text Placeholder 2"/>
-          <p:cNvSpPr>
-            <a:spLocks noGrp="1"/>
-          </p:cNvSpPr>
-          <p:nvPr>
-            <p:ph type="body" idx="1"/>
-          </p:nvPr>
-        </p:nvSpPr>
-        <p:spPr>
-          <a:xfrm>
-            <a:off x="831850" y="4589463"/>
-            <a:ext cx="10515600" cy="1500187"/>
-          </a:xfrm>
-        </p:spPr>
-        <p:txBody>
-          <a:bodyPr/>
-          <a:lstStyle>
-            <a:lvl1pPr marL="0" indent="0">
-              <a:buNone/>
-              <a:defRPr sz="2400">
-                <a:solidFill>
-                  <a:schemeClr val="tx1">
-                    <a:tint val="75000"/>
-                  </a:schemeClr>
-                </a:solidFill>
-              </a:defRPr>
-            </a:lvl1pPr>
-            <a:lvl2pPr marL="457200" indent="0">
-              <a:buNone/>
-              <a:defRPr sz="2000">
-                <a:solidFill>
-                  <a:schemeClr val="tx1">
-                    <a:tint val="75000"/>
-                  </a:schemeClr>
-                </a:solidFill>
-              </a:defRPr>
-            </a:lvl2pPr>
-            <a:lvl3pPr marL="914400" indent="0">
-              <a:buNone/>
-              <a:defRPr sz="1800">
-                <a:solidFill>
-                  <a:schemeClr val="tx1">
-                    <a:tint val="75000"/>
-                  </a:schemeClr>
-                </a:solidFill>
-              </a:defRPr>
-            </a:lvl3pPr>
-            <a:lvl4pPr marL="1371600" indent="0">
-              <a:buNone/>
-              <a:defRPr sz="1600">
-                <a:solidFill>
-                  <a:schemeClr val="tx1">
-                    <a:tint val="75000"/>
-                  </a:schemeClr>
-                </a:solidFill>
-              </a:defRPr>
-            </a:lvl4pPr>
-            <a:lvl5pPr marL="1828800" indent="0">
-              <a:buNone/>
-              <a:defRPr sz="1600">
-                <a:solidFill>
-                  <a:schemeClr val="tx1">
-                    <a:tint val="75000"/>
-                  </a:schemeClr>
-                </a:solidFill>
-              </a:defRPr>
-            </a:lvl5pPr>
-            <a:lvl6pPr marL="2286000" indent="0">
-              <a:buNone/>
-              <a:defRPr sz="1600">
-                <a:solidFill>
-                  <a:schemeClr val="tx1">
-                    <a:tint val="75000"/>
-                  </a:schemeClr>
-                </a:solidFill>
-              </a:defRPr>
-            </a:lvl6pPr>
-            <a:lvl7pPr marL="2743200" indent="0">
-              <a:buNone/>
-              <a:defRPr sz="1600">
-                <a:solidFill>
-                  <a:schemeClr val="tx1">
-                    <a:tint val="75000"/>
-                  </a:schemeClr>
-                </a:solidFill>
-              </a:defRPr>
-            </a:lvl7pPr>
-            <a:lvl8pPr marL="3200400" indent="0">
-              <a:buNone/>
-              <a:defRPr sz="1600">
-                <a:solidFill>
-                  <a:schemeClr val="tx1">
-                    <a:tint val="75000"/>
-                  </a:schemeClr>
-                </a:solidFill>
-              </a:defRPr>
-            </a:lvl8pPr>
-            <a:lvl9pPr marL="3657600" indent="0">
-              <a:buNone/>
-              <a:defRPr sz="1600">
-                <a:solidFill>
-                  <a:schemeClr val="tx1">
-                    <a:tint val="75000"/>
-                  </a:schemeClr>
-                </a:solidFill>
-              </a:defRPr>
-            </a:lvl9pPr>
-          </a:lstStyle>
-          <a:p>
-            <a:pPr lvl="0"/>
-            <a:r>
-              <a:rPr lang="en-US"/>
-              <a:t>Edit Master text styles</a:t>
-            </a:r>
-          </a:p>
-        </p:txBody>
-      </p:sp>
-      <p:sp>
-        <p:nvSpPr>
-          <p:cNvPr id="4" name="Date Placeholder 3"/>
-          <p:cNvSpPr>
-            <a:spLocks noGrp="1"/>
-          </p:cNvSpPr>
-          <p:nvPr>
-            <p:ph type="dt" sz="half" idx="10"/>
-          </p:nvPr>
-        </p:nvSpPr>
-        <p:spPr/>
-        <p:txBody>
-          <a:bodyPr/>
-          <a:lstStyle/>
-          <a:p>
-            <a:fld id="{6047A8FC-007F-44DD-8989-93C29FA03653}" type="datetimeFigureOut">
-              <a:rPr lang="en-US" smtClean="0"/>
-              <a:t>4/12/2017</a:t>
-            </a:fld>
-            <a:endParaRPr lang="en-US"/>
-          </a:p>
-        </p:txBody>
-      </p:sp>
-      <p:sp>
-        <p:nvSpPr>
-          <p:cNvPr id="5" name="Footer Placeholder 4"/>
-          <p:cNvSpPr>
-            <a:spLocks noGrp="1"/>
-          </p:cNvSpPr>
-          <p:nvPr>
-            <p:ph type="ftr" sz="quarter" idx="11"/>
-          </p:nvPr>
-        </p:nvSpPr>
-        <p:spPr/>
-        <p:txBody>
-          <a:bodyPr/>
-          <a:lstStyle/>
-          <a:p>
-            <a:endParaRPr lang="en-US"/>
-          </a:p>
-        </p:txBody>
-      </p:sp>
-      <p:sp>
-        <p:nvSpPr>
-          <p:cNvPr id="6" name="Slide Number Placeholder 5"/>
-          <p:cNvSpPr>
-            <a:spLocks noGrp="1"/>
-          </p:cNvSpPr>
-          <p:nvPr>
-            <p:ph type="sldNum" sz="quarter" idx="12"/>
-          </p:nvPr>
-        </p:nvSpPr>
-        <p:spPr/>
-        <p:txBody>
-          <a:bodyPr/>
-          <a:lstStyle/>
-          <a:p>
-            <a:fld id="{3C114CFB-48B2-4291-9C6D-302DAC1F9781}" type="slidenum">
-              <a:rPr lang="en-US" smtClean="0"/>
-              <a:t>‹#›</a:t>
-            </a:fld>
-            <a:endParaRPr lang="en-US"/>
-          </a:p>
-        </p:txBody>
-      </p:sp>
-    </p:spTree>
-    <p:extLst>
-      <p:ext uri="{BB962C8B-B14F-4D97-AF65-F5344CB8AC3E}">
-        <p14:creationId xmlns:p14="http://schemas.microsoft.com/office/powerpoint/2010/main" val="4267967332"/>
-      </p:ext>
-    </p:extLst>
-  </p:cSld>
-  <p:clrMapOvr>
-    <a:masterClrMapping/>
-  </p:clrMapOvr>
-</p:sldLayout>
-</file>
-
-<file path=ppt/slideLayouts/slideLayout4.xml><?xml version="1.0" encoding="utf-8"?>
-<p:sldLayout xmlns:a="http://schemas.openxmlformats.org/drawingml/2006/main" xmlns:r="http://schemas.openxmlformats.org/officeDocument/2006/relationships" xmlns:p="http://schemas.openxmlformats.org/presentationml/2006/main" type="twoObj" preserve="1">
-  <p:cSld name="Two Content">
-    <p:spTree>
-      <p:nvGrpSpPr>
-        <p:cNvPr id="1" name=""/>
-        <p:cNvGrpSpPr/>
-        <p:nvPr/>
-      </p:nvGrpSpPr>
-      <p:grpSpPr>
-        <a:xfrm>
-          <a:off x="0" y="0"/>
-          <a:ext cx="0" cy="0"/>
-          <a:chOff x="0" y="0"/>
-          <a:chExt cx="0" cy="0"/>
-        </a:xfrm>
-      </p:grpSpPr>
-      <p:sp>
-        <p:nvSpPr>
-          <p:cNvPr id="2" name="Title 1"/>
-          <p:cNvSpPr>
-            <a:spLocks noGrp="1"/>
-          </p:cNvSpPr>
-          <p:nvPr>
-            <p:ph type="title"/>
-          </p:nvPr>
-        </p:nvSpPr>
-        <p:spPr/>
-        <p:txBody>
-          <a:bodyPr/>
-          <a:lstStyle/>
-          <a:p>
-            <a:r>
-              <a:rPr lang="en-US"/>
-              <a:t>Click to edit Master title style</a:t>
-            </a:r>
-          </a:p>
-        </p:txBody>
-      </p:sp>
-      <p:sp>
-        <p:nvSpPr>
-          <p:cNvPr id="3" name="Content Placeholder 2"/>
-          <p:cNvSpPr>
-            <a:spLocks noGrp="1"/>
-          </p:cNvSpPr>
-          <p:nvPr>
-            <p:ph sz="half" idx="1"/>
-          </p:nvPr>
-        </p:nvSpPr>
-        <p:spPr>
-          <a:xfrm>
-            <a:off x="838200" y="1825625"/>
-            <a:ext cx="5181600" cy="4351338"/>
-          </a:xfrm>
-        </p:spPr>
-        <p:txBody>
-          <a:bodyPr/>
-          <a:lstStyle/>
-          <a:p>
-            <a:pPr lvl="0"/>
-            <a:r>
-              <a:rPr lang="en-US"/>
-              <a:t>Edit Master text styles</a:t>
-            </a:r>
-          </a:p>
-          <a:p>
-            <a:pPr lvl="1"/>
-            <a:r>
-              <a:rPr lang="en-US"/>
-              <a:t>Second level</a:t>
-            </a:r>
-          </a:p>
-          <a:p>
-            <a:pPr lvl="2"/>
-            <a:r>
-              <a:rPr lang="en-US"/>
-              <a:t>Third level</a:t>
-            </a:r>
-          </a:p>
-          <a:p>
-            <a:pPr lvl="3"/>
-            <a:r>
-              <a:rPr lang="en-US"/>
-              <a:t>Fourth level</a:t>
-            </a:r>
-          </a:p>
-          <a:p>
-            <a:pPr lvl="4"/>
-            <a:r>
-              <a:rPr lang="en-US"/>
-              <a:t>Fifth level</a:t>
-            </a:r>
-          </a:p>
-        </p:txBody>
-      </p:sp>
-      <p:sp>
-        <p:nvSpPr>
-          <p:cNvPr id="4" name="Content Placeholder 3"/>
-          <p:cNvSpPr>
-            <a:spLocks noGrp="1"/>
-          </p:cNvSpPr>
-          <p:nvPr>
-            <p:ph sz="half" idx="2"/>
-          </p:nvPr>
-        </p:nvSpPr>
-        <p:spPr>
-          <a:xfrm>
-            <a:off x="6172200" y="1825625"/>
-            <a:ext cx="5181600" cy="4351338"/>
-          </a:xfrm>
-        </p:spPr>
-        <p:txBody>
-          <a:bodyPr/>
-          <a:lstStyle/>
-          <a:p>
-            <a:pPr lvl="0"/>
-            <a:r>
-              <a:rPr lang="en-US"/>
-              <a:t>Edit Master text styles</a:t>
-            </a:r>
-          </a:p>
-          <a:p>
-            <a:pPr lvl="1"/>
-            <a:r>
-              <a:rPr lang="en-US"/>
-              <a:t>Second level</a:t>
-            </a:r>
-          </a:p>
-          <a:p>
-            <a:pPr lvl="2"/>
-            <a:r>
-              <a:rPr lang="en-US"/>
-              <a:t>Third level</a:t>
-            </a:r>
-          </a:p>
-          <a:p>
-            <a:pPr lvl="3"/>
-            <a:r>
-              <a:rPr lang="en-US"/>
-              <a:t>Fourth level</a:t>
-            </a:r>
-          </a:p>
-          <a:p>
-            <a:pPr lvl="4"/>
-            <a:r>
-              <a:rPr lang="en-US"/>
-              <a:t>Fifth level</a:t>
-            </a:r>
-          </a:p>
-        </p:txBody>
-      </p:sp>
-      <p:sp>
-        <p:nvSpPr>
-          <p:cNvPr id="5" name="Date Placeholder 4"/>
-          <p:cNvSpPr>
-            <a:spLocks noGrp="1"/>
-          </p:cNvSpPr>
-          <p:nvPr>
-            <p:ph type="dt" sz="half" idx="10"/>
-          </p:nvPr>
-        </p:nvSpPr>
-        <p:spPr/>
-        <p:txBody>
-          <a:bodyPr/>
-          <a:lstStyle/>
-          <a:p>
-            <a:fld id="{6047A8FC-007F-44DD-8989-93C29FA03653}" type="datetimeFigureOut">
-              <a:rPr lang="en-US" smtClean="0"/>
-              <a:t>4/12/2017</a:t>
-            </a:fld>
-            <a:endParaRPr lang="en-US"/>
-          </a:p>
-        </p:txBody>
-      </p:sp>
-      <p:sp>
-        <p:nvSpPr>
-          <p:cNvPr id="6" name="Footer Placeholder 5"/>
-          <p:cNvSpPr>
-            <a:spLocks noGrp="1"/>
-          </p:cNvSpPr>
-          <p:nvPr>
-            <p:ph type="ftr" sz="quarter" idx="11"/>
-          </p:nvPr>
-        </p:nvSpPr>
-        <p:spPr/>
-        <p:txBody>
-          <a:bodyPr/>
-          <a:lstStyle/>
-          <a:p>
-            <a:endParaRPr lang="en-US"/>
-          </a:p>
-        </p:txBody>
-      </p:sp>
-      <p:sp>
-        <p:nvSpPr>
-          <p:cNvPr id="7" name="Slide Number Placeholder 6"/>
-          <p:cNvSpPr>
-            <a:spLocks noGrp="1"/>
-          </p:cNvSpPr>
-          <p:nvPr>
-            <p:ph type="sldNum" sz="quarter" idx="12"/>
-          </p:nvPr>
-        </p:nvSpPr>
-        <p:spPr/>
-        <p:txBody>
-          <a:bodyPr/>
-          <a:lstStyle/>
-          <a:p>
-            <a:fld id="{3C114CFB-48B2-4291-9C6D-302DAC1F9781}" type="slidenum">
-              <a:rPr lang="en-US" smtClean="0"/>
-              <a:t>‹#›</a:t>
-            </a:fld>
-            <a:endParaRPr lang="en-US"/>
-          </a:p>
-        </p:txBody>
-      </p:sp>
-    </p:spTree>
-    <p:extLst>
-      <p:ext uri="{BB962C8B-B14F-4D97-AF65-F5344CB8AC3E}">
-        <p14:creationId xmlns:p14="http://schemas.microsoft.com/office/powerpoint/2010/main" val="4166375623"/>
-      </p:ext>
-    </p:extLst>
-  </p:cSld>
-  <p:clrMapOvr>
-    <a:masterClrMapping/>
-  </p:clrMapOvr>
+  <p:transition spd="slow" advClick="0" advTm="10000">
+    <p:wipe/>
+  </p:transition>
 </p:sldLayout>
 </file>
 
@@ -4270,51 +2048,50 @@
       </p:grpSpPr>
       <p:sp>
         <p:nvSpPr>
-          <p:cNvPr id="2" name="Title 1"/>
+          <p:cNvPr id="10" name="Title 9"/>
           <p:cNvSpPr>
             <a:spLocks noGrp="1"/>
           </p:cNvSpPr>
           <p:nvPr>
             <p:ph type="title"/>
+          </p:nvPr>
+        </p:nvSpPr>
+        <p:spPr/>
+        <p:txBody>
+          <a:bodyPr/>
+          <a:lstStyle/>
+          <a:p>
+            <a:r>
+              <a:rPr lang="en-US"/>
+              <a:t>Click to edit Master title style</a:t>
+            </a:r>
+            <a:endParaRPr lang="en-US" dirty="0"/>
+          </a:p>
+        </p:txBody>
+      </p:sp>
+      <p:sp>
+        <p:nvSpPr>
+          <p:cNvPr id="3" name="Text Placeholder 2"/>
+          <p:cNvSpPr>
+            <a:spLocks noGrp="1"/>
+          </p:cNvSpPr>
+          <p:nvPr>
+            <p:ph type="body" idx="1"/>
           </p:nvPr>
         </p:nvSpPr>
         <p:spPr>
           <a:xfrm>
-            <a:off x="839788" y="365125"/>
-            <a:ext cx="10515600" cy="1325563"/>
+            <a:off x="1143000" y="2001511"/>
+            <a:ext cx="4754880" cy="777240"/>
           </a:xfrm>
         </p:spPr>
         <p:txBody>
-          <a:bodyPr/>
-          <a:lstStyle/>
-          <a:p>
-            <a:r>
-              <a:rPr lang="en-US"/>
-              <a:t>Click to edit Master title style</a:t>
-            </a:r>
-          </a:p>
-        </p:txBody>
-      </p:sp>
-      <p:sp>
-        <p:nvSpPr>
-          <p:cNvPr id="3" name="Text Placeholder 2"/>
-          <p:cNvSpPr>
-            <a:spLocks noGrp="1"/>
-          </p:cNvSpPr>
-          <p:nvPr>
-            <p:ph type="body" idx="1"/>
-          </p:nvPr>
-        </p:nvSpPr>
-        <p:spPr>
-          <a:xfrm>
-            <a:off x="839788" y="1681163"/>
-            <a:ext cx="5157787" cy="823912"/>
-          </a:xfrm>
-        </p:spPr>
-        <p:txBody>
-          <a:bodyPr anchor="b"/>
+          <a:bodyPr anchor="ctr"/>
           <a:lstStyle>
             <a:lvl1pPr marL="0" indent="0">
+              <a:spcBef>
+                <a:spcPts val="0"/>
+              </a:spcBef>
               <a:buNone/>
               <a:defRPr sz="2400" b="1"/>
             </a:lvl1pPr>
@@ -4372,13 +2149,41 @@
         </p:nvSpPr>
         <p:spPr>
           <a:xfrm>
-            <a:off x="839788" y="2505075"/>
-            <a:ext cx="5157787" cy="3684588"/>
+            <a:off x="1143000" y="2721483"/>
+            <a:ext cx="4754880" cy="3383280"/>
           </a:xfrm>
         </p:spPr>
         <p:txBody>
           <a:bodyPr/>
-          <a:lstStyle/>
+          <a:lstStyle>
+            <a:lvl1pPr>
+              <a:defRPr sz="2200"/>
+            </a:lvl1pPr>
+            <a:lvl2pPr>
+              <a:defRPr sz="2000"/>
+            </a:lvl2pPr>
+            <a:lvl3pPr>
+              <a:defRPr sz="1800"/>
+            </a:lvl3pPr>
+            <a:lvl4pPr>
+              <a:defRPr sz="1600"/>
+            </a:lvl4pPr>
+            <a:lvl5pPr>
+              <a:defRPr sz="1600"/>
+            </a:lvl5pPr>
+            <a:lvl6pPr>
+              <a:defRPr sz="1600"/>
+            </a:lvl6pPr>
+            <a:lvl7pPr>
+              <a:defRPr sz="1600"/>
+            </a:lvl7pPr>
+            <a:lvl8pPr>
+              <a:defRPr sz="1600"/>
+            </a:lvl8pPr>
+            <a:lvl9pPr>
+              <a:defRPr sz="1600"/>
+            </a:lvl9pPr>
+          </a:lstStyle>
           <a:p>
             <a:pPr lvl="0"/>
             <a:r>
@@ -4413,6 +2218,7 @@
               <a:rPr lang="en-US"/>
               <a:t>Fifth level</a:t>
             </a:r>
+            <a:endParaRPr lang="en-US" dirty="0"/>
           </a:p>
         </p:txBody>
       </p:sp>
@@ -4428,14 +2234,17 @@
         </p:nvSpPr>
         <p:spPr>
           <a:xfrm>
-            <a:off x="6172200" y="1681163"/>
-            <a:ext cx="5183188" cy="823912"/>
+            <a:off x="6269173" y="1999032"/>
+            <a:ext cx="4754880" cy="777240"/>
           </a:xfrm>
         </p:spPr>
         <p:txBody>
-          <a:bodyPr anchor="b"/>
+          <a:bodyPr anchor="ctr"/>
           <a:lstStyle>
             <a:lvl1pPr marL="0" indent="0">
+              <a:spcBef>
+                <a:spcPts val="0"/>
+              </a:spcBef>
               <a:buNone/>
               <a:defRPr sz="2400" b="1"/>
             </a:lvl1pPr>
@@ -4493,13 +2302,41 @@
         </p:nvSpPr>
         <p:spPr>
           <a:xfrm>
-            <a:off x="6172200" y="2505075"/>
-            <a:ext cx="5183188" cy="3684588"/>
+            <a:off x="6269173" y="2719322"/>
+            <a:ext cx="4754880" cy="3383280"/>
           </a:xfrm>
         </p:spPr>
         <p:txBody>
           <a:bodyPr/>
-          <a:lstStyle/>
+          <a:lstStyle>
+            <a:lvl1pPr>
+              <a:defRPr sz="2200"/>
+            </a:lvl1pPr>
+            <a:lvl2pPr>
+              <a:defRPr sz="2000"/>
+            </a:lvl2pPr>
+            <a:lvl3pPr>
+              <a:defRPr sz="1800"/>
+            </a:lvl3pPr>
+            <a:lvl4pPr>
+              <a:defRPr sz="1600"/>
+            </a:lvl4pPr>
+            <a:lvl5pPr>
+              <a:defRPr sz="1600"/>
+            </a:lvl5pPr>
+            <a:lvl6pPr>
+              <a:defRPr sz="1600"/>
+            </a:lvl6pPr>
+            <a:lvl7pPr>
+              <a:defRPr sz="1600"/>
+            </a:lvl7pPr>
+            <a:lvl8pPr>
+              <a:defRPr sz="1600"/>
+            </a:lvl8pPr>
+            <a:lvl9pPr>
+              <a:defRPr sz="1600"/>
+            </a:lvl9pPr>
+          </a:lstStyle>
           <a:p>
             <a:pPr lvl="0"/>
             <a:r>
@@ -4534,6 +2371,7 @@
               <a:rPr lang="en-US"/>
               <a:t>Fifth level</a:t>
             </a:r>
+            <a:endParaRPr lang="en-US" dirty="0"/>
           </a:p>
         </p:txBody>
       </p:sp>
@@ -4554,7 +2392,7 @@
           <a:p>
             <a:fld id="{6047A8FC-007F-44DD-8989-93C29FA03653}" type="datetimeFigureOut">
               <a:rPr lang="en-US" smtClean="0"/>
-              <a:t>4/12/2017</a:t>
+              <a:t>4/21/2017</a:t>
             </a:fld>
             <a:endParaRPr lang="en-US"/>
           </a:p>
@@ -4605,13 +2443,16 @@
     </p:spTree>
     <p:extLst>
       <p:ext uri="{BB962C8B-B14F-4D97-AF65-F5344CB8AC3E}">
-        <p14:creationId xmlns:p14="http://schemas.microsoft.com/office/powerpoint/2010/main" val="1773521242"/>
+        <p14:creationId xmlns:p14="http://schemas.microsoft.com/office/powerpoint/2010/main" val="680837971"/>
       </p:ext>
     </p:extLst>
   </p:cSld>
   <p:clrMapOvr>
     <a:masterClrMapping/>
   </p:clrMapOvr>
+  <p:transition spd="slow" advClick="0" advTm="10000">
+    <p:wipe/>
+  </p:transition>
 </p:sldLayout>
 </file>
 
@@ -4651,6 +2492,7 @@
               <a:rPr lang="en-US"/>
               <a:t>Click to edit Master title style</a:t>
             </a:r>
+            <a:endParaRPr lang="en-US" dirty="0"/>
           </a:p>
         </p:txBody>
       </p:sp>
@@ -4671,7 +2513,7 @@
           <a:p>
             <a:fld id="{6047A8FC-007F-44DD-8989-93C29FA03653}" type="datetimeFigureOut">
               <a:rPr lang="en-US" smtClean="0"/>
-              <a:t>4/12/2017</a:t>
+              <a:t>4/21/2017</a:t>
             </a:fld>
             <a:endParaRPr lang="en-US"/>
           </a:p>
@@ -4722,13 +2564,16 @@
     </p:spTree>
     <p:extLst>
       <p:ext uri="{BB962C8B-B14F-4D97-AF65-F5344CB8AC3E}">
-        <p14:creationId xmlns:p14="http://schemas.microsoft.com/office/powerpoint/2010/main" val="2233145835"/>
+        <p14:creationId xmlns:p14="http://schemas.microsoft.com/office/powerpoint/2010/main" val="1749750512"/>
       </p:ext>
     </p:extLst>
   </p:cSld>
   <p:clrMapOvr>
     <a:masterClrMapping/>
   </p:clrMapOvr>
+  <p:transition spd="slow" advClick="0" advTm="10000">
+    <p:wipe/>
+  </p:transition>
 </p:sldLayout>
 </file>
 
@@ -4766,7 +2611,7 @@
           <a:p>
             <a:fld id="{6047A8FC-007F-44DD-8989-93C29FA03653}" type="datetimeFigureOut">
               <a:rPr lang="en-US" smtClean="0"/>
-              <a:t>4/12/2017</a:t>
+              <a:t>4/21/2017</a:t>
             </a:fld>
             <a:endParaRPr lang="en-US"/>
           </a:p>
@@ -4817,13 +2662,16 @@
     </p:spTree>
     <p:extLst>
       <p:ext uri="{BB962C8B-B14F-4D97-AF65-F5344CB8AC3E}">
-        <p14:creationId xmlns:p14="http://schemas.microsoft.com/office/powerpoint/2010/main" val="3159568287"/>
+        <p14:creationId xmlns:p14="http://schemas.microsoft.com/office/powerpoint/2010/main" val="1788310645"/>
       </p:ext>
     </p:extLst>
   </p:cSld>
   <p:clrMapOvr>
     <a:masterClrMapping/>
   </p:clrMapOvr>
+  <p:transition spd="slow" advClick="0" advTm="10000">
+    <p:wipe/>
+  </p:transition>
 </p:sldLayout>
 </file>
 
@@ -4856,15 +2704,20 @@
         </p:nvSpPr>
         <p:spPr>
           <a:xfrm>
-            <a:off x="839788" y="457200"/>
-            <a:ext cx="3932237" cy="1600200"/>
+            <a:off x="1143000" y="1097280"/>
+            <a:ext cx="3931920" cy="1737360"/>
           </a:xfrm>
         </p:spPr>
         <p:txBody>
-          <a:bodyPr anchor="b"/>
+          <a:bodyPr anchor="b">
+            <a:noAutofit/>
+          </a:bodyPr>
           <a:lstStyle>
             <a:lvl1pPr>
-              <a:defRPr sz="3200"/>
+              <a:lnSpc>
+                <a:spcPct val="90000"/>
+              </a:lnSpc>
+              <a:defRPr sz="4000" b="0"/>
             </a:lvl1pPr>
           </a:lstStyle>
           <a:p>
@@ -4872,6 +2725,7 @@
               <a:rPr lang="en-US"/>
               <a:t>Click to edit Master title style</a:t>
             </a:r>
+            <a:endParaRPr lang="en-US" dirty="0"/>
           </a:p>
         </p:txBody>
       </p:sp>
@@ -4887,8 +2741,8 @@
         </p:nvSpPr>
         <p:spPr>
           <a:xfrm>
-            <a:off x="5183188" y="987425"/>
-            <a:ext cx="6172200" cy="4873625"/>
+            <a:off x="5852159" y="1097280"/>
+            <a:ext cx="5212080" cy="4663440"/>
           </a:xfrm>
         </p:spPr>
         <p:txBody>
@@ -4956,6 +2810,7 @@
               <a:rPr lang="en-US"/>
               <a:t>Fifth level</a:t>
             </a:r>
+            <a:endParaRPr lang="en-US" dirty="0"/>
           </a:p>
         </p:txBody>
       </p:sp>
@@ -4971,48 +2826,56 @@
         </p:nvSpPr>
         <p:spPr>
           <a:xfrm>
-            <a:off x="839788" y="2057400"/>
-            <a:ext cx="3932237" cy="3811588"/>
+            <a:off x="1143000" y="2834640"/>
+            <a:ext cx="3931920" cy="3017520"/>
           </a:xfrm>
         </p:spPr>
         <p:txBody>
-          <a:bodyPr/>
+          <a:bodyPr>
+            <a:normAutofit/>
+          </a:bodyPr>
           <a:lstStyle>
             <a:lvl1pPr marL="0" indent="0">
-              <a:buNone/>
-              <a:defRPr sz="1600"/>
+              <a:lnSpc>
+                <a:spcPct val="100000"/>
+              </a:lnSpc>
+              <a:spcBef>
+                <a:spcPts val="1000"/>
+              </a:spcBef>
+              <a:buNone/>
+              <a:defRPr sz="1700"/>
             </a:lvl1pPr>
             <a:lvl2pPr marL="457200" indent="0">
               <a:buNone/>
-              <a:defRPr sz="1400"/>
+              <a:defRPr sz="1200"/>
             </a:lvl2pPr>
             <a:lvl3pPr marL="914400" indent="0">
               <a:buNone/>
-              <a:defRPr sz="1200"/>
+              <a:defRPr sz="1000"/>
             </a:lvl3pPr>
             <a:lvl4pPr marL="1371600" indent="0">
               <a:buNone/>
-              <a:defRPr sz="1000"/>
+              <a:defRPr sz="900"/>
             </a:lvl4pPr>
             <a:lvl5pPr marL="1828800" indent="0">
               <a:buNone/>
-              <a:defRPr sz="1000"/>
+              <a:defRPr sz="900"/>
             </a:lvl5pPr>
             <a:lvl6pPr marL="2286000" indent="0">
               <a:buNone/>
-              <a:defRPr sz="1000"/>
+              <a:defRPr sz="900"/>
             </a:lvl6pPr>
             <a:lvl7pPr marL="2743200" indent="0">
               <a:buNone/>
-              <a:defRPr sz="1000"/>
+              <a:defRPr sz="900"/>
             </a:lvl7pPr>
             <a:lvl8pPr marL="3200400" indent="0">
               <a:buNone/>
-              <a:defRPr sz="1000"/>
+              <a:defRPr sz="900"/>
             </a:lvl8pPr>
             <a:lvl9pPr marL="3657600" indent="0">
               <a:buNone/>
-              <a:defRPr sz="1000"/>
+              <a:defRPr sz="900"/>
             </a:lvl9pPr>
           </a:lstStyle>
           <a:p>
@@ -5041,7 +2904,7 @@
           <a:p>
             <a:fld id="{6047A8FC-007F-44DD-8989-93C29FA03653}" type="datetimeFigureOut">
               <a:rPr lang="en-US" smtClean="0"/>
-              <a:t>4/12/2017</a:t>
+              <a:t>4/21/2017</a:t>
             </a:fld>
             <a:endParaRPr lang="en-US"/>
           </a:p>
@@ -5092,13 +2955,16 @@
     </p:spTree>
     <p:extLst>
       <p:ext uri="{BB962C8B-B14F-4D97-AF65-F5344CB8AC3E}">
-        <p14:creationId xmlns:p14="http://schemas.microsoft.com/office/powerpoint/2010/main" val="809649457"/>
+        <p14:creationId xmlns:p14="http://schemas.microsoft.com/office/powerpoint/2010/main" val="2136344452"/>
       </p:ext>
     </p:extLst>
   </p:cSld>
   <p:clrMapOvr>
     <a:masterClrMapping/>
   </p:clrMapOvr>
+  <p:transition spd="slow" advClick="0" advTm="10000">
+    <p:wipe/>
+  </p:transition>
 </p:sldLayout>
 </file>
 
@@ -5131,15 +2997,20 @@
         </p:nvSpPr>
         <p:spPr>
           <a:xfrm>
-            <a:off x="839788" y="457200"/>
-            <a:ext cx="3932237" cy="1600200"/>
+            <a:off x="1143000" y="1097280"/>
+            <a:ext cx="3931920" cy="1737360"/>
           </a:xfrm>
         </p:spPr>
         <p:txBody>
-          <a:bodyPr anchor="b"/>
+          <a:bodyPr anchor="b">
+            <a:noAutofit/>
+          </a:bodyPr>
           <a:lstStyle>
             <a:lvl1pPr>
-              <a:defRPr sz="3200"/>
+              <a:lnSpc>
+                <a:spcPct val="90000"/>
+              </a:lnSpc>
+              <a:defRPr sz="4000" b="0"/>
             </a:lvl1pPr>
           </a:lstStyle>
           <a:p>
@@ -5147,6 +3018,7 @@
               <a:rPr lang="en-US"/>
               <a:t>Click to edit Master title style</a:t>
             </a:r>
+            <a:endParaRPr lang="en-US" dirty="0"/>
           </a:p>
         </p:txBody>
       </p:sp>
@@ -5154,7 +3026,7 @@
         <p:nvSpPr>
           <p:cNvPr id="3" name="Picture Placeholder 2"/>
           <p:cNvSpPr>
-            <a:spLocks noGrp="1"/>
+            <a:spLocks noGrp="1" noChangeAspect="1"/>
           </p:cNvSpPr>
           <p:nvPr>
             <p:ph type="pic" idx="1"/>
@@ -5162,16 +3034,18 @@
         </p:nvSpPr>
         <p:spPr>
           <a:xfrm>
-            <a:off x="5183188" y="987425"/>
-            <a:ext cx="6172200" cy="4873625"/>
+            <a:off x="5413248" y="1069847"/>
+            <a:ext cx="6099048" cy="4800600"/>
           </a:xfrm>
         </p:spPr>
         <p:txBody>
-          <a:bodyPr/>
+          <a:bodyPr lIns="274320" tIns="182880" anchor="t">
+            <a:normAutofit/>
+          </a:bodyPr>
           <a:lstStyle>
             <a:lvl1pPr marL="0" indent="0">
               <a:buNone/>
-              <a:defRPr sz="3200"/>
+              <a:defRPr sz="2800"/>
             </a:lvl1pPr>
             <a:lvl2pPr marL="457200" indent="0">
               <a:buNone/>
@@ -5207,7 +3081,11 @@
             </a:lvl9pPr>
           </a:lstStyle>
           <a:p>
-            <a:endParaRPr lang="en-US"/>
+            <a:r>
+              <a:rPr lang="en-US"/>
+              <a:t>Click icon to add picture</a:t>
+            </a:r>
+            <a:endParaRPr lang="en-US" dirty="0"/>
           </a:p>
         </p:txBody>
       </p:sp>
@@ -5223,48 +3101,56 @@
         </p:nvSpPr>
         <p:spPr>
           <a:xfrm>
-            <a:off x="839788" y="2057400"/>
-            <a:ext cx="3932237" cy="3811588"/>
+            <a:off x="1143000" y="2834640"/>
+            <a:ext cx="3931920" cy="2880360"/>
           </a:xfrm>
         </p:spPr>
         <p:txBody>
-          <a:bodyPr/>
+          <a:bodyPr>
+            <a:normAutofit/>
+          </a:bodyPr>
           <a:lstStyle>
             <a:lvl1pPr marL="0" indent="0">
-              <a:buNone/>
-              <a:defRPr sz="1600"/>
+              <a:lnSpc>
+                <a:spcPct val="100000"/>
+              </a:lnSpc>
+              <a:spcBef>
+                <a:spcPts val="1000"/>
+              </a:spcBef>
+              <a:buNone/>
+              <a:defRPr sz="1700"/>
             </a:lvl1pPr>
             <a:lvl2pPr marL="457200" indent="0">
               <a:buNone/>
-              <a:defRPr sz="1400"/>
+              <a:defRPr sz="1200"/>
             </a:lvl2pPr>
             <a:lvl3pPr marL="914400" indent="0">
               <a:buNone/>
-              <a:defRPr sz="1200"/>
+              <a:defRPr sz="1000"/>
             </a:lvl3pPr>
             <a:lvl4pPr marL="1371600" indent="0">
               <a:buNone/>
-              <a:defRPr sz="1000"/>
+              <a:defRPr sz="900"/>
             </a:lvl4pPr>
             <a:lvl5pPr marL="1828800" indent="0">
               <a:buNone/>
-              <a:defRPr sz="1000"/>
+              <a:defRPr sz="900"/>
             </a:lvl5pPr>
             <a:lvl6pPr marL="2286000" indent="0">
               <a:buNone/>
-              <a:defRPr sz="1000"/>
+              <a:defRPr sz="900"/>
             </a:lvl6pPr>
             <a:lvl7pPr marL="2743200" indent="0">
               <a:buNone/>
-              <a:defRPr sz="1000"/>
+              <a:defRPr sz="900"/>
             </a:lvl7pPr>
             <a:lvl8pPr marL="3200400" indent="0">
               <a:buNone/>
-              <a:defRPr sz="1000"/>
+              <a:defRPr sz="900"/>
             </a:lvl8pPr>
             <a:lvl9pPr marL="3657600" indent="0">
               <a:buNone/>
-              <a:defRPr sz="1000"/>
+              <a:defRPr sz="900"/>
             </a:lvl9pPr>
           </a:lstStyle>
           <a:p>
@@ -5293,7 +3179,7 @@
           <a:p>
             <a:fld id="{6047A8FC-007F-44DD-8989-93C29FA03653}" type="datetimeFigureOut">
               <a:rPr lang="en-US" smtClean="0"/>
-              <a:t>4/12/2017</a:t>
+              <a:t>4/21/2017</a:t>
             </a:fld>
             <a:endParaRPr lang="en-US"/>
           </a:p>
@@ -5344,13 +3230,16 @@
     </p:spTree>
     <p:extLst>
       <p:ext uri="{BB962C8B-B14F-4D97-AF65-F5344CB8AC3E}">
-        <p14:creationId xmlns:p14="http://schemas.microsoft.com/office/powerpoint/2010/main" val="426734460"/>
+        <p14:creationId xmlns:p14="http://schemas.microsoft.com/office/powerpoint/2010/main" val="4073992763"/>
       </p:ext>
     </p:extLst>
   </p:cSld>
   <p:clrMapOvr>
     <a:masterClrMapping/>
   </p:clrMapOvr>
+  <p:transition spd="slow" advClick="0" advTm="10000">
+    <p:wipe/>
+  </p:transition>
 </p:sldLayout>
 </file>
 
@@ -5358,9 +3247,12 @@
 <p:sldMaster xmlns:a="http://schemas.openxmlformats.org/drawingml/2006/main" xmlns:r="http://schemas.openxmlformats.org/officeDocument/2006/relationships" xmlns:p="http://schemas.openxmlformats.org/presentationml/2006/main">
   <p:cSld>
     <p:bg>
-      <p:bgRef idx="1001">
-        <a:schemeClr val="bg1"/>
-      </p:bgRef>
+      <p:bgPr>
+        <a:solidFill>
+          <a:schemeClr val="accent1"/>
+        </a:solidFill>
+        <a:effectLst/>
+      </p:bgPr>
     </p:bg>
     <p:spTree>
       <p:nvGrpSpPr>
@@ -5378,18 +3270,58 @@
       </p:grpSpPr>
       <p:sp>
         <p:nvSpPr>
-          <p:cNvPr id="2" name="Title Placeholder 1"/>
-          <p:cNvSpPr>
-            <a:spLocks noGrp="1"/>
-          </p:cNvSpPr>
-          <p:nvPr>
-            <p:ph type="title"/>
-          </p:nvPr>
+          <p:cNvPr id="7" name="Rectangle 6"/>
+          <p:cNvSpPr>
+            <a:spLocks noChangeAspect="1"/>
+          </p:cNvSpPr>
+          <p:nvPr/>
         </p:nvSpPr>
         <p:spPr>
           <a:xfrm>
-            <a:off x="838200" y="365125"/>
-            <a:ext cx="10515600" cy="1325563"/>
+            <a:off x="231140" y="243840"/>
+            <a:ext cx="11724640" cy="6377939"/>
+          </a:xfrm>
+          <a:prstGeom prst="rect">
+            <a:avLst/>
+          </a:prstGeom>
+          <a:solidFill>
+            <a:schemeClr val="bg1"/>
+          </a:solidFill>
+          <a:ln w="12700">
+            <a:noFill/>
+          </a:ln>
+        </p:spPr>
+        <p:style>
+          <a:lnRef idx="2">
+            <a:schemeClr val="accent1">
+              <a:shade val="50000"/>
+            </a:schemeClr>
+          </a:lnRef>
+          <a:fillRef idx="1">
+            <a:schemeClr val="accent1"/>
+          </a:fillRef>
+          <a:effectRef idx="0">
+            <a:schemeClr val="accent1"/>
+          </a:effectRef>
+          <a:fontRef idx="minor">
+            <a:schemeClr val="lt1"/>
+          </a:fontRef>
+        </p:style>
+      </p:sp>
+      <p:sp>
+        <p:nvSpPr>
+          <p:cNvPr id="2" name="Title Placeholder 1"/>
+          <p:cNvSpPr>
+            <a:spLocks noGrp="1"/>
+          </p:cNvSpPr>
+          <p:nvPr>
+            <p:ph type="title"/>
+          </p:nvPr>
+        </p:nvSpPr>
+        <p:spPr>
+          <a:xfrm>
+            <a:off x="1143000" y="609600"/>
+            <a:ext cx="9875520" cy="1356360"/>
           </a:xfrm>
           <a:prstGeom prst="rect">
             <a:avLst/>
@@ -5405,6 +3337,7 @@
               <a:rPr lang="en-US"/>
               <a:t>Click to edit Master title style</a:t>
             </a:r>
+            <a:endParaRPr lang="en-US" dirty="0"/>
           </a:p>
         </p:txBody>
       </p:sp>
@@ -5420,8 +3353,8 @@
         </p:nvSpPr>
         <p:spPr>
           <a:xfrm>
-            <a:off x="838200" y="1825625"/>
-            <a:ext cx="10515600" cy="4351338"/>
+            <a:off x="1143000" y="2057400"/>
+            <a:ext cx="9872871" cy="4038600"/>
           </a:xfrm>
           <a:prstGeom prst="rect">
             <a:avLst/>
@@ -5466,6 +3399,7 @@
               <a:rPr lang="en-US"/>
               <a:t>Fifth level</a:t>
             </a:r>
+            <a:endParaRPr lang="en-US" dirty="0"/>
           </a:p>
         </p:txBody>
       </p:sp>
@@ -5481,8 +3415,8 @@
         </p:nvSpPr>
         <p:spPr>
           <a:xfrm>
-            <a:off x="838200" y="6356350"/>
-            <a:ext cx="2743200" cy="365125"/>
+            <a:off x="1142996" y="6223828"/>
+            <a:ext cx="2329074" cy="365125"/>
           </a:xfrm>
           <a:prstGeom prst="rect">
             <a:avLst/>
@@ -5494,9 +3428,7 @@
             <a:lvl1pPr algn="l">
               <a:defRPr sz="1200">
                 <a:solidFill>
-                  <a:schemeClr val="tx1">
-                    <a:tint val="75000"/>
-                  </a:schemeClr>
+                  <a:schemeClr val="accent1"/>
                 </a:solidFill>
               </a:defRPr>
             </a:lvl1pPr>
@@ -5504,7 +3436,7 @@
           <a:p>
             <a:fld id="{6047A8FC-007F-44DD-8989-93C29FA03653}" type="datetimeFigureOut">
               <a:rPr lang="en-US" smtClean="0"/>
-              <a:t>4/12/2017</a:t>
+              <a:t>4/21/2017</a:t>
             </a:fld>
             <a:endParaRPr lang="en-US"/>
           </a:p>
@@ -5522,8 +3454,8 @@
         </p:nvSpPr>
         <p:spPr>
           <a:xfrm>
-            <a:off x="4038600" y="6356350"/>
-            <a:ext cx="4114800" cy="365125"/>
+            <a:off x="3949148" y="6223828"/>
+            <a:ext cx="4717774" cy="365125"/>
           </a:xfrm>
           <a:prstGeom prst="rect">
             <a:avLst/>
@@ -5535,9 +3467,7 @@
             <a:lvl1pPr algn="ctr">
               <a:defRPr sz="1200">
                 <a:solidFill>
-                  <a:schemeClr val="tx1">
-                    <a:tint val="75000"/>
-                  </a:schemeClr>
+                  <a:schemeClr val="accent1"/>
                 </a:solidFill>
               </a:defRPr>
             </a:lvl1pPr>
@@ -5559,8 +3489,8 @@
         </p:nvSpPr>
         <p:spPr>
           <a:xfrm>
-            <a:off x="8610600" y="6356350"/>
-            <a:ext cx="2743200" cy="365125"/>
+            <a:off x="9329530" y="6223828"/>
+            <a:ext cx="1706217" cy="365125"/>
           </a:xfrm>
           <a:prstGeom prst="rect">
             <a:avLst/>
@@ -5572,9 +3502,7 @@
             <a:lvl1pPr algn="r">
               <a:defRPr sz="1200">
                 <a:solidFill>
-                  <a:schemeClr val="tx1">
-                    <a:tint val="75000"/>
-                  </a:schemeClr>
+                  <a:schemeClr val="accent1"/>
                 </a:solidFill>
               </a:defRPr>
             </a:lvl1pPr>
@@ -5591,24 +3519,27 @@
     </p:spTree>
     <p:extLst>
       <p:ext uri="{BB962C8B-B14F-4D97-AF65-F5344CB8AC3E}">
-        <p14:creationId xmlns:p14="http://schemas.microsoft.com/office/powerpoint/2010/main" val="93627675"/>
+        <p14:creationId xmlns:p14="http://schemas.microsoft.com/office/powerpoint/2010/main" val="3567848546"/>
       </p:ext>
     </p:extLst>
   </p:cSld>
   <p:clrMap bg1="lt1" tx1="dk1" bg2="lt2" tx2="dk2" accent1="accent1" accent2="accent2" accent3="accent3" accent4="accent4" accent5="accent5" accent6="accent6" hlink="hlink" folHlink="folHlink"/>
   <p:sldLayoutIdLst>
-    <p:sldLayoutId id="2147483649" r:id="rId1"/>
-    <p:sldLayoutId id="2147483650" r:id="rId2"/>
-    <p:sldLayoutId id="2147483651" r:id="rId3"/>
-    <p:sldLayoutId id="2147483652" r:id="rId4"/>
-    <p:sldLayoutId id="2147483653" r:id="rId5"/>
-    <p:sldLayoutId id="2147483654" r:id="rId6"/>
-    <p:sldLayoutId id="2147483655" r:id="rId7"/>
-    <p:sldLayoutId id="2147483656" r:id="rId8"/>
-    <p:sldLayoutId id="2147483657" r:id="rId9"/>
-    <p:sldLayoutId id="2147483658" r:id="rId10"/>
-    <p:sldLayoutId id="2147483659" r:id="rId11"/>
+    <p:sldLayoutId id="2147483661" r:id="rId1"/>
+    <p:sldLayoutId id="2147483662" r:id="rId2"/>
+    <p:sldLayoutId id="2147483663" r:id="rId3"/>
+    <p:sldLayoutId id="2147483664" r:id="rId4"/>
+    <p:sldLayoutId id="2147483665" r:id="rId5"/>
+    <p:sldLayoutId id="2147483666" r:id="rId6"/>
+    <p:sldLayoutId id="2147483667" r:id="rId7"/>
+    <p:sldLayoutId id="2147483668" r:id="rId8"/>
+    <p:sldLayoutId id="2147483669" r:id="rId9"/>
+    <p:sldLayoutId id="2147483670" r:id="rId10"/>
+    <p:sldLayoutId id="2147483671" r:id="rId11"/>
   </p:sldLayoutIdLst>
+  <p:transition spd="slow" advClick="0" advTm="10000">
+    <p:wipe/>
+  </p:transition>
   <p:txStyles>
     <p:titleStyle>
       <a:lvl1pPr algn="l" defTabSz="914400" rtl="0" eaLnBrk="1" latinLnBrk="0" hangingPunct="1">
@@ -5621,7 +3552,7 @@
         <a:buNone/>
         <a:defRPr sz="4400" kern="1200">
           <a:solidFill>
-            <a:schemeClr val="tx1"/>
+            <a:schemeClr val="accent1"/>
           </a:solidFill>
           <a:latin typeface="+mj-lt"/>
           <a:ea typeface="+mj-ea"/>
@@ -5630,162 +3561,222 @@
       </a:lvl1pPr>
     </p:titleStyle>
     <p:bodyStyle>
-      <a:lvl1pPr marL="228600" indent="-228600" algn="l" defTabSz="914400" rtl="0" eaLnBrk="1" latinLnBrk="0" hangingPunct="1">
+      <a:lvl1pPr marL="228600" indent="-182880" algn="l" defTabSz="914400" rtl="0" eaLnBrk="1" latinLnBrk="0" hangingPunct="1">
         <a:lnSpc>
           <a:spcPct val="90000"/>
         </a:lnSpc>
         <a:spcBef>
-          <a:spcPts val="1000"/>
+          <a:spcPts val="1400"/>
         </a:spcBef>
-        <a:buFont typeface="Arial" panose="020B0604020202020204" pitchFamily="34" charset="0"/>
+        <a:buClr>
+          <a:schemeClr val="accent1"/>
+        </a:buClr>
+        <a:buSzPct val="80000"/>
+        <a:buFont typeface="Corbel" pitchFamily="34" charset="0"/>
         <a:buChar char="•"/>
-        <a:defRPr sz="2800" kern="1200">
+        <a:defRPr sz="2200" kern="1200">
           <a:solidFill>
-            <a:schemeClr val="tx1"/>
+            <a:schemeClr val="accent1"/>
           </a:solidFill>
           <a:latin typeface="+mn-lt"/>
           <a:ea typeface="+mn-ea"/>
           <a:cs typeface="+mn-cs"/>
         </a:defRPr>
       </a:lvl1pPr>
-      <a:lvl2pPr marL="685800" indent="-228600" algn="l" defTabSz="914400" rtl="0" eaLnBrk="1" latinLnBrk="0" hangingPunct="1">
+      <a:lvl2pPr marL="457200" indent="-182880" algn="l" defTabSz="914400" rtl="0" eaLnBrk="1" latinLnBrk="0" hangingPunct="1">
         <a:lnSpc>
           <a:spcPct val="90000"/>
         </a:lnSpc>
         <a:spcBef>
-          <a:spcPts val="500"/>
+          <a:spcPts val="200"/>
         </a:spcBef>
-        <a:buFont typeface="Arial" panose="020B0604020202020204" pitchFamily="34" charset="0"/>
+        <a:spcAft>
+          <a:spcPts val="400"/>
+        </a:spcAft>
+        <a:buClr>
+          <a:schemeClr val="accent1"/>
+        </a:buClr>
+        <a:buSzPct val="80000"/>
+        <a:buFont typeface="Corbel" pitchFamily="34" charset="0"/>
         <a:buChar char="•"/>
-        <a:defRPr sz="2400" kern="1200">
+        <a:defRPr sz="2000" kern="1200">
           <a:solidFill>
-            <a:schemeClr val="tx1"/>
+            <a:schemeClr val="accent1"/>
           </a:solidFill>
           <a:latin typeface="+mn-lt"/>
           <a:ea typeface="+mn-ea"/>
           <a:cs typeface="+mn-cs"/>
         </a:defRPr>
       </a:lvl2pPr>
-      <a:lvl3pPr marL="1143000" indent="-228600" algn="l" defTabSz="914400" rtl="0" eaLnBrk="1" latinLnBrk="0" hangingPunct="1">
+      <a:lvl3pPr marL="731520" indent="-182880" algn="l" defTabSz="914400" rtl="0" eaLnBrk="1" latinLnBrk="0" hangingPunct="1">
         <a:lnSpc>
           <a:spcPct val="90000"/>
         </a:lnSpc>
         <a:spcBef>
-          <a:spcPts val="500"/>
+          <a:spcPts val="200"/>
         </a:spcBef>
-        <a:buFont typeface="Arial" panose="020B0604020202020204" pitchFamily="34" charset="0"/>
+        <a:spcAft>
+          <a:spcPts val="400"/>
+        </a:spcAft>
+        <a:buClr>
+          <a:schemeClr val="accent1"/>
+        </a:buClr>
+        <a:buSzPct val="80000"/>
+        <a:buFont typeface="Corbel" pitchFamily="34" charset="0"/>
         <a:buChar char="•"/>
-        <a:defRPr sz="2000" kern="1200">
+        <a:defRPr sz="1800" kern="1200">
           <a:solidFill>
-            <a:schemeClr val="tx1"/>
+            <a:schemeClr val="accent1"/>
           </a:solidFill>
           <a:latin typeface="+mn-lt"/>
           <a:ea typeface="+mn-ea"/>
           <a:cs typeface="+mn-cs"/>
         </a:defRPr>
       </a:lvl3pPr>
-      <a:lvl4pPr marL="1600200" indent="-228600" algn="l" defTabSz="914400" rtl="0" eaLnBrk="1" latinLnBrk="0" hangingPunct="1">
+      <a:lvl4pPr marL="1005840" indent="-182880" algn="l" defTabSz="914400" rtl="0" eaLnBrk="1" latinLnBrk="0" hangingPunct="1">
         <a:lnSpc>
           <a:spcPct val="90000"/>
         </a:lnSpc>
         <a:spcBef>
-          <a:spcPts val="500"/>
+          <a:spcPts val="200"/>
         </a:spcBef>
-        <a:buFont typeface="Arial" panose="020B0604020202020204" pitchFamily="34" charset="0"/>
+        <a:spcAft>
+          <a:spcPts val="400"/>
+        </a:spcAft>
+        <a:buClr>
+          <a:schemeClr val="accent1"/>
+        </a:buClr>
+        <a:buSzPct val="80000"/>
+        <a:buFont typeface="Corbel" pitchFamily="34" charset="0"/>
         <a:buChar char="•"/>
-        <a:defRPr sz="1800" kern="1200">
+        <a:defRPr sz="1600" kern="1200">
           <a:solidFill>
-            <a:schemeClr val="tx1"/>
+            <a:schemeClr val="accent1"/>
           </a:solidFill>
           <a:latin typeface="+mn-lt"/>
           <a:ea typeface="+mn-ea"/>
           <a:cs typeface="+mn-cs"/>
         </a:defRPr>
       </a:lvl4pPr>
-      <a:lvl5pPr marL="2057400" indent="-228600" algn="l" defTabSz="914400" rtl="0" eaLnBrk="1" latinLnBrk="0" hangingPunct="1">
+      <a:lvl5pPr marL="1280160" indent="-182880" algn="l" defTabSz="914400" rtl="0" eaLnBrk="1" latinLnBrk="0" hangingPunct="1">
         <a:lnSpc>
           <a:spcPct val="90000"/>
         </a:lnSpc>
         <a:spcBef>
-          <a:spcPts val="500"/>
+          <a:spcPts val="200"/>
         </a:spcBef>
-        <a:buFont typeface="Arial" panose="020B0604020202020204" pitchFamily="34" charset="0"/>
+        <a:spcAft>
+          <a:spcPts val="400"/>
+        </a:spcAft>
+        <a:buClr>
+          <a:schemeClr val="accent1"/>
+        </a:buClr>
+        <a:buSzPct val="80000"/>
+        <a:buFont typeface="Corbel" pitchFamily="34" charset="0"/>
         <a:buChar char="•"/>
-        <a:defRPr sz="1800" kern="1200">
+        <a:defRPr sz="1600" kern="1200">
           <a:solidFill>
-            <a:schemeClr val="tx1"/>
+            <a:schemeClr val="accent1"/>
           </a:solidFill>
           <a:latin typeface="+mn-lt"/>
           <a:ea typeface="+mn-ea"/>
           <a:cs typeface="+mn-cs"/>
         </a:defRPr>
       </a:lvl5pPr>
-      <a:lvl6pPr marL="2514600" indent="-228600" algn="l" defTabSz="914400" rtl="0" eaLnBrk="1" latinLnBrk="0" hangingPunct="1">
+      <a:lvl6pPr marL="1600000" indent="-228600" algn="l" defTabSz="914400" rtl="0" eaLnBrk="1" latinLnBrk="0" hangingPunct="1">
         <a:lnSpc>
           <a:spcPct val="90000"/>
         </a:lnSpc>
         <a:spcBef>
-          <a:spcPts val="500"/>
+          <a:spcPts val="200"/>
         </a:spcBef>
-        <a:buFont typeface="Arial" panose="020B0604020202020204" pitchFamily="34" charset="0"/>
+        <a:spcAft>
+          <a:spcPts val="400"/>
+        </a:spcAft>
+        <a:buClr>
+          <a:schemeClr val="accent1"/>
+        </a:buClr>
+        <a:buSzPct val="80000"/>
+        <a:buFont typeface="Corbel" pitchFamily="34" charset="0"/>
         <a:buChar char="•"/>
-        <a:defRPr sz="1800" kern="1200">
+        <a:defRPr sz="1600" kern="1200">
           <a:solidFill>
-            <a:schemeClr val="tx1"/>
+            <a:schemeClr val="accent1"/>
           </a:solidFill>
           <a:latin typeface="+mn-lt"/>
           <a:ea typeface="+mn-ea"/>
           <a:cs typeface="+mn-cs"/>
         </a:defRPr>
       </a:lvl6pPr>
-      <a:lvl7pPr marL="2971800" indent="-228600" algn="l" defTabSz="914400" rtl="0" eaLnBrk="1" latinLnBrk="0" hangingPunct="1">
+      <a:lvl7pPr marL="1900000" indent="-228600" algn="l" defTabSz="914400" rtl="0" eaLnBrk="1" latinLnBrk="0" hangingPunct="1">
         <a:lnSpc>
           <a:spcPct val="90000"/>
         </a:lnSpc>
         <a:spcBef>
-          <a:spcPts val="500"/>
+          <a:spcPts val="200"/>
         </a:spcBef>
-        <a:buFont typeface="Arial" panose="020B0604020202020204" pitchFamily="34" charset="0"/>
+        <a:spcAft>
+          <a:spcPts val="400"/>
+        </a:spcAft>
+        <a:buClr>
+          <a:schemeClr val="accent1"/>
+        </a:buClr>
+        <a:buSzPct val="80000"/>
+        <a:buFont typeface="Corbel" pitchFamily="34" charset="0"/>
         <a:buChar char="•"/>
-        <a:defRPr sz="1800" kern="1200">
+        <a:defRPr sz="1600" kern="1200">
           <a:solidFill>
-            <a:schemeClr val="tx1"/>
+            <a:schemeClr val="accent1"/>
           </a:solidFill>
           <a:latin typeface="+mn-lt"/>
           <a:ea typeface="+mn-ea"/>
           <a:cs typeface="+mn-cs"/>
         </a:defRPr>
       </a:lvl7pPr>
-      <a:lvl8pPr marL="3429000" indent="-228600" algn="l" defTabSz="914400" rtl="0" eaLnBrk="1" latinLnBrk="0" hangingPunct="1">
+      <a:lvl8pPr marL="2200000" indent="-228600" algn="l" defTabSz="914400" rtl="0" eaLnBrk="1" latinLnBrk="0" hangingPunct="1">
         <a:lnSpc>
           <a:spcPct val="90000"/>
         </a:lnSpc>
         <a:spcBef>
-          <a:spcPts val="500"/>
+          <a:spcPts val="200"/>
         </a:spcBef>
-        <a:buFont typeface="Arial" panose="020B0604020202020204" pitchFamily="34" charset="0"/>
+        <a:spcAft>
+          <a:spcPts val="400"/>
+        </a:spcAft>
+        <a:buClr>
+          <a:schemeClr val="accent1"/>
+        </a:buClr>
+        <a:buSzPct val="80000"/>
+        <a:buFont typeface="Corbel" pitchFamily="34" charset="0"/>
         <a:buChar char="•"/>
-        <a:defRPr sz="1800" kern="1200">
+        <a:defRPr sz="1600" kern="1200">
           <a:solidFill>
-            <a:schemeClr val="tx1"/>
+            <a:schemeClr val="accent1"/>
           </a:solidFill>
           <a:latin typeface="+mn-lt"/>
           <a:ea typeface="+mn-ea"/>
           <a:cs typeface="+mn-cs"/>
         </a:defRPr>
       </a:lvl8pPr>
-      <a:lvl9pPr marL="3886200" indent="-228600" algn="l" defTabSz="914400" rtl="0" eaLnBrk="1" latinLnBrk="0" hangingPunct="1">
+      <a:lvl9pPr marL="2500000" indent="-228600" algn="l" defTabSz="914400" rtl="0" eaLnBrk="1" latinLnBrk="0" hangingPunct="1">
         <a:lnSpc>
           <a:spcPct val="90000"/>
         </a:lnSpc>
         <a:spcBef>
-          <a:spcPts val="500"/>
+          <a:spcPts val="200"/>
         </a:spcBef>
-        <a:buFont typeface="Arial" panose="020B0604020202020204" pitchFamily="34" charset="0"/>
+        <a:spcAft>
+          <a:spcPts val="400"/>
+        </a:spcAft>
+        <a:buClr>
+          <a:schemeClr val="accent1"/>
+        </a:buClr>
+        <a:buSzPct val="80000"/>
+        <a:buFont typeface="Corbel" pitchFamily="34" charset="0"/>
         <a:buChar char="•"/>
-        <a:defRPr sz="1800" kern="1200">
+        <a:defRPr sz="1600" kern="1200">
           <a:solidFill>
-            <a:schemeClr val="tx1"/>
+            <a:schemeClr val="accent1"/>
           </a:solidFill>
           <a:latin typeface="+mn-lt"/>
           <a:ea typeface="+mn-ea"/>
@@ -5892,14 +3883,9 @@
 </p:sldMaster>
 </file>
 
-<file path=ppt/slideMasters/slideMaster2.xml><?xml version="1.0" encoding="utf-8"?>
-<p:sldMaster xmlns:a="http://schemas.openxmlformats.org/drawingml/2006/main" xmlns:r="http://schemas.openxmlformats.org/officeDocument/2006/relationships" xmlns:p="http://schemas.openxmlformats.org/presentationml/2006/main">
+<file path=ppt/slides/slide1.xml><?xml version="1.0" encoding="utf-8"?>
+<p:sld xmlns:a="http://schemas.openxmlformats.org/drawingml/2006/main" xmlns:r="http://schemas.openxmlformats.org/officeDocument/2006/relationships" xmlns:p="http://schemas.openxmlformats.org/presentationml/2006/main">
   <p:cSld>
-    <p:bg>
-      <p:bgRef idx="1001">
-        <a:schemeClr val="bg1"/>
-      </p:bgRef>
-    </p:bg>
     <p:spTree>
       <p:nvGrpSpPr>
         <p:cNvPr id="1" name=""/>
@@ -5916,7 +3902,7 @@
       </p:grpSpPr>
       <p:sp>
         <p:nvSpPr>
-          <p:cNvPr id="2" name="Title Placeholder 1"/>
+          <p:cNvPr id="2" name="Title 1"/>
           <p:cNvSpPr>
             <a:spLocks noGrp="1"/>
           </p:cNvSpPr>
@@ -5924,486 +3910,388 @@
             <p:ph type="title"/>
           </p:nvPr>
         </p:nvSpPr>
+        <p:spPr/>
+        <p:txBody>
+          <a:bodyPr/>
+          <a:lstStyle/>
+          <a:p>
+            <a:pPr algn="ctr"/>
+            <a:r>
+              <a:rPr lang="en-US" dirty="0">
+                <a:solidFill>
+                  <a:srgbClr val="FF0000"/>
+                </a:solidFill>
+                <a:latin typeface="Britannic Bold" panose="020B0903060703020204" pitchFamily="34" charset="0"/>
+              </a:rPr>
+              <a:t>Want to WIN </a:t>
+            </a:r>
+            <a:r>
+              <a:rPr lang="en-US">
+                <a:solidFill>
+                  <a:srgbClr val="FF0000"/>
+                </a:solidFill>
+                <a:latin typeface="Britannic Bold" panose="020B0903060703020204" pitchFamily="34" charset="0"/>
+              </a:rPr>
+              <a:t>a $5 </a:t>
+            </a:r>
+            <a:r>
+              <a:rPr lang="en-US">
+                <a:solidFill>
+                  <a:srgbClr val="00B050"/>
+                </a:solidFill>
+                <a:latin typeface="Britannic Bold" panose="020B0903060703020204" pitchFamily="34" charset="0"/>
+              </a:rPr>
+              <a:t>Starbucks</a:t>
+            </a:r>
+            <a:r>
+              <a:rPr lang="en-US">
+                <a:solidFill>
+                  <a:srgbClr val="FF0000"/>
+                </a:solidFill>
+                <a:latin typeface="Britannic Bold" panose="020B0903060703020204" pitchFamily="34" charset="0"/>
+              </a:rPr>
+              <a:t> </a:t>
+            </a:r>
+            <a:r>
+              <a:rPr lang="en-US" dirty="0">
+                <a:solidFill>
+                  <a:srgbClr val="FF0000"/>
+                </a:solidFill>
+                <a:latin typeface="Britannic Bold" panose="020B0903060703020204" pitchFamily="34" charset="0"/>
+              </a:rPr>
+              <a:t>Gift Card?</a:t>
+            </a:r>
+          </a:p>
+        </p:txBody>
+      </p:sp>
+      <p:sp>
+        <p:nvSpPr>
+          <p:cNvPr id="3" name="Content Placeholder 2"/>
+          <p:cNvSpPr>
+            <a:spLocks noGrp="1"/>
+          </p:cNvSpPr>
+          <p:nvPr>
+            <p:ph idx="1"/>
+          </p:nvPr>
+        </p:nvSpPr>
+        <p:spPr/>
+        <p:txBody>
+          <a:bodyPr>
+            <a:normAutofit/>
+          </a:bodyPr>
+          <a:lstStyle/>
+          <a:p>
+            <a:pPr marL="0" indent="0" algn="ctr">
+              <a:buNone/>
+            </a:pPr>
+            <a:r>
+              <a:rPr lang="en-US" sz="3600" dirty="0">
+                <a:solidFill>
+                  <a:schemeClr val="tx1"/>
+                </a:solidFill>
+                <a:latin typeface="Britannic Bold" panose="020B0903060703020204" pitchFamily="34" charset="0"/>
+              </a:rPr>
+              <a:t>1.Just take a short 10 Question quiz in NFC.</a:t>
+            </a:r>
+          </a:p>
+          <a:p>
+            <a:pPr marL="0" indent="0" algn="ctr">
+              <a:buNone/>
+            </a:pPr>
+            <a:endParaRPr lang="en-US" sz="3600" dirty="0">
+              <a:solidFill>
+                <a:schemeClr val="tx1"/>
+              </a:solidFill>
+              <a:latin typeface="Britannic Bold" panose="020B0903060703020204" pitchFamily="34" charset="0"/>
+            </a:endParaRPr>
+          </a:p>
+          <a:p>
+            <a:pPr marL="0" indent="0" algn="ctr">
+              <a:buNone/>
+            </a:pPr>
+            <a:r>
+              <a:rPr lang="en-US" sz="3600" dirty="0">
+                <a:solidFill>
+                  <a:schemeClr val="tx1"/>
+                </a:solidFill>
+                <a:latin typeface="Britannic Bold" panose="020B0903060703020204" pitchFamily="34" charset="0"/>
+              </a:rPr>
+              <a:t>2.Upload your score…</a:t>
+            </a:r>
+          </a:p>
+          <a:p>
+            <a:pPr marL="0" indent="0" algn="ctr">
+              <a:buNone/>
+            </a:pPr>
+            <a:endParaRPr lang="en-US" sz="3600" dirty="0">
+              <a:solidFill>
+                <a:schemeClr val="tx1"/>
+              </a:solidFill>
+              <a:latin typeface="Britannic Bold" panose="020B0903060703020204" pitchFamily="34" charset="0"/>
+            </a:endParaRPr>
+          </a:p>
+          <a:p>
+            <a:pPr marL="0" indent="0" algn="ctr">
+              <a:buNone/>
+            </a:pPr>
+            <a:r>
+              <a:rPr lang="en-US" sz="3600" dirty="0">
+                <a:solidFill>
+                  <a:schemeClr val="tx1"/>
+                </a:solidFill>
+                <a:latin typeface="Britannic Bold" panose="020B0903060703020204" pitchFamily="34" charset="0"/>
+              </a:rPr>
+              <a:t>3.Top 3 WIN!</a:t>
+            </a:r>
+          </a:p>
+        </p:txBody>
+      </p:sp>
+      <p:pic>
+        <p:nvPicPr>
+          <p:cNvPr id="4" name="Picture 3"/>
+          <p:cNvPicPr>
+            <a:picLocks noChangeAspect="1"/>
+          </p:cNvPicPr>
+          <p:nvPr/>
+        </p:nvPicPr>
+        <p:blipFill>
+          <a:blip r:embed="rId2"/>
+          <a:stretch>
+            <a:fillRect/>
+          </a:stretch>
+        </p:blipFill>
         <p:spPr>
           <a:xfrm>
-            <a:off x="609600" y="274638"/>
-            <a:ext cx="10972800" cy="1143000"/>
+            <a:off x="423924" y="4383914"/>
+            <a:ext cx="2152650" cy="2124075"/>
           </a:xfrm>
           <a:prstGeom prst="rect">
             <a:avLst/>
           </a:prstGeom>
         </p:spPr>
-        <p:txBody>
-          <a:bodyPr vert="horz" lIns="91440" tIns="45720" rIns="91440" bIns="45720" rtlCol="0" anchor="ctr">
-            <a:normAutofit/>
-          </a:bodyPr>
-          <a:lstStyle/>
-          <a:p>
-            <a:r>
-              <a:rPr lang="en-US"/>
-              <a:t>Click to edit Master title style</a:t>
-            </a:r>
-          </a:p>
-        </p:txBody>
-      </p:sp>
-      <p:sp>
-        <p:nvSpPr>
-          <p:cNvPr id="3" name="Text Placeholder 2"/>
-          <p:cNvSpPr>
-            <a:spLocks noGrp="1"/>
-          </p:cNvSpPr>
-          <p:nvPr>
-            <p:ph type="body" idx="1"/>
-          </p:nvPr>
-        </p:nvSpPr>
+      </p:pic>
+      <p:pic>
+        <p:nvPicPr>
+          <p:cNvPr id="5" name="Picture 4"/>
+          <p:cNvPicPr>
+            <a:picLocks noChangeAspect="1"/>
+          </p:cNvPicPr>
+          <p:nvPr/>
+        </p:nvPicPr>
+        <p:blipFill>
+          <a:blip r:embed="rId3"/>
+          <a:stretch>
+            <a:fillRect/>
+          </a:stretch>
+        </p:blipFill>
         <p:spPr>
           <a:xfrm>
-            <a:off x="609600" y="1600201"/>
-            <a:ext cx="10972800" cy="4525963"/>
+            <a:off x="7857877" y="4937836"/>
+            <a:ext cx="3986398" cy="1570153"/>
           </a:xfrm>
           <a:prstGeom prst="rect">
             <a:avLst/>
           </a:prstGeom>
         </p:spPr>
-        <p:txBody>
-          <a:bodyPr vert="horz" lIns="91440" tIns="45720" rIns="91440" bIns="45720" rtlCol="0">
-            <a:normAutofit/>
-          </a:bodyPr>
-          <a:lstStyle/>
-          <a:p>
-            <a:pPr lvl="0"/>
-            <a:r>
-              <a:rPr lang="en-US"/>
-              <a:t>Click to edit Master text styles</a:t>
-            </a:r>
-          </a:p>
-          <a:p>
-            <a:pPr lvl="1"/>
-            <a:r>
-              <a:rPr lang="en-US"/>
-              <a:t>Second level</a:t>
-            </a:r>
-          </a:p>
-          <a:p>
-            <a:pPr lvl="2"/>
-            <a:r>
-              <a:rPr lang="en-US"/>
-              <a:t>Third level</a:t>
-            </a:r>
-          </a:p>
-          <a:p>
-            <a:pPr lvl="3"/>
-            <a:r>
-              <a:rPr lang="en-US"/>
-              <a:t>Fourth level</a:t>
-            </a:r>
-          </a:p>
-          <a:p>
-            <a:pPr lvl="4"/>
-            <a:r>
-              <a:rPr lang="en-US"/>
-              <a:t>Fifth level</a:t>
-            </a:r>
-          </a:p>
-        </p:txBody>
-      </p:sp>
-      <p:sp>
-        <p:nvSpPr>
-          <p:cNvPr id="4" name="Date Placeholder 3"/>
-          <p:cNvSpPr>
-            <a:spLocks noGrp="1"/>
-          </p:cNvSpPr>
-          <p:nvPr>
-            <p:ph type="dt" sz="half" idx="2"/>
-          </p:nvPr>
-        </p:nvSpPr>
-        <p:spPr>
-          <a:xfrm>
-            <a:off x="609600" y="6356350"/>
-            <a:ext cx="2844800" cy="365125"/>
-          </a:xfrm>
-          <a:prstGeom prst="rect">
-            <a:avLst/>
-          </a:prstGeom>
-        </p:spPr>
-        <p:txBody>
-          <a:bodyPr vert="horz" lIns="91440" tIns="45720" rIns="91440" bIns="45720" rtlCol="0" anchor="ctr"/>
-          <a:lstStyle>
-            <a:lvl1pPr algn="l">
-              <a:defRPr sz="1200">
-                <a:solidFill>
-                  <a:schemeClr val="tx1">
-                    <a:tint val="75000"/>
-                  </a:schemeClr>
-                </a:solidFill>
-              </a:defRPr>
-            </a:lvl1pPr>
-          </a:lstStyle>
-          <a:p>
-            <a:fld id="{1D8BD707-D9CF-40AE-B4C6-C98DA3205C09}" type="datetimeFigureOut">
-              <a:rPr lang="en-US" smtClean="0"/>
-              <a:pPr/>
-              <a:t>4/12/2017</a:t>
-            </a:fld>
-            <a:endParaRPr lang="en-US"/>
-          </a:p>
-        </p:txBody>
-      </p:sp>
-      <p:sp>
-        <p:nvSpPr>
-          <p:cNvPr id="5" name="Footer Placeholder 4"/>
-          <p:cNvSpPr>
-            <a:spLocks noGrp="1"/>
-          </p:cNvSpPr>
-          <p:nvPr>
-            <p:ph type="ftr" sz="quarter" idx="3"/>
-          </p:nvPr>
-        </p:nvSpPr>
-        <p:spPr>
-          <a:xfrm>
-            <a:off x="4165600" y="6356350"/>
-            <a:ext cx="3860800" cy="365125"/>
-          </a:xfrm>
-          <a:prstGeom prst="rect">
-            <a:avLst/>
-          </a:prstGeom>
-        </p:spPr>
-        <p:txBody>
-          <a:bodyPr vert="horz" lIns="91440" tIns="45720" rIns="91440" bIns="45720" rtlCol="0" anchor="ctr"/>
-          <a:lstStyle>
-            <a:lvl1pPr algn="ctr">
-              <a:defRPr sz="1200">
-                <a:solidFill>
-                  <a:schemeClr val="tx1">
-                    <a:tint val="75000"/>
-                  </a:schemeClr>
-                </a:solidFill>
-              </a:defRPr>
-            </a:lvl1pPr>
-          </a:lstStyle>
-          <a:p>
-            <a:endParaRPr lang="en-US"/>
-          </a:p>
-        </p:txBody>
-      </p:sp>
-      <p:sp>
-        <p:nvSpPr>
-          <p:cNvPr id="6" name="Slide Number Placeholder 5"/>
-          <p:cNvSpPr>
-            <a:spLocks noGrp="1"/>
-          </p:cNvSpPr>
-          <p:nvPr>
-            <p:ph type="sldNum" sz="quarter" idx="4"/>
-          </p:nvPr>
-        </p:nvSpPr>
-        <p:spPr>
-          <a:xfrm>
-            <a:off x="8737600" y="6356350"/>
-            <a:ext cx="2844800" cy="365125"/>
-          </a:xfrm>
-          <a:prstGeom prst="rect">
-            <a:avLst/>
-          </a:prstGeom>
-        </p:spPr>
-        <p:txBody>
-          <a:bodyPr vert="horz" lIns="91440" tIns="45720" rIns="91440" bIns="45720" rtlCol="0" anchor="ctr"/>
-          <a:lstStyle>
-            <a:lvl1pPr algn="r">
-              <a:defRPr sz="1200">
-                <a:solidFill>
-                  <a:schemeClr val="tx1">
-                    <a:tint val="75000"/>
-                  </a:schemeClr>
-                </a:solidFill>
-              </a:defRPr>
-            </a:lvl1pPr>
-          </a:lstStyle>
-          <a:p>
-            <a:fld id="{B6F15528-21DE-4FAA-801E-634DDDAF4B2B}" type="slidenum">
-              <a:rPr lang="en-US" smtClean="0"/>
-              <a:pPr/>
-              <a:t>‹#›</a:t>
-            </a:fld>
-            <a:endParaRPr lang="en-US"/>
-          </a:p>
-        </p:txBody>
-      </p:sp>
+      </p:pic>
     </p:spTree>
     <p:extLst>
       <p:ext uri="{BB962C8B-B14F-4D97-AF65-F5344CB8AC3E}">
-        <p14:creationId xmlns:p14="http://schemas.microsoft.com/office/powerpoint/2010/main" val="772803697"/>
+        <p14:creationId xmlns:p14="http://schemas.microsoft.com/office/powerpoint/2010/main" val="1654031918"/>
       </p:ext>
     </p:extLst>
   </p:cSld>
-  <p:clrMap bg1="lt1" tx1="dk1" bg2="lt2" tx2="dk2" accent1="accent1" accent2="accent2" accent3="accent3" accent4="accent4" accent5="accent5" accent6="accent6" hlink="hlink" folHlink="folHlink"/>
-  <p:sldLayoutIdLst>
-    <p:sldLayoutId id="2147483661" r:id="rId1"/>
-    <p:sldLayoutId id="2147483662" r:id="rId2"/>
-    <p:sldLayoutId id="2147483663" r:id="rId3"/>
-    <p:sldLayoutId id="2147483664" r:id="rId4"/>
-    <p:sldLayoutId id="2147483665" r:id="rId5"/>
-    <p:sldLayoutId id="2147483666" r:id="rId6"/>
-    <p:sldLayoutId id="2147483667" r:id="rId7"/>
-    <p:sldLayoutId id="2147483668" r:id="rId8"/>
-    <p:sldLayoutId id="2147483669" r:id="rId9"/>
-    <p:sldLayoutId id="2147483670" r:id="rId10"/>
-    <p:sldLayoutId id="2147483671" r:id="rId11"/>
-  </p:sldLayoutIdLst>
-  <p:txStyles>
-    <p:titleStyle>
-      <a:lvl1pPr algn="ctr" defTabSz="914108" rtl="0" eaLnBrk="1" latinLnBrk="0" hangingPunct="1">
-        <a:spcBef>
-          <a:spcPct val="0"/>
-        </a:spcBef>
-        <a:buNone/>
-        <a:defRPr sz="4398" kern="1200">
-          <a:solidFill>
-            <a:schemeClr val="tx1"/>
-          </a:solidFill>
-          <a:latin typeface="+mj-lt"/>
-          <a:ea typeface="+mj-ea"/>
-          <a:cs typeface="+mj-cs"/>
-        </a:defRPr>
-      </a:lvl1pPr>
-    </p:titleStyle>
-    <p:bodyStyle>
-      <a:lvl1pPr marL="342790" indent="-342790" algn="l" defTabSz="914108" rtl="0" eaLnBrk="1" latinLnBrk="0" hangingPunct="1">
-        <a:spcBef>
-          <a:spcPct val="20000"/>
-        </a:spcBef>
-        <a:buFont typeface="Arial" pitchFamily="34" charset="0"/>
-        <a:buChar char="•"/>
-        <a:defRPr sz="3198" kern="1200">
-          <a:solidFill>
-            <a:schemeClr val="tx1"/>
-          </a:solidFill>
-          <a:latin typeface="+mn-lt"/>
-          <a:ea typeface="+mn-ea"/>
-          <a:cs typeface="+mn-cs"/>
-        </a:defRPr>
-      </a:lvl1pPr>
-      <a:lvl2pPr marL="742712" indent="-285658" algn="l" defTabSz="914108" rtl="0" eaLnBrk="1" latinLnBrk="0" hangingPunct="1">
-        <a:spcBef>
-          <a:spcPct val="20000"/>
-        </a:spcBef>
-        <a:buFont typeface="Arial" pitchFamily="34" charset="0"/>
-        <a:buChar char="–"/>
-        <a:defRPr sz="2800" kern="1200">
-          <a:solidFill>
-            <a:schemeClr val="tx1"/>
-          </a:solidFill>
-          <a:latin typeface="+mn-lt"/>
-          <a:ea typeface="+mn-ea"/>
-          <a:cs typeface="+mn-cs"/>
-        </a:defRPr>
-      </a:lvl2pPr>
-      <a:lvl3pPr marL="1142634" indent="-228526" algn="l" defTabSz="914108" rtl="0" eaLnBrk="1" latinLnBrk="0" hangingPunct="1">
-        <a:spcBef>
-          <a:spcPct val="20000"/>
-        </a:spcBef>
-        <a:buFont typeface="Arial" pitchFamily="34" charset="0"/>
-        <a:buChar char="•"/>
-        <a:defRPr sz="2400" kern="1200">
-          <a:solidFill>
-            <a:schemeClr val="tx1"/>
-          </a:solidFill>
-          <a:latin typeface="+mn-lt"/>
-          <a:ea typeface="+mn-ea"/>
-          <a:cs typeface="+mn-cs"/>
-        </a:defRPr>
-      </a:lvl3pPr>
-      <a:lvl4pPr marL="1599688" indent="-228526" algn="l" defTabSz="914108" rtl="0" eaLnBrk="1" latinLnBrk="0" hangingPunct="1">
-        <a:spcBef>
-          <a:spcPct val="20000"/>
-        </a:spcBef>
-        <a:buFont typeface="Arial" pitchFamily="34" charset="0"/>
-        <a:buChar char="–"/>
-        <a:defRPr sz="2000" kern="1200">
-          <a:solidFill>
-            <a:schemeClr val="tx1"/>
-          </a:solidFill>
-          <a:latin typeface="+mn-lt"/>
-          <a:ea typeface="+mn-ea"/>
-          <a:cs typeface="+mn-cs"/>
-        </a:defRPr>
-      </a:lvl4pPr>
-      <a:lvl5pPr marL="2056742" indent="-228526" algn="l" defTabSz="914108" rtl="0" eaLnBrk="1" latinLnBrk="0" hangingPunct="1">
-        <a:spcBef>
-          <a:spcPct val="20000"/>
-        </a:spcBef>
-        <a:buFont typeface="Arial" pitchFamily="34" charset="0"/>
-        <a:buChar char="»"/>
-        <a:defRPr sz="2000" kern="1200">
-          <a:solidFill>
-            <a:schemeClr val="tx1"/>
-          </a:solidFill>
-          <a:latin typeface="+mn-lt"/>
-          <a:ea typeface="+mn-ea"/>
-          <a:cs typeface="+mn-cs"/>
-        </a:defRPr>
-      </a:lvl5pPr>
-      <a:lvl6pPr marL="2513796" indent="-228526" algn="l" defTabSz="914108" rtl="0" eaLnBrk="1" latinLnBrk="0" hangingPunct="1">
-        <a:spcBef>
-          <a:spcPct val="20000"/>
-        </a:spcBef>
-        <a:buFont typeface="Arial" pitchFamily="34" charset="0"/>
-        <a:buChar char="•"/>
-        <a:defRPr sz="2000" kern="1200">
-          <a:solidFill>
-            <a:schemeClr val="tx1"/>
-          </a:solidFill>
-          <a:latin typeface="+mn-lt"/>
-          <a:ea typeface="+mn-ea"/>
-          <a:cs typeface="+mn-cs"/>
-        </a:defRPr>
-      </a:lvl6pPr>
-      <a:lvl7pPr marL="2970850" indent="-228526" algn="l" defTabSz="914108" rtl="0" eaLnBrk="1" latinLnBrk="0" hangingPunct="1">
-        <a:spcBef>
-          <a:spcPct val="20000"/>
-        </a:spcBef>
-        <a:buFont typeface="Arial" pitchFamily="34" charset="0"/>
-        <a:buChar char="•"/>
-        <a:defRPr sz="2000" kern="1200">
-          <a:solidFill>
-            <a:schemeClr val="tx1"/>
-          </a:solidFill>
-          <a:latin typeface="+mn-lt"/>
-          <a:ea typeface="+mn-ea"/>
-          <a:cs typeface="+mn-cs"/>
-        </a:defRPr>
-      </a:lvl7pPr>
-      <a:lvl8pPr marL="3427902" indent="-228526" algn="l" defTabSz="914108" rtl="0" eaLnBrk="1" latinLnBrk="0" hangingPunct="1">
-        <a:spcBef>
-          <a:spcPct val="20000"/>
-        </a:spcBef>
-        <a:buFont typeface="Arial" pitchFamily="34" charset="0"/>
-        <a:buChar char="•"/>
-        <a:defRPr sz="2000" kern="1200">
-          <a:solidFill>
-            <a:schemeClr val="tx1"/>
-          </a:solidFill>
-          <a:latin typeface="+mn-lt"/>
-          <a:ea typeface="+mn-ea"/>
-          <a:cs typeface="+mn-cs"/>
-        </a:defRPr>
-      </a:lvl8pPr>
-      <a:lvl9pPr marL="3884956" indent="-228526" algn="l" defTabSz="914108" rtl="0" eaLnBrk="1" latinLnBrk="0" hangingPunct="1">
-        <a:spcBef>
-          <a:spcPct val="20000"/>
-        </a:spcBef>
-        <a:buFont typeface="Arial" pitchFamily="34" charset="0"/>
-        <a:buChar char="•"/>
-        <a:defRPr sz="2000" kern="1200">
-          <a:solidFill>
-            <a:schemeClr val="tx1"/>
-          </a:solidFill>
-          <a:latin typeface="+mn-lt"/>
-          <a:ea typeface="+mn-ea"/>
-          <a:cs typeface="+mn-cs"/>
-        </a:defRPr>
-      </a:lvl9pPr>
-    </p:bodyStyle>
-    <p:otherStyle>
-      <a:defPPr>
-        <a:defRPr lang="en-US"/>
-      </a:defPPr>
-      <a:lvl1pPr marL="0" algn="l" defTabSz="914108" rtl="0" eaLnBrk="1" latinLnBrk="0" hangingPunct="1">
-        <a:defRPr sz="1800" kern="1200">
-          <a:solidFill>
-            <a:schemeClr val="tx1"/>
-          </a:solidFill>
-          <a:latin typeface="+mn-lt"/>
-          <a:ea typeface="+mn-ea"/>
-          <a:cs typeface="+mn-cs"/>
-        </a:defRPr>
-      </a:lvl1pPr>
-      <a:lvl2pPr marL="457054" algn="l" defTabSz="914108" rtl="0" eaLnBrk="1" latinLnBrk="0" hangingPunct="1">
-        <a:defRPr sz="1800" kern="1200">
-          <a:solidFill>
-            <a:schemeClr val="tx1"/>
-          </a:solidFill>
-          <a:latin typeface="+mn-lt"/>
-          <a:ea typeface="+mn-ea"/>
-          <a:cs typeface="+mn-cs"/>
-        </a:defRPr>
-      </a:lvl2pPr>
-      <a:lvl3pPr marL="914108" algn="l" defTabSz="914108" rtl="0" eaLnBrk="1" latinLnBrk="0" hangingPunct="1">
-        <a:defRPr sz="1800" kern="1200">
-          <a:solidFill>
-            <a:schemeClr val="tx1"/>
-          </a:solidFill>
-          <a:latin typeface="+mn-lt"/>
-          <a:ea typeface="+mn-ea"/>
-          <a:cs typeface="+mn-cs"/>
-        </a:defRPr>
-      </a:lvl3pPr>
-      <a:lvl4pPr marL="1371162" algn="l" defTabSz="914108" rtl="0" eaLnBrk="1" latinLnBrk="0" hangingPunct="1">
-        <a:defRPr sz="1800" kern="1200">
-          <a:solidFill>
-            <a:schemeClr val="tx1"/>
-          </a:solidFill>
-          <a:latin typeface="+mn-lt"/>
-          <a:ea typeface="+mn-ea"/>
-          <a:cs typeface="+mn-cs"/>
-        </a:defRPr>
-      </a:lvl4pPr>
-      <a:lvl5pPr marL="1828215" algn="l" defTabSz="914108" rtl="0" eaLnBrk="1" latinLnBrk="0" hangingPunct="1">
-        <a:defRPr sz="1800" kern="1200">
-          <a:solidFill>
-            <a:schemeClr val="tx1"/>
-          </a:solidFill>
-          <a:latin typeface="+mn-lt"/>
-          <a:ea typeface="+mn-ea"/>
-          <a:cs typeface="+mn-cs"/>
-        </a:defRPr>
-      </a:lvl5pPr>
-      <a:lvl6pPr marL="2285268" algn="l" defTabSz="914108" rtl="0" eaLnBrk="1" latinLnBrk="0" hangingPunct="1">
-        <a:defRPr sz="1800" kern="1200">
-          <a:solidFill>
-            <a:schemeClr val="tx1"/>
-          </a:solidFill>
-          <a:latin typeface="+mn-lt"/>
-          <a:ea typeface="+mn-ea"/>
-          <a:cs typeface="+mn-cs"/>
-        </a:defRPr>
-      </a:lvl6pPr>
-      <a:lvl7pPr marL="2742322" algn="l" defTabSz="914108" rtl="0" eaLnBrk="1" latinLnBrk="0" hangingPunct="1">
-        <a:defRPr sz="1800" kern="1200">
-          <a:solidFill>
-            <a:schemeClr val="tx1"/>
-          </a:solidFill>
-          <a:latin typeface="+mn-lt"/>
-          <a:ea typeface="+mn-ea"/>
-          <a:cs typeface="+mn-cs"/>
-        </a:defRPr>
-      </a:lvl7pPr>
-      <a:lvl8pPr marL="3199376" algn="l" defTabSz="914108" rtl="0" eaLnBrk="1" latinLnBrk="0" hangingPunct="1">
-        <a:defRPr sz="1800" kern="1200">
-          <a:solidFill>
-            <a:schemeClr val="tx1"/>
-          </a:solidFill>
-          <a:latin typeface="+mn-lt"/>
-          <a:ea typeface="+mn-ea"/>
-          <a:cs typeface="+mn-cs"/>
-        </a:defRPr>
-      </a:lvl8pPr>
-      <a:lvl9pPr marL="3656430" algn="l" defTabSz="914108" rtl="0" eaLnBrk="1" latinLnBrk="0" hangingPunct="1">
-        <a:defRPr sz="1800" kern="1200">
-          <a:solidFill>
-            <a:schemeClr val="tx1"/>
-          </a:solidFill>
-          <a:latin typeface="+mn-lt"/>
-          <a:ea typeface="+mn-ea"/>
-          <a:cs typeface="+mn-cs"/>
-        </a:defRPr>
-      </a:lvl9pPr>
-    </p:otherStyle>
-  </p:txStyles>
-</p:sldMaster>
+  <p:clrMapOvr>
+    <a:masterClrMapping/>
+  </p:clrMapOvr>
+  <p:transition spd="slow" advClick="0" advTm="10000">
+    <p:wipe/>
+  </p:transition>
+  <p:timing>
+    <p:tnLst>
+      <p:par>
+        <p:cTn id="1" dur="indefinite" restart="never" nodeType="tmRoot">
+          <p:childTnLst>
+            <p:seq concurrent="1" nextAc="seek">
+              <p:cTn id="2" dur="indefinite" nodeType="mainSeq">
+                <p:childTnLst>
+                  <p:par>
+                    <p:cTn id="3" fill="hold">
+                      <p:stCondLst>
+                        <p:cond delay="indefinite"/>
+                        <p:cond evt="onBegin" delay="0">
+                          <p:tn val="2"/>
+                        </p:cond>
+                      </p:stCondLst>
+                      <p:childTnLst>
+                        <p:par>
+                          <p:cTn id="4" fill="hold">
+                            <p:stCondLst>
+                              <p:cond delay="0"/>
+                            </p:stCondLst>
+                            <p:childTnLst>
+                              <p:par>
+                                <p:cTn id="5" presetID="6" presetClass="entr" presetSubtype="16" fill="hold" nodeType="withEffect">
+                                  <p:stCondLst>
+                                    <p:cond delay="2000"/>
+                                  </p:stCondLst>
+                                  <p:childTnLst>
+                                    <p:set>
+                                      <p:cBhvr>
+                                        <p:cTn id="6" dur="1" fill="hold">
+                                          <p:stCondLst>
+                                            <p:cond delay="0"/>
+                                          </p:stCondLst>
+                                        </p:cTn>
+                                        <p:tgtEl>
+                                          <p:spTgt spid="3">
+                                            <p:txEl>
+                                              <p:pRg st="0" end="0"/>
+                                            </p:txEl>
+                                          </p:spTgt>
+                                        </p:tgtEl>
+                                        <p:attrNameLst>
+                                          <p:attrName>style.visibility</p:attrName>
+                                        </p:attrNameLst>
+                                      </p:cBhvr>
+                                      <p:to>
+                                        <p:strVal val="visible"/>
+                                      </p:to>
+                                    </p:set>
+                                    <p:animEffect transition="in" filter="circle(in)">
+                                      <p:cBhvr>
+                                        <p:cTn id="7" dur="1500"/>
+                                        <p:tgtEl>
+                                          <p:spTgt spid="3">
+                                            <p:txEl>
+                                              <p:pRg st="0" end="0"/>
+                                            </p:txEl>
+                                          </p:spTgt>
+                                        </p:tgtEl>
+                                      </p:cBhvr>
+                                    </p:animEffect>
+                                  </p:childTnLst>
+                                </p:cTn>
+                              </p:par>
+                              <p:par>
+                                <p:cTn id="8" presetID="6" presetClass="entr" presetSubtype="16" fill="hold" nodeType="withEffect">
+                                  <p:stCondLst>
+                                    <p:cond delay="2000"/>
+                                  </p:stCondLst>
+                                  <p:childTnLst>
+                                    <p:set>
+                                      <p:cBhvr>
+                                        <p:cTn id="9" dur="1" fill="hold">
+                                          <p:stCondLst>
+                                            <p:cond delay="0"/>
+                                          </p:stCondLst>
+                                        </p:cTn>
+                                        <p:tgtEl>
+                                          <p:spTgt spid="3">
+                                            <p:txEl>
+                                              <p:pRg st="2" end="2"/>
+                                            </p:txEl>
+                                          </p:spTgt>
+                                        </p:tgtEl>
+                                        <p:attrNameLst>
+                                          <p:attrName>style.visibility</p:attrName>
+                                        </p:attrNameLst>
+                                      </p:cBhvr>
+                                      <p:to>
+                                        <p:strVal val="visible"/>
+                                      </p:to>
+                                    </p:set>
+                                    <p:animEffect transition="in" filter="circle(in)">
+                                      <p:cBhvr>
+                                        <p:cTn id="10" dur="1500"/>
+                                        <p:tgtEl>
+                                          <p:spTgt spid="3">
+                                            <p:txEl>
+                                              <p:pRg st="2" end="2"/>
+                                            </p:txEl>
+                                          </p:spTgt>
+                                        </p:tgtEl>
+                                      </p:cBhvr>
+                                    </p:animEffect>
+                                  </p:childTnLst>
+                                </p:cTn>
+                              </p:par>
+                              <p:par>
+                                <p:cTn id="11" presetID="6" presetClass="entr" presetSubtype="16" fill="hold" nodeType="withEffect">
+                                  <p:stCondLst>
+                                    <p:cond delay="2000"/>
+                                  </p:stCondLst>
+                                  <p:childTnLst>
+                                    <p:set>
+                                      <p:cBhvr>
+                                        <p:cTn id="12" dur="1" fill="hold">
+                                          <p:stCondLst>
+                                            <p:cond delay="0"/>
+                                          </p:stCondLst>
+                                        </p:cTn>
+                                        <p:tgtEl>
+                                          <p:spTgt spid="3">
+                                            <p:txEl>
+                                              <p:pRg st="4" end="4"/>
+                                            </p:txEl>
+                                          </p:spTgt>
+                                        </p:tgtEl>
+                                        <p:attrNameLst>
+                                          <p:attrName>style.visibility</p:attrName>
+                                        </p:attrNameLst>
+                                      </p:cBhvr>
+                                      <p:to>
+                                        <p:strVal val="visible"/>
+                                      </p:to>
+                                    </p:set>
+                                    <p:animEffect transition="in" filter="circle(in)">
+                                      <p:cBhvr>
+                                        <p:cTn id="13" dur="1500"/>
+                                        <p:tgtEl>
+                                          <p:spTgt spid="3">
+                                            <p:txEl>
+                                              <p:pRg st="4" end="4"/>
+                                            </p:txEl>
+                                          </p:spTgt>
+                                        </p:tgtEl>
+                                      </p:cBhvr>
+                                    </p:animEffect>
+                                  </p:childTnLst>
+                                </p:cTn>
+                              </p:par>
+                            </p:childTnLst>
+                          </p:cTn>
+                        </p:par>
+                      </p:childTnLst>
+                    </p:cTn>
+                  </p:par>
+                </p:childTnLst>
+              </p:cTn>
+              <p:prevCondLst>
+                <p:cond evt="onPrev" delay="0">
+                  <p:tgtEl>
+                    <p:sldTgt/>
+                  </p:tgtEl>
+                </p:cond>
+              </p:prevCondLst>
+              <p:nextCondLst>
+                <p:cond evt="onNext" delay="0">
+                  <p:tgtEl>
+                    <p:sldTgt/>
+                  </p:tgtEl>
+                </p:cond>
+              </p:nextCondLst>
+            </p:seq>
+          </p:childTnLst>
+        </p:cTn>
+      </p:par>
+    </p:tnLst>
+  </p:timing>
+</p:sld>
 </file>
 
-<file path=ppt/slides/slide1.xml><?xml version="1.0" encoding="utf-8"?>
-<p:sld xmlns:a="http://schemas.openxmlformats.org/drawingml/2006/main" xmlns:r="http://schemas.openxmlformats.org/officeDocument/2006/relationships" xmlns:p="http://schemas.openxmlformats.org/presentationml/2006/main" show="0">
+<file path=ppt/slides/slide2.xml><?xml version="1.0" encoding="utf-8"?>
+<p:sld xmlns:a="http://schemas.openxmlformats.org/drawingml/2006/main" xmlns:r="http://schemas.openxmlformats.org/officeDocument/2006/relationships" xmlns:p="http://schemas.openxmlformats.org/presentationml/2006/main">
   <p:cSld>
     <p:bg>
       <p:bgPr>
@@ -7097,114 +4985,65 @@
   <p:clrMapOvr>
     <a:masterClrMapping/>
   </p:clrMapOvr>
+  <p:transition spd="slow" advClick="0" advTm="10000">
+    <p:wipe/>
+  </p:transition>
 </p:sld>
 </file>
 
 <file path=ppt/theme/theme1.xml><?xml version="1.0" encoding="utf-8"?>
-<a:theme xmlns:a="http://schemas.openxmlformats.org/drawingml/2006/main" name="Office Theme">
+<a:theme xmlns:a="http://schemas.openxmlformats.org/drawingml/2006/main" name="Basis">
   <a:themeElements>
-    <a:clrScheme name="Office">
+    <a:clrScheme name="Basis">
       <a:dk1>
-        <a:sysClr val="windowText" lastClr="000000"/>
+        <a:srgbClr val="000000"/>
       </a:dk1>
       <a:lt1>
-        <a:sysClr val="window" lastClr="FFFFFF"/>
+        <a:srgbClr val="FFFFFF"/>
       </a:lt1>
       <a:dk2>
-        <a:srgbClr val="44546A"/>
+        <a:srgbClr val="565349"/>
       </a:dk2>
       <a:lt2>
-        <a:srgbClr val="E7E6E6"/>
+        <a:srgbClr val="DDDDDD"/>
       </a:lt2>
       <a:accent1>
-        <a:srgbClr val="4472C4"/>
+        <a:srgbClr val="A6B727"/>
       </a:accent1>
       <a:accent2>
-        <a:srgbClr val="ED7D31"/>
+        <a:srgbClr val="DF5327"/>
       </a:accent2>
       <a:accent3>
-        <a:srgbClr val="A5A5A5"/>
+        <a:srgbClr val="FE9E00"/>
       </a:accent3>
       <a:accent4>
-        <a:srgbClr val="FFC000"/>
+        <a:srgbClr val="418AB3"/>
       </a:accent4>
       <a:accent5>
-        <a:srgbClr val="5B9BD5"/>
+        <a:srgbClr val="D7D447"/>
       </a:accent5>
       <a:accent6>
-        <a:srgbClr val="70AD47"/>
+        <a:srgbClr val="818183"/>
       </a:accent6>
       <a:hlink>
-        <a:srgbClr val="0563C1"/>
+        <a:srgbClr val="F59E00"/>
       </a:hlink>
       <a:folHlink>
-        <a:srgbClr val="954F72"/>
+        <a:srgbClr val="B2B2B2"/>
       </a:folHlink>
     </a:clrScheme>
-    <a:fontScheme name="Office">
+    <a:fontScheme name="Basis">
       <a:majorFont>
-        <a:latin typeface="Calibri Light" panose="020F0302020204030204"/>
+        <a:latin typeface="Corbel" panose="020B0503020204020204"/>
         <a:ea typeface=""/>
         <a:cs typeface=""/>
-        <a:font script="Jpan" typeface="游ゴシック Light"/>
+        <a:font script="Jpan" typeface="ＭＳ ゴシック"/>
         <a:font script="Hang" typeface="맑은 고딕"/>
-        <a:font script="Hans" typeface="等线 Light"/>
+        <a:font script="Hans" typeface="宋体"/>
         <a:font script="Hant" typeface="新細明體"/>
-        <a:font script="Arab" typeface="Times New Roman"/>
-        <a:font script="Hebr" typeface="Times New Roman"/>
-        <a:font script="Thai" typeface="Angsana New"/>
-        <a:font script="Ethi" typeface="Nyala"/>
-        <a:font script="Beng" typeface="Vrinda"/>
-        <a:font script="Gujr" typeface="Shruti"/>
-        <a:font script="Khmr" typeface="MoolBoran"/>
-        <a:font script="Knda" typeface="Tunga"/>
-        <a:font script="Guru" typeface="Raavi"/>
-        <a:font script="Cans" typeface="Euphemia"/>
-        <a:font script="Cher" typeface="Plantagenet Cherokee"/>
-        <a:font script="Yiii" typeface="Microsoft Yi Baiti"/>
-        <a:font script="Tibt" typeface="Microsoft Himalaya"/>
-        <a:font script="Thaa" typeface="MV Boli"/>
-        <a:font script="Deva" typeface="Mangal"/>
-        <a:font script="Telu" typeface="Gautami"/>
-        <a:font script="Taml" typeface="Latha"/>
-        <a:font script="Syrc" typeface="Estrangelo Edessa"/>
-        <a:font script="Orya" typeface="Kalinga"/>
-        <a:font script="Mlym" typeface="Kartika"/>
-        <a:font script="Laoo" typeface="DokChampa"/>
-        <a:font script="Sinh" typeface="Iskoola Pota"/>
-        <a:font script="Mong" typeface="Mongolian Baiti"/>
-        <a:font script="Viet" typeface="Times New Roman"/>
-        <a:font script="Uigh" typeface="Microsoft Uighur"/>
-        <a:font script="Geor" typeface="Sylfaen"/>
-        <a:font script="Armn" typeface="Arial"/>
-        <a:font script="Bugi" typeface="Leelawadee UI"/>
-        <a:font script="Bopo" typeface="Microsoft JhengHei"/>
-        <a:font script="Java" typeface="Javanese Text"/>
-        <a:font script="Lisu" typeface="Segoe UI"/>
-        <a:font script="Mymr" typeface="Myanmar Text"/>
-        <a:font script="Nkoo" typeface="Ebrima"/>
-        <a:font script="Olck" typeface="Nirmala UI"/>
-        <a:font script="Osma" typeface="Ebrima"/>
-        <a:font script="Phag" typeface="Phagspa"/>
-        <a:font script="Syrn" typeface="Estrangelo Edessa"/>
-        <a:font script="Syrj" typeface="Estrangelo Edessa"/>
-        <a:font script="Syre" typeface="Estrangelo Edessa"/>
-        <a:font script="Sora" typeface="Nirmala UI"/>
-        <a:font script="Tale" typeface="Microsoft Tai Le"/>
-        <a:font script="Talu" typeface="Microsoft New Tai Lue"/>
-        <a:font script="Tfng" typeface="Ebrima"/>
-      </a:majorFont>
-      <a:minorFont>
-        <a:latin typeface="Calibri" panose="020F0502020204030204"/>
-        <a:ea typeface=""/>
-        <a:cs typeface=""/>
-        <a:font script="Jpan" typeface="游ゴシック"/>
-        <a:font script="Hang" typeface="맑은 고딕"/>
-        <a:font script="Hans" typeface="等线"/>
-        <a:font script="Hant" typeface="新細明體"/>
-        <a:font script="Arab" typeface="Arial"/>
-        <a:font script="Hebr" typeface="Arial"/>
-        <a:font script="Thai" typeface="Cordia New"/>
+        <a:font script="Arab" typeface="Tahoma"/>
+        <a:font script="Hebr" typeface="Gisha"/>
+        <a:font script="Thai" typeface="DilleniaUPC"/>
         <a:font script="Ethi" typeface="Nyala"/>
         <a:font script="Beng" typeface="Vrinda"/>
         <a:font script="Gujr" typeface="Shruti"/>
@@ -7225,263 +5064,21 @@
         <a:font script="Laoo" typeface="DokChampa"/>
         <a:font script="Sinh" typeface="Iskoola Pota"/>
         <a:font script="Mong" typeface="Mongolian Baiti"/>
-        <a:font script="Viet" typeface="Arial"/>
+        <a:font script="Viet" typeface="Tahoma"/>
         <a:font script="Uigh" typeface="Microsoft Uighur"/>
         <a:font script="Geor" typeface="Sylfaen"/>
-        <a:font script="Armn" typeface="Arial"/>
-        <a:font script="Bugi" typeface="Leelawadee UI"/>
-        <a:font script="Bopo" typeface="Microsoft JhengHei"/>
-        <a:font script="Java" typeface="Javanese Text"/>
-        <a:font script="Lisu" typeface="Segoe UI"/>
-        <a:font script="Mymr" typeface="Myanmar Text"/>
-        <a:font script="Nkoo" typeface="Ebrima"/>
-        <a:font script="Olck" typeface="Nirmala UI"/>
-        <a:font script="Osma" typeface="Ebrima"/>
-        <a:font script="Phag" typeface="Phagspa"/>
-        <a:font script="Syrn" typeface="Estrangelo Edessa"/>
-        <a:font script="Syrj" typeface="Estrangelo Edessa"/>
-        <a:font script="Syre" typeface="Estrangelo Edessa"/>
-        <a:font script="Sora" typeface="Nirmala UI"/>
-        <a:font script="Tale" typeface="Microsoft Tai Le"/>
-        <a:font script="Talu" typeface="Microsoft New Tai Lue"/>
-        <a:font script="Tfng" typeface="Ebrima"/>
-      </a:minorFont>
-    </a:fontScheme>
-    <a:fmtScheme name="Office">
-      <a:fillStyleLst>
-        <a:solidFill>
-          <a:schemeClr val="phClr"/>
-        </a:solidFill>
-        <a:gradFill rotWithShape="1">
-          <a:gsLst>
-            <a:gs pos="0">
-              <a:schemeClr val="phClr">
-                <a:lumMod val="110000"/>
-                <a:satMod val="105000"/>
-                <a:tint val="67000"/>
-              </a:schemeClr>
-            </a:gs>
-            <a:gs pos="50000">
-              <a:schemeClr val="phClr">
-                <a:lumMod val="105000"/>
-                <a:satMod val="103000"/>
-                <a:tint val="73000"/>
-              </a:schemeClr>
-            </a:gs>
-            <a:gs pos="100000">
-              <a:schemeClr val="phClr">
-                <a:lumMod val="105000"/>
-                <a:satMod val="109000"/>
-                <a:tint val="81000"/>
-              </a:schemeClr>
-            </a:gs>
-          </a:gsLst>
-          <a:lin ang="5400000" scaled="0"/>
-        </a:gradFill>
-        <a:gradFill rotWithShape="1">
-          <a:gsLst>
-            <a:gs pos="0">
-              <a:schemeClr val="phClr">
-                <a:satMod val="103000"/>
-                <a:lumMod val="102000"/>
-                <a:tint val="94000"/>
-              </a:schemeClr>
-            </a:gs>
-            <a:gs pos="50000">
-              <a:schemeClr val="phClr">
-                <a:satMod val="110000"/>
-                <a:lumMod val="100000"/>
-                <a:shade val="100000"/>
-              </a:schemeClr>
-            </a:gs>
-            <a:gs pos="100000">
-              <a:schemeClr val="phClr">
-                <a:lumMod val="99000"/>
-                <a:satMod val="120000"/>
-                <a:shade val="78000"/>
-              </a:schemeClr>
-            </a:gs>
-          </a:gsLst>
-          <a:lin ang="5400000" scaled="0"/>
-        </a:gradFill>
-      </a:fillStyleLst>
-      <a:lnStyleLst>
-        <a:ln w="6350" cap="flat" cmpd="sng" algn="ctr">
-          <a:solidFill>
-            <a:schemeClr val="phClr"/>
-          </a:solidFill>
-          <a:prstDash val="solid"/>
-          <a:miter lim="800000"/>
-        </a:ln>
-        <a:ln w="12700" cap="flat" cmpd="sng" algn="ctr">
-          <a:solidFill>
-            <a:schemeClr val="phClr"/>
-          </a:solidFill>
-          <a:prstDash val="solid"/>
-          <a:miter lim="800000"/>
-        </a:ln>
-        <a:ln w="19050" cap="flat" cmpd="sng" algn="ctr">
-          <a:solidFill>
-            <a:schemeClr val="phClr"/>
-          </a:solidFill>
-          <a:prstDash val="solid"/>
-          <a:miter lim="800000"/>
-        </a:ln>
-      </a:lnStyleLst>
-      <a:effectStyleLst>
-        <a:effectStyle>
-          <a:effectLst/>
-        </a:effectStyle>
-        <a:effectStyle>
-          <a:effectLst/>
-        </a:effectStyle>
-        <a:effectStyle>
-          <a:effectLst>
-            <a:outerShdw blurRad="57150" dist="19050" dir="5400000" algn="ctr" rotWithShape="0">
-              <a:srgbClr val="000000">
-                <a:alpha val="63000"/>
-              </a:srgbClr>
-            </a:outerShdw>
-          </a:effectLst>
-        </a:effectStyle>
-      </a:effectStyleLst>
-      <a:bgFillStyleLst>
-        <a:solidFill>
-          <a:schemeClr val="phClr"/>
-        </a:solidFill>
-        <a:solidFill>
-          <a:schemeClr val="phClr">
-            <a:tint val="95000"/>
-            <a:satMod val="170000"/>
-          </a:schemeClr>
-        </a:solidFill>
-        <a:gradFill rotWithShape="1">
-          <a:gsLst>
-            <a:gs pos="0">
-              <a:schemeClr val="phClr">
-                <a:tint val="93000"/>
-                <a:satMod val="150000"/>
-                <a:shade val="98000"/>
-                <a:lumMod val="102000"/>
-              </a:schemeClr>
-            </a:gs>
-            <a:gs pos="50000">
-              <a:schemeClr val="phClr">
-                <a:tint val="98000"/>
-                <a:satMod val="130000"/>
-                <a:shade val="90000"/>
-                <a:lumMod val="103000"/>
-              </a:schemeClr>
-            </a:gs>
-            <a:gs pos="100000">
-              <a:schemeClr val="phClr">
-                <a:shade val="63000"/>
-                <a:satMod val="120000"/>
-              </a:schemeClr>
-            </a:gs>
-          </a:gsLst>
-          <a:lin ang="5400000" scaled="0"/>
-        </a:gradFill>
-      </a:bgFillStyleLst>
-    </a:fmtScheme>
-  </a:themeElements>
-  <a:objectDefaults/>
-  <a:extraClrSchemeLst/>
-  <a:extLst>
-    <a:ext uri="{05A4C25C-085E-4340-85A3-A5531E510DB2}">
-      <thm15:themeFamily xmlns:thm15="http://schemas.microsoft.com/office/thememl/2012/main" name="Office Theme" id="{62F939B6-93AF-4DB8-9C6B-D6C7DFDC589F}" vid="{4A3C46E8-61CC-4603-A589-7422A47A8E4A}"/>
-    </a:ext>
-  </a:extLst>
-</a:theme>
-</file>
-
-<file path=ppt/theme/theme2.xml><?xml version="1.0" encoding="utf-8"?>
-<a:theme xmlns:a="http://schemas.openxmlformats.org/drawingml/2006/main" name="1_Office Theme">
-  <a:themeElements>
-    <a:clrScheme name="Office">
-      <a:dk1>
-        <a:sysClr val="windowText" lastClr="000000"/>
-      </a:dk1>
-      <a:lt1>
-        <a:sysClr val="window" lastClr="FFFFFF"/>
-      </a:lt1>
-      <a:dk2>
-        <a:srgbClr val="1F497D"/>
-      </a:dk2>
-      <a:lt2>
-        <a:srgbClr val="EEECE1"/>
-      </a:lt2>
-      <a:accent1>
-        <a:srgbClr val="4F81BD"/>
-      </a:accent1>
-      <a:accent2>
-        <a:srgbClr val="C0504D"/>
-      </a:accent2>
-      <a:accent3>
-        <a:srgbClr val="9BBB59"/>
-      </a:accent3>
-      <a:accent4>
-        <a:srgbClr val="8064A2"/>
-      </a:accent4>
-      <a:accent5>
-        <a:srgbClr val="4BACC6"/>
-      </a:accent5>
-      <a:accent6>
-        <a:srgbClr val="F79646"/>
-      </a:accent6>
-      <a:hlink>
-        <a:srgbClr val="0000FF"/>
-      </a:hlink>
-      <a:folHlink>
-        <a:srgbClr val="800080"/>
-      </a:folHlink>
-    </a:clrScheme>
-    <a:fontScheme name="Office">
-      <a:majorFont>
-        <a:latin typeface="Calibri"/>
+      </a:majorFont>
+      <a:minorFont>
+        <a:latin typeface="Corbel" panose="020B0503020204020204"/>
         <a:ea typeface=""/>
         <a:cs typeface=""/>
-        <a:font script="Jpan" typeface="ＭＳ Ｐゴシック"/>
+        <a:font script="Jpan" typeface="ＭＳ ゴシック"/>
         <a:font script="Hang" typeface="맑은 고딕"/>
         <a:font script="Hans" typeface="宋体"/>
         <a:font script="Hant" typeface="新細明體"/>
-        <a:font script="Arab" typeface="Times New Roman"/>
-        <a:font script="Hebr" typeface="Times New Roman"/>
-        <a:font script="Thai" typeface="Angsana New"/>
-        <a:font script="Ethi" typeface="Nyala"/>
-        <a:font script="Beng" typeface="Vrinda"/>
-        <a:font script="Gujr" typeface="Shruti"/>
-        <a:font script="Khmr" typeface="MoolBoran"/>
-        <a:font script="Knda" typeface="Tunga"/>
-        <a:font script="Guru" typeface="Raavi"/>
-        <a:font script="Cans" typeface="Euphemia"/>
-        <a:font script="Cher" typeface="Plantagenet Cherokee"/>
-        <a:font script="Yiii" typeface="Microsoft Yi Baiti"/>
-        <a:font script="Tibt" typeface="Microsoft Himalaya"/>
-        <a:font script="Thaa" typeface="MV Boli"/>
-        <a:font script="Deva" typeface="Mangal"/>
-        <a:font script="Telu" typeface="Gautami"/>
-        <a:font script="Taml" typeface="Latha"/>
-        <a:font script="Syrc" typeface="Estrangelo Edessa"/>
-        <a:font script="Orya" typeface="Kalinga"/>
-        <a:font script="Mlym" typeface="Kartika"/>
-        <a:font script="Laoo" typeface="DokChampa"/>
-        <a:font script="Sinh" typeface="Iskoola Pota"/>
-        <a:font script="Mong" typeface="Mongolian Baiti"/>
-        <a:font script="Viet" typeface="Times New Roman"/>
-        <a:font script="Uigh" typeface="Microsoft Uighur"/>
-      </a:majorFont>
-      <a:minorFont>
-        <a:latin typeface="Calibri"/>
-        <a:ea typeface=""/>
-        <a:cs typeface=""/>
-        <a:font script="Jpan" typeface="ＭＳ Ｐゴシック"/>
-        <a:font script="Hang" typeface="맑은 고딕"/>
-        <a:font script="Hans" typeface="宋体"/>
-        <a:font script="Hant" typeface="新細明體"/>
-        <a:font script="Arab" typeface="Arial"/>
-        <a:font script="Hebr" typeface="Arial"/>
-        <a:font script="Thai" typeface="Cordia New"/>
+        <a:font script="Arab" typeface="Tahoma"/>
+        <a:font script="Hebr" typeface="Gisha"/>
+        <a:font script="Thai" typeface="DilleniaUPC"/>
         <a:font script="Ethi" typeface="Nyala"/>
         <a:font script="Beng" typeface="Vrinda"/>
         <a:font script="Gujr" typeface="Shruti"/>
@@ -7502,79 +5099,59 @@
         <a:font script="Laoo" typeface="DokChampa"/>
         <a:font script="Sinh" typeface="Iskoola Pota"/>
         <a:font script="Mong" typeface="Mongolian Baiti"/>
-        <a:font script="Viet" typeface="Arial"/>
+        <a:font script="Viet" typeface="Verdana"/>
         <a:font script="Uigh" typeface="Microsoft Uighur"/>
+        <a:font script="Geor" typeface="Sylfaen"/>
       </a:minorFont>
     </a:fontScheme>
-    <a:fmtScheme name="Office">
+    <a:fmtScheme name="Basis">
       <a:fillStyleLst>
         <a:solidFill>
           <a:schemeClr val="phClr"/>
         </a:solidFill>
+        <a:solidFill>
+          <a:schemeClr val="phClr">
+            <a:tint val="55000"/>
+            <a:satMod val="130000"/>
+          </a:schemeClr>
+        </a:solidFill>
         <a:gradFill rotWithShape="1">
           <a:gsLst>
             <a:gs pos="0">
+              <a:schemeClr val="phClr"/>
+            </a:gs>
+            <a:gs pos="90000">
               <a:schemeClr val="phClr">
-                <a:tint val="50000"/>
-                <a:satMod val="300000"/>
-              </a:schemeClr>
-            </a:gs>
-            <a:gs pos="35000">
-              <a:schemeClr val="phClr">
-                <a:tint val="37000"/>
-                <a:satMod val="300000"/>
+                <a:shade val="100000"/>
+                <a:satMod val="105000"/>
               </a:schemeClr>
             </a:gs>
             <a:gs pos="100000">
               <a:schemeClr val="phClr">
-                <a:tint val="15000"/>
-                <a:satMod val="350000"/>
+                <a:shade val="80000"/>
+                <a:satMod val="120000"/>
               </a:schemeClr>
             </a:gs>
           </a:gsLst>
-          <a:lin ang="16200000" scaled="1"/>
-        </a:gradFill>
-        <a:gradFill rotWithShape="1">
-          <a:gsLst>
-            <a:gs pos="0">
-              <a:schemeClr val="phClr">
-                <a:shade val="51000"/>
-                <a:satMod val="130000"/>
-              </a:schemeClr>
-            </a:gs>
-            <a:gs pos="80000">
-              <a:schemeClr val="phClr">
-                <a:shade val="93000"/>
-                <a:satMod val="130000"/>
-              </a:schemeClr>
-            </a:gs>
-            <a:gs pos="100000">
-              <a:schemeClr val="phClr">
-                <a:shade val="94000"/>
-                <a:satMod val="135000"/>
-              </a:schemeClr>
-            </a:gs>
-          </a:gsLst>
-          <a:lin ang="16200000" scaled="0"/>
+          <a:path path="circle">
+            <a:fillToRect l="100000" t="100000" r="100000" b="100000"/>
+          </a:path>
         </a:gradFill>
       </a:fillStyleLst>
       <a:lnStyleLst>
-        <a:ln w="9525" cap="flat" cmpd="sng" algn="ctr">
-          <a:solidFill>
-            <a:schemeClr val="phClr">
-              <a:shade val="95000"/>
-              <a:satMod val="105000"/>
-            </a:schemeClr>
-          </a:solidFill>
-          <a:prstDash val="solid"/>
-        </a:ln>
-        <a:ln w="25400" cap="flat" cmpd="sng" algn="ctr">
+        <a:ln w="10000" cap="flat" cmpd="sng" algn="ctr">
           <a:solidFill>
             <a:schemeClr val="phClr"/>
           </a:solidFill>
           <a:prstDash val="solid"/>
         </a:ln>
-        <a:ln w="38100" cap="flat" cmpd="sng" algn="ctr">
+        <a:ln w="19050" cap="flat" cmpd="sng" algn="ctr">
+          <a:solidFill>
+            <a:schemeClr val="phClr"/>
+          </a:solidFill>
+          <a:prstDash val="solid"/>
+        </a:ln>
+        <a:ln w="53975" cap="flat" cmpd="dbl" algn="ctr">
           <a:solidFill>
             <a:schemeClr val="phClr"/>
           </a:solidFill>
@@ -7583,28 +5160,22 @@
       </a:lnStyleLst>
       <a:effectStyleLst>
         <a:effectStyle>
+          <a:effectLst/>
+        </a:effectStyle>
+        <a:effectStyle>
           <a:effectLst>
-            <a:outerShdw blurRad="40000" dist="20000" dir="5400000" rotWithShape="0">
+            <a:outerShdw blurRad="38100" dist="25400" dir="5400000" rotWithShape="0">
               <a:srgbClr val="000000">
-                <a:alpha val="38000"/>
+                <a:alpha val="45000"/>
               </a:srgbClr>
             </a:outerShdw>
           </a:effectLst>
         </a:effectStyle>
         <a:effectStyle>
           <a:effectLst>
-            <a:outerShdw blurRad="40000" dist="23000" dir="5400000" rotWithShape="0">
+            <a:outerShdw blurRad="38100" dist="25400" dir="5400000" rotWithShape="0">
               <a:srgbClr val="000000">
-                <a:alpha val="35000"/>
-              </a:srgbClr>
-            </a:outerShdw>
-          </a:effectLst>
-        </a:effectStyle>
-        <a:effectStyle>
-          <a:effectLst>
-            <a:outerShdw blurRad="40000" dist="23000" dir="5400000" rotWithShape="0">
-              <a:srgbClr val="000000">
-                <a:alpha val="35000"/>
+                <a:alpha val="45000"/>
               </a:srgbClr>
             </a:outerShdw>
           </a:effectLst>
@@ -7612,12 +5183,16 @@
             <a:camera prst="orthographicFront">
               <a:rot lat="0" lon="0" rev="0"/>
             </a:camera>
-            <a:lightRig rig="threePt" dir="t">
-              <a:rot lat="0" lon="0" rev="1200000"/>
-            </a:lightRig>
+            <a:lightRig rig="brightRoom" dir="t"/>
           </a:scene3d>
-          <a:sp3d>
-            <a:bevelT w="63500" h="25400"/>
+          <a:sp3d extrusionH="12700" contourW="25400" prstMaterial="flat">
+            <a:bevelT w="63500" h="152400" prst="angle"/>
+            <a:contourClr>
+              <a:schemeClr val="phClr">
+                <a:shade val="27000"/>
+                <a:satMod val="120000"/>
+              </a:schemeClr>
+            </a:contourClr>
           </a:sp3d>
         </a:effectStyle>
       </a:effectStyleLst>
@@ -7625,60 +5200,35 @@
         <a:solidFill>
           <a:schemeClr val="phClr"/>
         </a:solidFill>
-        <a:gradFill rotWithShape="1">
-          <a:gsLst>
-            <a:gs pos="0">
-              <a:schemeClr val="phClr">
-                <a:tint val="40000"/>
-                <a:satMod val="350000"/>
-              </a:schemeClr>
-            </a:gs>
-            <a:gs pos="40000">
-              <a:schemeClr val="phClr">
-                <a:tint val="45000"/>
-                <a:shade val="99000"/>
-                <a:satMod val="350000"/>
-              </a:schemeClr>
-            </a:gs>
-            <a:gs pos="100000">
-              <a:schemeClr val="phClr">
-                <a:shade val="20000"/>
-                <a:satMod val="255000"/>
-              </a:schemeClr>
-            </a:gs>
-          </a:gsLst>
-          <a:path path="circle">
-            <a:fillToRect l="50000" t="-80000" r="50000" b="180000"/>
-          </a:path>
-        </a:gradFill>
-        <a:gradFill rotWithShape="1">
-          <a:gsLst>
-            <a:gs pos="0">
-              <a:schemeClr val="phClr">
-                <a:tint val="80000"/>
-                <a:satMod val="300000"/>
-              </a:schemeClr>
-            </a:gs>
-            <a:gs pos="100000">
-              <a:schemeClr val="phClr">
-                <a:shade val="30000"/>
-                <a:satMod val="200000"/>
-              </a:schemeClr>
-            </a:gs>
-          </a:gsLst>
-          <a:path path="circle">
-            <a:fillToRect l="50000" t="50000" r="50000" b="50000"/>
-          </a:path>
-        </a:gradFill>
+        <a:solidFill>
+          <a:schemeClr val="phClr">
+            <a:tint val="95000"/>
+            <a:shade val="95000"/>
+            <a:satMod val="140000"/>
+          </a:schemeClr>
+        </a:solidFill>
+        <a:solidFill>
+          <a:schemeClr val="phClr">
+            <a:tint val="90000"/>
+            <a:shade val="85000"/>
+            <a:satMod val="160000"/>
+            <a:lumMod val="110000"/>
+          </a:schemeClr>
+        </a:solidFill>
       </a:bgFillStyleLst>
     </a:fmtScheme>
   </a:themeElements>
   <a:objectDefaults/>
   <a:extraClrSchemeLst/>
+  <a:extLst>
+    <a:ext uri="{05A4C25C-085E-4340-85A3-A5531E510DB2}">
+      <thm15:themeFamily xmlns:thm15="http://schemas.microsoft.com/office/thememl/2012/main" name="Basis" id="{5665723A-49BA-4B57-8411-A56F8F207965}" vid="{90E45F77-AEFC-46EF-A7C1-5B338C297B02}"/>
+    </a:ext>
+  </a:extLst>
 </a:theme>
 </file>
 
-<file path=ppt/theme/theme3.xml><?xml version="1.0" encoding="utf-8"?>
+<file path=ppt/theme/theme2.xml><?xml version="1.0" encoding="utf-8"?>
 <a:theme xmlns:a="http://schemas.openxmlformats.org/drawingml/2006/main" name="Office Theme">
   <a:themeElements>
     <a:clrScheme name="Office">
